--- a/Documentations/RemiseMiSession/Présentation.pptx
+++ b/Documentations/RemiseMiSession/Présentation.pptx
@@ -6,15 +6,20 @@
   </p:sldMasterIdLst>
   <p:sldIdLst>
     <p:sldId id="256" r:id="rId2"/>
-    <p:sldId id="257" r:id="rId3"/>
-    <p:sldId id="258" r:id="rId4"/>
-    <p:sldId id="259" r:id="rId5"/>
-    <p:sldId id="260" r:id="rId6"/>
-    <p:sldId id="261" r:id="rId7"/>
-    <p:sldId id="262" r:id="rId8"/>
-    <p:sldId id="263" r:id="rId9"/>
-    <p:sldId id="264" r:id="rId10"/>
-    <p:sldId id="265" r:id="rId11"/>
+    <p:sldId id="273" r:id="rId3"/>
+    <p:sldId id="271" r:id="rId4"/>
+    <p:sldId id="272" r:id="rId5"/>
+    <p:sldId id="274" r:id="rId6"/>
+    <p:sldId id="275" r:id="rId7"/>
+    <p:sldId id="276" r:id="rId8"/>
+    <p:sldId id="266" r:id="rId9"/>
+    <p:sldId id="267" r:id="rId10"/>
+    <p:sldId id="268" r:id="rId11"/>
+    <p:sldId id="269" r:id="rId12"/>
+    <p:sldId id="270" r:id="rId13"/>
+    <p:sldId id="279" r:id="rId14"/>
+    <p:sldId id="277" r:id="rId15"/>
+    <p:sldId id="278" r:id="rId16"/>
   </p:sldIdLst>
   <p:sldSz cx="12192000" cy="6858000"/>
   <p:notesSz cx="6858000" cy="9144000"/>
@@ -113,7 +118,47 @@
       </a:defRPr>
     </a:lvl9pPr>
   </p:defaultTextStyle>
+  <p:extLst>
+    <p:ext uri="{EFAFB233-063F-42B5-8137-9DF3F51BA10A}">
+      <p15:sldGuideLst xmlns:p15="http://schemas.microsoft.com/office/powerpoint/2012/main"/>
+    </p:ext>
+  </p:extLst>
 </p:presentation>
+</file>
+
+<file path=ppt/commentAuthors.xml><?xml version="1.0" encoding="utf-8"?>
+<p:cmAuthorLst xmlns:a="http://schemas.openxmlformats.org/drawingml/2006/main" xmlns:r="http://schemas.openxmlformats.org/officeDocument/2006/relationships" xmlns:p="http://schemas.openxmlformats.org/presentationml/2006/main">
+  <p:cmAuthor id="1" name="Félix G. Harvey" initials="FGH" lastIdx="2" clrIdx="0">
+    <p:extLst>
+      <p:ext uri="{19B8F6BF-5375-455C-9EA6-DF929625EA0E}">
+        <p15:presenceInfo xmlns:p15="http://schemas.microsoft.com/office/powerpoint/2012/main" userId="71731106b6baf65b" providerId="Windows Live"/>
+      </p:ext>
+    </p:extLst>
+  </p:cmAuthor>
+</p:cmAuthorLst>
+</file>
+
+<file path=ppt/comments/comment1.xml><?xml version="1.0" encoding="utf-8"?>
+<p:cmLst xmlns:a="http://schemas.openxmlformats.org/drawingml/2006/main" xmlns:r="http://schemas.openxmlformats.org/officeDocument/2006/relationships" xmlns:p="http://schemas.openxmlformats.org/presentationml/2006/main">
+  <p:cm authorId="1" dt="2014-02-18T21:29:38.711" idx="1">
+    <p:pos x="10" y="10"/>
+    <p:text/>
+    <p:extLst>
+      <p:ext uri="{C676402C-5697-4E1C-873F-D02D1690AC5C}">
+        <p15:threadingInfo xmlns:p15="http://schemas.microsoft.com/office/powerpoint/2012/main" timeZoneBias="300"/>
+      </p:ext>
+    </p:extLst>
+  </p:cm>
+  <p:cm authorId="1" dt="2014-02-18T21:29:39.492" idx="2">
+    <p:pos x="146" y="146"/>
+    <p:text/>
+    <p:extLst>
+      <p:ext uri="{C676402C-5697-4E1C-873F-D02D1690AC5C}">
+        <p15:threadingInfo xmlns:p15="http://schemas.microsoft.com/office/powerpoint/2012/main" timeZoneBias="300"/>
+      </p:ext>
+    </p:extLst>
+  </p:cm>
+</p:cmLst>
 </file>
 
 <file path=ppt/slideLayouts/slideLayout1.xml><?xml version="1.0" encoding="utf-8"?>
@@ -5839,7 +5884,7 @@
       </p:grpSpPr>
       <p:sp>
         <p:nvSpPr>
-          <p:cNvPr id="2" name="Title 1"/>
+          <p:cNvPr id="2" name="Titre 1"/>
           <p:cNvSpPr>
             <a:spLocks noGrp="1"/>
           </p:cNvSpPr>
@@ -5853,8 +5898,8 @@
           <a:lstStyle/>
           <a:p>
             <a:r>
-              <a:rPr lang="fr-CA" dirty="0" smtClean="0"/>
-              <a:t>Démo</a:t>
+              <a:rPr lang="en-CA" dirty="0" smtClean="0"/>
+              <a:t>Piano</a:t>
             </a:r>
             <a:endParaRPr lang="fr-CA" dirty="0"/>
           </a:p>
@@ -5862,7 +5907,7 @@
       </p:sp>
       <p:sp>
         <p:nvSpPr>
-          <p:cNvPr id="3" name="Content Placeholder 2"/>
+          <p:cNvPr id="3" name="Espace réservé du contenu 2"/>
           <p:cNvSpPr>
             <a:spLocks noGrp="1"/>
           </p:cNvSpPr>
@@ -5875,6 +5920,391 @@
           <a:bodyPr/>
           <a:lstStyle/>
           <a:p>
+            <a:r>
+              <a:rPr lang="en-CA" b="1" dirty="0" smtClean="0"/>
+              <a:t>Intelligence </a:t>
+            </a:r>
+            <a:r>
+              <a:rPr lang="en-CA" b="1" dirty="0" err="1" smtClean="0"/>
+              <a:t>artificielle</a:t>
+            </a:r>
+            <a:endParaRPr lang="en-CA" b="1" dirty="0" smtClean="0"/>
+          </a:p>
+          <a:p>
+            <a:pPr lvl="1"/>
+            <a:r>
+              <a:rPr lang="en-CA" dirty="0" err="1" smtClean="0"/>
+              <a:t>Déterminer</a:t>
+            </a:r>
+            <a:r>
+              <a:rPr lang="en-CA" dirty="0" smtClean="0"/>
+              <a:t> la note </a:t>
+            </a:r>
+            <a:r>
+              <a:rPr lang="en-CA" dirty="0" err="1" smtClean="0"/>
+              <a:t>jouée</a:t>
+            </a:r>
+            <a:r>
+              <a:rPr lang="en-CA" dirty="0" smtClean="0"/>
+              <a:t> la plus probable.</a:t>
+            </a:r>
+          </a:p>
+          <a:p>
+            <a:pPr lvl="1"/>
+            <a:r>
+              <a:rPr lang="en-CA" dirty="0" err="1" smtClean="0"/>
+              <a:t>Estimer</a:t>
+            </a:r>
+            <a:r>
+              <a:rPr lang="en-CA" dirty="0" smtClean="0"/>
+              <a:t> la </a:t>
+            </a:r>
+            <a:r>
+              <a:rPr lang="en-CA" dirty="0" err="1" smtClean="0"/>
+              <a:t>vitesse</a:t>
+            </a:r>
+            <a:r>
+              <a:rPr lang="en-CA" dirty="0" smtClean="0"/>
+              <a:t> </a:t>
+            </a:r>
+            <a:r>
+              <a:rPr lang="en-CA" dirty="0" err="1" smtClean="0"/>
+              <a:t>d’enfoncement</a:t>
+            </a:r>
+            <a:r>
+              <a:rPr lang="en-CA" dirty="0" smtClean="0"/>
+              <a:t> des notes.</a:t>
+            </a:r>
+          </a:p>
+          <a:p>
+            <a:pPr lvl="1"/>
+            <a:r>
+              <a:rPr lang="en-CA" dirty="0" err="1" smtClean="0"/>
+              <a:t>Réduire</a:t>
+            </a:r>
+            <a:r>
+              <a:rPr lang="en-CA" dirty="0" smtClean="0"/>
+              <a:t> le bruit.</a:t>
+            </a:r>
+          </a:p>
+          <a:p>
+            <a:pPr lvl="1"/>
+            <a:endParaRPr lang="en-CA" dirty="0"/>
+          </a:p>
+          <a:p>
+            <a:r>
+              <a:rPr lang="en-CA" b="1" dirty="0" err="1" smtClean="0"/>
+              <a:t>Rétroaction</a:t>
+            </a:r>
+            <a:endParaRPr lang="en-CA" b="1" dirty="0" smtClean="0"/>
+          </a:p>
+          <a:p>
+            <a:pPr lvl="1"/>
+            <a:r>
+              <a:rPr lang="en-CA" dirty="0" smtClean="0"/>
+              <a:t>Ne pas </a:t>
+            </a:r>
+            <a:r>
+              <a:rPr lang="en-CA" dirty="0" err="1" smtClean="0"/>
+              <a:t>obstruer</a:t>
+            </a:r>
+            <a:r>
+              <a:rPr lang="en-CA" dirty="0" smtClean="0"/>
+              <a:t> le champ de vision.</a:t>
+            </a:r>
+          </a:p>
+          <a:p>
+            <a:pPr lvl="1"/>
+            <a:r>
+              <a:rPr lang="en-CA" dirty="0" err="1" smtClean="0"/>
+              <a:t>Illuminer</a:t>
+            </a:r>
+            <a:r>
+              <a:rPr lang="en-CA" dirty="0" smtClean="0"/>
+              <a:t> les notes qui </a:t>
+            </a:r>
+            <a:r>
+              <a:rPr lang="en-CA" dirty="0" err="1" smtClean="0"/>
+              <a:t>vont</a:t>
+            </a:r>
+            <a:r>
+              <a:rPr lang="en-CA" dirty="0" smtClean="0"/>
+              <a:t> </a:t>
+            </a:r>
+            <a:r>
+              <a:rPr lang="en-CA" dirty="0" err="1" smtClean="0"/>
+              <a:t>être</a:t>
+            </a:r>
+            <a:r>
+              <a:rPr lang="en-CA" dirty="0" smtClean="0"/>
+              <a:t> </a:t>
+            </a:r>
+            <a:r>
+              <a:rPr lang="en-CA" dirty="0" err="1" smtClean="0"/>
+              <a:t>jouées</a:t>
+            </a:r>
+            <a:r>
+              <a:rPr lang="en-CA" dirty="0" smtClean="0"/>
+              <a:t>.</a:t>
+            </a:r>
+          </a:p>
+          <a:p>
+            <a:pPr lvl="1"/>
+            <a:endParaRPr lang="fr-CA" dirty="0"/>
+          </a:p>
+        </p:txBody>
+      </p:sp>
+      <p:sp>
+        <p:nvSpPr>
+          <p:cNvPr id="4" name="Rectangle 3"/>
+          <p:cNvSpPr/>
+          <p:nvPr/>
+        </p:nvSpPr>
+        <p:spPr>
+          <a:xfrm>
+            <a:off x="7959634" y="2368731"/>
+            <a:ext cx="740229" cy="3405052"/>
+          </a:xfrm>
+          <a:prstGeom prst="rect">
+            <a:avLst/>
+          </a:prstGeom>
+          <a:solidFill>
+            <a:schemeClr val="tx1"/>
+          </a:solidFill>
+        </p:spPr>
+        <p:style>
+          <a:lnRef idx="2">
+            <a:schemeClr val="accent1">
+              <a:shade val="50000"/>
+            </a:schemeClr>
+          </a:lnRef>
+          <a:fillRef idx="1">
+            <a:schemeClr val="accent1"/>
+          </a:fillRef>
+          <a:effectRef idx="0">
+            <a:schemeClr val="accent1"/>
+          </a:effectRef>
+          <a:fontRef idx="minor">
+            <a:schemeClr val="lt1"/>
+          </a:fontRef>
+        </p:style>
+        <p:txBody>
+          <a:bodyPr rtlCol="0" anchor="ctr"/>
+          <a:lstStyle/>
+          <a:p>
+            <a:pPr algn="ctr"/>
+            <a:endParaRPr lang="fr-CA"/>
+          </a:p>
+        </p:txBody>
+      </p:sp>
+      <p:sp>
+        <p:nvSpPr>
+          <p:cNvPr id="5" name="Rectangle 4"/>
+          <p:cNvSpPr/>
+          <p:nvPr/>
+        </p:nvSpPr>
+        <p:spPr>
+          <a:xfrm>
+            <a:off x="8834846" y="2368731"/>
+            <a:ext cx="740229" cy="3405052"/>
+          </a:xfrm>
+          <a:prstGeom prst="rect">
+            <a:avLst/>
+          </a:prstGeom>
+          <a:solidFill>
+            <a:schemeClr val="tx1"/>
+          </a:solidFill>
+        </p:spPr>
+        <p:style>
+          <a:lnRef idx="2">
+            <a:schemeClr val="accent1">
+              <a:shade val="50000"/>
+            </a:schemeClr>
+          </a:lnRef>
+          <a:fillRef idx="1">
+            <a:schemeClr val="accent1"/>
+          </a:fillRef>
+          <a:effectRef idx="0">
+            <a:schemeClr val="accent1"/>
+          </a:effectRef>
+          <a:fontRef idx="minor">
+            <a:schemeClr val="lt1"/>
+          </a:fontRef>
+        </p:style>
+        <p:txBody>
+          <a:bodyPr rtlCol="0" anchor="ctr"/>
+          <a:lstStyle/>
+          <a:p>
+            <a:pPr algn="ctr"/>
+            <a:endParaRPr lang="fr-CA"/>
+          </a:p>
+        </p:txBody>
+      </p:sp>
+      <p:sp>
+        <p:nvSpPr>
+          <p:cNvPr id="6" name="Rectangle 5"/>
+          <p:cNvSpPr/>
+          <p:nvPr/>
+        </p:nvSpPr>
+        <p:spPr>
+          <a:xfrm>
+            <a:off x="8524606" y="2368731"/>
+            <a:ext cx="507275" cy="1994263"/>
+          </a:xfrm>
+          <a:prstGeom prst="rect">
+            <a:avLst/>
+          </a:prstGeom>
+          <a:solidFill>
+            <a:schemeClr val="bg1"/>
+          </a:solidFill>
+        </p:spPr>
+        <p:style>
+          <a:lnRef idx="2">
+            <a:schemeClr val="accent1">
+              <a:shade val="50000"/>
+            </a:schemeClr>
+          </a:lnRef>
+          <a:fillRef idx="1">
+            <a:schemeClr val="accent1"/>
+          </a:fillRef>
+          <a:effectRef idx="0">
+            <a:schemeClr val="accent1"/>
+          </a:effectRef>
+          <a:fontRef idx="minor">
+            <a:schemeClr val="lt1"/>
+          </a:fontRef>
+        </p:style>
+        <p:txBody>
+          <a:bodyPr rtlCol="0" anchor="ctr"/>
+          <a:lstStyle/>
+          <a:p>
+            <a:pPr algn="ctr"/>
+            <a:endParaRPr lang="fr-CA"/>
+          </a:p>
+        </p:txBody>
+      </p:sp>
+      <p:sp>
+        <p:nvSpPr>
+          <p:cNvPr id="7" name="Rectangle 6"/>
+          <p:cNvSpPr/>
+          <p:nvPr/>
+        </p:nvSpPr>
+        <p:spPr>
+          <a:xfrm>
+            <a:off x="9710058" y="2368731"/>
+            <a:ext cx="740229" cy="3405052"/>
+          </a:xfrm>
+          <a:prstGeom prst="rect">
+            <a:avLst/>
+          </a:prstGeom>
+          <a:solidFill>
+            <a:schemeClr val="tx1"/>
+          </a:solidFill>
+        </p:spPr>
+        <p:style>
+          <a:lnRef idx="2">
+            <a:schemeClr val="accent1">
+              <a:shade val="50000"/>
+            </a:schemeClr>
+          </a:lnRef>
+          <a:fillRef idx="1">
+            <a:schemeClr val="accent1"/>
+          </a:fillRef>
+          <a:effectRef idx="0">
+            <a:schemeClr val="accent1"/>
+          </a:effectRef>
+          <a:fontRef idx="minor">
+            <a:schemeClr val="lt1"/>
+          </a:fontRef>
+        </p:style>
+        <p:txBody>
+          <a:bodyPr rtlCol="0" anchor="ctr"/>
+          <a:lstStyle/>
+          <a:p>
+            <a:pPr algn="ctr"/>
+            <a:endParaRPr lang="fr-CA"/>
+          </a:p>
+        </p:txBody>
+      </p:sp>
+      <p:sp>
+        <p:nvSpPr>
+          <p:cNvPr id="8" name="Rectangle 7"/>
+          <p:cNvSpPr/>
+          <p:nvPr/>
+        </p:nvSpPr>
+        <p:spPr>
+          <a:xfrm>
+            <a:off x="9388929" y="2368731"/>
+            <a:ext cx="507275" cy="1994263"/>
+          </a:xfrm>
+          <a:prstGeom prst="rect">
+            <a:avLst/>
+          </a:prstGeom>
+          <a:solidFill>
+            <a:schemeClr val="bg1"/>
+          </a:solidFill>
+        </p:spPr>
+        <p:style>
+          <a:lnRef idx="2">
+            <a:schemeClr val="accent1">
+              <a:shade val="50000"/>
+            </a:schemeClr>
+          </a:lnRef>
+          <a:fillRef idx="1">
+            <a:schemeClr val="accent1"/>
+          </a:fillRef>
+          <a:effectRef idx="0">
+            <a:schemeClr val="accent1"/>
+          </a:effectRef>
+          <a:fontRef idx="minor">
+            <a:schemeClr val="lt1"/>
+          </a:fontRef>
+        </p:style>
+        <p:txBody>
+          <a:bodyPr rtlCol="0" anchor="ctr"/>
+          <a:lstStyle/>
+          <a:p>
+            <a:pPr algn="ctr"/>
+            <a:endParaRPr lang="fr-CA"/>
+          </a:p>
+        </p:txBody>
+      </p:sp>
+      <p:sp>
+        <p:nvSpPr>
+          <p:cNvPr id="9" name="Ellipse 8"/>
+          <p:cNvSpPr/>
+          <p:nvPr/>
+        </p:nvSpPr>
+        <p:spPr>
+          <a:xfrm>
+            <a:off x="8361861" y="4698656"/>
+            <a:ext cx="584567" cy="592183"/>
+          </a:xfrm>
+          <a:prstGeom prst="ellipse">
+            <a:avLst/>
+          </a:prstGeom>
+        </p:spPr>
+        <p:style>
+          <a:lnRef idx="2">
+            <a:schemeClr val="accent1">
+              <a:shade val="50000"/>
+            </a:schemeClr>
+          </a:lnRef>
+          <a:fillRef idx="1">
+            <a:schemeClr val="accent1"/>
+          </a:fillRef>
+          <a:effectRef idx="0">
+            <a:schemeClr val="accent1"/>
+          </a:effectRef>
+          <a:fontRef idx="minor">
+            <a:schemeClr val="lt1"/>
+          </a:fontRef>
+        </p:style>
+        <p:txBody>
+          <a:bodyPr rtlCol="0" anchor="ctr"/>
+          <a:lstStyle/>
+          <a:p>
+            <a:pPr algn="ctr"/>
             <a:endParaRPr lang="fr-CA"/>
           </a:p>
         </p:txBody>
@@ -5882,7 +6312,2351 @@
     </p:spTree>
     <p:extLst>
       <p:ext uri="{BB962C8B-B14F-4D97-AF65-F5344CB8AC3E}">
-        <p14:creationId xmlns:p14="http://schemas.microsoft.com/office/powerpoint/2010/main" val="2532924102"/>
+        <p14:creationId xmlns:p14="http://schemas.microsoft.com/office/powerpoint/2010/main" val="2486063150"/>
+      </p:ext>
+    </p:extLst>
+  </p:cSld>
+  <p:clrMapOvr>
+    <a:masterClrMapping/>
+  </p:clrMapOvr>
+</p:sld>
+</file>
+
+<file path=ppt/slides/slide11.xml><?xml version="1.0" encoding="utf-8"?>
+<p:sld xmlns:a="http://schemas.openxmlformats.org/drawingml/2006/main" xmlns:r="http://schemas.openxmlformats.org/officeDocument/2006/relationships" xmlns:p="http://schemas.openxmlformats.org/presentationml/2006/main">
+  <p:cSld>
+    <p:spTree>
+      <p:nvGrpSpPr>
+        <p:cNvPr id="1" name=""/>
+        <p:cNvGrpSpPr/>
+        <p:nvPr/>
+      </p:nvGrpSpPr>
+      <p:grpSpPr>
+        <a:xfrm>
+          <a:off x="0" y="0"/>
+          <a:ext cx="0" cy="0"/>
+          <a:chOff x="0" y="0"/>
+          <a:chExt cx="0" cy="0"/>
+        </a:xfrm>
+      </p:grpSpPr>
+      <p:sp>
+        <p:nvSpPr>
+          <p:cNvPr id="2" name="Title 1"/>
+          <p:cNvSpPr>
+            <a:spLocks noGrp="1"/>
+          </p:cNvSpPr>
+          <p:nvPr>
+            <p:ph type="title"/>
+          </p:nvPr>
+        </p:nvSpPr>
+        <p:spPr>
+          <a:xfrm>
+            <a:off x="2342606" y="764373"/>
+            <a:ext cx="9163594" cy="1293028"/>
+          </a:xfrm>
+        </p:spPr>
+        <p:txBody>
+          <a:bodyPr/>
+          <a:lstStyle/>
+          <a:p>
+            <a:r>
+              <a:rPr lang="fr-CA" dirty="0" smtClean="0"/>
+              <a:t>Interaction avec l’application</a:t>
+            </a:r>
+            <a:endParaRPr lang="fr-CA" dirty="0"/>
+          </a:p>
+        </p:txBody>
+      </p:sp>
+      <p:sp>
+        <p:nvSpPr>
+          <p:cNvPr id="3" name="Content Placeholder 2"/>
+          <p:cNvSpPr>
+            <a:spLocks noGrp="1"/>
+          </p:cNvSpPr>
+          <p:nvPr>
+            <p:ph idx="1"/>
+          </p:nvPr>
+        </p:nvSpPr>
+        <p:spPr/>
+        <p:txBody>
+          <a:bodyPr/>
+          <a:lstStyle/>
+          <a:p>
+            <a:r>
+              <a:rPr lang="en-CA" b="1" dirty="0" smtClean="0"/>
+              <a:t>Reconnaissance de </a:t>
+            </a:r>
+            <a:r>
+              <a:rPr lang="en-CA" b="1" dirty="0" err="1" smtClean="0"/>
+              <a:t>gestes</a:t>
+            </a:r>
+            <a:endParaRPr lang="en-CA" b="1" dirty="0" smtClean="0"/>
+          </a:p>
+          <a:p>
+            <a:pPr lvl="1"/>
+            <a:r>
+              <a:rPr lang="en-CA" dirty="0" smtClean="0"/>
+              <a:t>Un </a:t>
+            </a:r>
+            <a:r>
+              <a:rPr lang="en-CA" dirty="0" err="1" smtClean="0"/>
+              <a:t>GameObject</a:t>
+            </a:r>
+            <a:r>
+              <a:rPr lang="en-CA" dirty="0" smtClean="0"/>
+              <a:t> </a:t>
+            </a:r>
+            <a:r>
+              <a:rPr lang="en-CA" dirty="0" err="1" smtClean="0"/>
+              <a:t>surveille</a:t>
+            </a:r>
+            <a:r>
+              <a:rPr lang="en-CA" dirty="0" smtClean="0"/>
+              <a:t> les </a:t>
+            </a:r>
+            <a:r>
+              <a:rPr lang="en-CA" dirty="0" err="1" smtClean="0"/>
+              <a:t>gestes</a:t>
+            </a:r>
+            <a:r>
+              <a:rPr lang="en-CA" dirty="0" smtClean="0"/>
+              <a:t> en </a:t>
+            </a:r>
+            <a:r>
+              <a:rPr lang="en-CA" dirty="0" err="1" smtClean="0"/>
+              <a:t>continu</a:t>
+            </a:r>
+            <a:r>
+              <a:rPr lang="en-CA" dirty="0" smtClean="0"/>
+              <a:t>.</a:t>
+            </a:r>
+            <a:endParaRPr lang="fr-CA" dirty="0"/>
+          </a:p>
+        </p:txBody>
+      </p:sp>
+      <p:cxnSp>
+        <p:nvCxnSpPr>
+          <p:cNvPr id="5" name="Connecteur droit 4"/>
+          <p:cNvCxnSpPr/>
+          <p:nvPr/>
+        </p:nvCxnSpPr>
+        <p:spPr>
+          <a:xfrm flipV="1">
+            <a:off x="1873431" y="4897706"/>
+            <a:ext cx="357052" cy="862148"/>
+          </a:xfrm>
+          <a:prstGeom prst="line">
+            <a:avLst/>
+          </a:prstGeom>
+          <a:ln w="57150"/>
+        </p:spPr>
+        <p:style>
+          <a:lnRef idx="1">
+            <a:schemeClr val="accent1"/>
+          </a:lnRef>
+          <a:fillRef idx="0">
+            <a:schemeClr val="accent1"/>
+          </a:fillRef>
+          <a:effectRef idx="0">
+            <a:schemeClr val="accent1"/>
+          </a:effectRef>
+          <a:fontRef idx="minor">
+            <a:schemeClr val="tx1"/>
+          </a:fontRef>
+        </p:style>
+      </p:cxnSp>
+      <p:cxnSp>
+        <p:nvCxnSpPr>
+          <p:cNvPr id="6" name="Connecteur droit 5"/>
+          <p:cNvCxnSpPr/>
+          <p:nvPr/>
+        </p:nvCxnSpPr>
+        <p:spPr>
+          <a:xfrm flipH="1" flipV="1">
+            <a:off x="2278381" y="4897706"/>
+            <a:ext cx="317862" cy="862148"/>
+          </a:xfrm>
+          <a:prstGeom prst="line">
+            <a:avLst/>
+          </a:prstGeom>
+          <a:ln w="57150"/>
+        </p:spPr>
+        <p:style>
+          <a:lnRef idx="1">
+            <a:schemeClr val="accent1"/>
+          </a:lnRef>
+          <a:fillRef idx="0">
+            <a:schemeClr val="accent1"/>
+          </a:fillRef>
+          <a:effectRef idx="0">
+            <a:schemeClr val="accent1"/>
+          </a:effectRef>
+          <a:fontRef idx="minor">
+            <a:schemeClr val="tx1"/>
+          </a:fontRef>
+        </p:style>
+      </p:cxnSp>
+      <p:cxnSp>
+        <p:nvCxnSpPr>
+          <p:cNvPr id="12" name="Connecteur droit 11"/>
+          <p:cNvCxnSpPr/>
+          <p:nvPr/>
+        </p:nvCxnSpPr>
+        <p:spPr>
+          <a:xfrm flipV="1">
+            <a:off x="2265318" y="4061683"/>
+            <a:ext cx="13063" cy="836023"/>
+          </a:xfrm>
+          <a:prstGeom prst="line">
+            <a:avLst/>
+          </a:prstGeom>
+          <a:ln w="57150"/>
+        </p:spPr>
+        <p:style>
+          <a:lnRef idx="1">
+            <a:schemeClr val="accent1"/>
+          </a:lnRef>
+          <a:fillRef idx="0">
+            <a:schemeClr val="accent1"/>
+          </a:fillRef>
+          <a:effectRef idx="0">
+            <a:schemeClr val="accent1"/>
+          </a:effectRef>
+          <a:fontRef idx="minor">
+            <a:schemeClr val="tx1"/>
+          </a:fontRef>
+        </p:style>
+      </p:cxnSp>
+      <p:cxnSp>
+        <p:nvCxnSpPr>
+          <p:cNvPr id="15" name="Connecteur droit 14"/>
+          <p:cNvCxnSpPr/>
+          <p:nvPr/>
+        </p:nvCxnSpPr>
+        <p:spPr>
+          <a:xfrm>
+            <a:off x="1688374" y="3312746"/>
+            <a:ext cx="561704" cy="722812"/>
+          </a:xfrm>
+          <a:prstGeom prst="line">
+            <a:avLst/>
+          </a:prstGeom>
+          <a:ln w="57150"/>
+        </p:spPr>
+        <p:style>
+          <a:lnRef idx="1">
+            <a:schemeClr val="accent1"/>
+          </a:lnRef>
+          <a:fillRef idx="0">
+            <a:schemeClr val="accent1"/>
+          </a:fillRef>
+          <a:effectRef idx="0">
+            <a:schemeClr val="accent1"/>
+          </a:effectRef>
+          <a:fontRef idx="minor">
+            <a:schemeClr val="tx1"/>
+          </a:fontRef>
+        </p:style>
+      </p:cxnSp>
+      <p:cxnSp>
+        <p:nvCxnSpPr>
+          <p:cNvPr id="16" name="Connecteur droit 15"/>
+          <p:cNvCxnSpPr/>
+          <p:nvPr/>
+        </p:nvCxnSpPr>
+        <p:spPr>
+          <a:xfrm flipH="1">
+            <a:off x="2297977" y="3434666"/>
+            <a:ext cx="701038" cy="600892"/>
+          </a:xfrm>
+          <a:prstGeom prst="line">
+            <a:avLst/>
+          </a:prstGeom>
+          <a:ln w="57150"/>
+        </p:spPr>
+        <p:style>
+          <a:lnRef idx="1">
+            <a:schemeClr val="accent1"/>
+          </a:lnRef>
+          <a:fillRef idx="0">
+            <a:schemeClr val="accent1"/>
+          </a:fillRef>
+          <a:effectRef idx="0">
+            <a:schemeClr val="accent1"/>
+          </a:effectRef>
+          <a:fontRef idx="minor">
+            <a:schemeClr val="tx1"/>
+          </a:fontRef>
+        </p:style>
+      </p:cxnSp>
+      <p:sp>
+        <p:nvSpPr>
+          <p:cNvPr id="20" name="Ellipse 19"/>
+          <p:cNvSpPr/>
+          <p:nvPr/>
+        </p:nvSpPr>
+        <p:spPr>
+          <a:xfrm>
+            <a:off x="2051957" y="3308775"/>
+            <a:ext cx="513806" cy="513806"/>
+          </a:xfrm>
+          <a:prstGeom prst="ellipse">
+            <a:avLst/>
+          </a:prstGeom>
+        </p:spPr>
+        <p:style>
+          <a:lnRef idx="2">
+            <a:schemeClr val="accent1">
+              <a:shade val="50000"/>
+            </a:schemeClr>
+          </a:lnRef>
+          <a:fillRef idx="1">
+            <a:schemeClr val="accent1"/>
+          </a:fillRef>
+          <a:effectRef idx="0">
+            <a:schemeClr val="accent1"/>
+          </a:effectRef>
+          <a:fontRef idx="minor">
+            <a:schemeClr val="lt1"/>
+          </a:fontRef>
+        </p:style>
+        <p:txBody>
+          <a:bodyPr rtlCol="0" anchor="ctr"/>
+          <a:lstStyle/>
+          <a:p>
+            <a:pPr algn="ctr"/>
+            <a:endParaRPr lang="fr-CA"/>
+          </a:p>
+        </p:txBody>
+      </p:sp>
+      <p:pic>
+        <p:nvPicPr>
+          <p:cNvPr id="2050" name="Picture 2" descr="Stop, Icon, Free, Watch, Stopwatch, Chronograph"/>
+          <p:cNvPicPr>
+            <a:picLocks noChangeAspect="1" noChangeArrowheads="1"/>
+          </p:cNvPicPr>
+          <p:nvPr/>
+        </p:nvPicPr>
+        <p:blipFill>
+          <a:blip r:embed="rId2" cstate="print">
+            <a:extLst>
+              <a:ext uri="{28A0092B-C50C-407E-A947-70E740481C1C}">
+                <a14:useLocalDpi xmlns:a14="http://schemas.microsoft.com/office/drawing/2010/main" val="0"/>
+              </a:ext>
+            </a:extLst>
+          </a:blip>
+          <a:srcRect/>
+          <a:stretch>
+            <a:fillRect/>
+          </a:stretch>
+        </p:blipFill>
+        <p:spPr bwMode="auto">
+          <a:xfrm>
+            <a:off x="2437312" y="4926072"/>
+            <a:ext cx="910045" cy="1218471"/>
+          </a:xfrm>
+          <a:prstGeom prst="rect">
+            <a:avLst/>
+          </a:prstGeom>
+          <a:noFill/>
+          <a:extLst>
+            <a:ext uri="{909E8E84-426E-40DD-AFC4-6F175D3DCCD1}">
+              <a14:hiddenFill xmlns:a14="http://schemas.microsoft.com/office/drawing/2010/main">
+                <a:solidFill>
+                  <a:srgbClr val="FFFFFF"/>
+                </a:solidFill>
+              </a14:hiddenFill>
+            </a:ext>
+          </a:extLst>
+        </p:spPr>
+      </p:pic>
+      <p:cxnSp>
+        <p:nvCxnSpPr>
+          <p:cNvPr id="22" name="Connecteur droit 21"/>
+          <p:cNvCxnSpPr/>
+          <p:nvPr/>
+        </p:nvCxnSpPr>
+        <p:spPr>
+          <a:xfrm flipV="1">
+            <a:off x="6472498" y="4897706"/>
+            <a:ext cx="357052" cy="862148"/>
+          </a:xfrm>
+          <a:prstGeom prst="line">
+            <a:avLst/>
+          </a:prstGeom>
+          <a:ln w="57150"/>
+        </p:spPr>
+        <p:style>
+          <a:lnRef idx="1">
+            <a:schemeClr val="accent1"/>
+          </a:lnRef>
+          <a:fillRef idx="0">
+            <a:schemeClr val="accent1"/>
+          </a:fillRef>
+          <a:effectRef idx="0">
+            <a:schemeClr val="accent1"/>
+          </a:effectRef>
+          <a:fontRef idx="minor">
+            <a:schemeClr val="tx1"/>
+          </a:fontRef>
+        </p:style>
+      </p:cxnSp>
+      <p:cxnSp>
+        <p:nvCxnSpPr>
+          <p:cNvPr id="23" name="Connecteur droit 22"/>
+          <p:cNvCxnSpPr/>
+          <p:nvPr/>
+        </p:nvCxnSpPr>
+        <p:spPr>
+          <a:xfrm flipH="1" flipV="1">
+            <a:off x="6877448" y="4897706"/>
+            <a:ext cx="317862" cy="862148"/>
+          </a:xfrm>
+          <a:prstGeom prst="line">
+            <a:avLst/>
+          </a:prstGeom>
+          <a:ln w="57150"/>
+        </p:spPr>
+        <p:style>
+          <a:lnRef idx="1">
+            <a:schemeClr val="accent1"/>
+          </a:lnRef>
+          <a:fillRef idx="0">
+            <a:schemeClr val="accent1"/>
+          </a:fillRef>
+          <a:effectRef idx="0">
+            <a:schemeClr val="accent1"/>
+          </a:effectRef>
+          <a:fontRef idx="minor">
+            <a:schemeClr val="tx1"/>
+          </a:fontRef>
+        </p:style>
+      </p:cxnSp>
+      <p:cxnSp>
+        <p:nvCxnSpPr>
+          <p:cNvPr id="24" name="Connecteur droit 23"/>
+          <p:cNvCxnSpPr/>
+          <p:nvPr/>
+        </p:nvCxnSpPr>
+        <p:spPr>
+          <a:xfrm flipV="1">
+            <a:off x="6864385" y="4061683"/>
+            <a:ext cx="13063" cy="836023"/>
+          </a:xfrm>
+          <a:prstGeom prst="line">
+            <a:avLst/>
+          </a:prstGeom>
+          <a:ln w="57150"/>
+        </p:spPr>
+        <p:style>
+          <a:lnRef idx="1">
+            <a:schemeClr val="accent1"/>
+          </a:lnRef>
+          <a:fillRef idx="0">
+            <a:schemeClr val="accent1"/>
+          </a:fillRef>
+          <a:effectRef idx="0">
+            <a:schemeClr val="accent1"/>
+          </a:effectRef>
+          <a:fontRef idx="minor">
+            <a:schemeClr val="tx1"/>
+          </a:fontRef>
+        </p:style>
+      </p:cxnSp>
+      <p:cxnSp>
+        <p:nvCxnSpPr>
+          <p:cNvPr id="25" name="Connecteur droit 24"/>
+          <p:cNvCxnSpPr/>
+          <p:nvPr/>
+        </p:nvCxnSpPr>
+        <p:spPr>
+          <a:xfrm flipV="1">
+            <a:off x="6335339" y="4035558"/>
+            <a:ext cx="513806" cy="432163"/>
+          </a:xfrm>
+          <a:prstGeom prst="line">
+            <a:avLst/>
+          </a:prstGeom>
+          <a:ln w="57150"/>
+        </p:spPr>
+        <p:style>
+          <a:lnRef idx="1">
+            <a:schemeClr val="accent1"/>
+          </a:lnRef>
+          <a:fillRef idx="0">
+            <a:schemeClr val="accent1"/>
+          </a:fillRef>
+          <a:effectRef idx="0">
+            <a:schemeClr val="accent1"/>
+          </a:effectRef>
+          <a:fontRef idx="minor">
+            <a:schemeClr val="tx1"/>
+          </a:fontRef>
+        </p:style>
+      </p:cxnSp>
+      <p:cxnSp>
+        <p:nvCxnSpPr>
+          <p:cNvPr id="26" name="Connecteur droit 25"/>
+          <p:cNvCxnSpPr/>
+          <p:nvPr/>
+        </p:nvCxnSpPr>
+        <p:spPr>
+          <a:xfrm flipH="1" flipV="1">
+            <a:off x="6897044" y="4035558"/>
+            <a:ext cx="267786" cy="229627"/>
+          </a:xfrm>
+          <a:prstGeom prst="line">
+            <a:avLst/>
+          </a:prstGeom>
+          <a:ln w="57150"/>
+        </p:spPr>
+        <p:style>
+          <a:lnRef idx="1">
+            <a:schemeClr val="accent1"/>
+          </a:lnRef>
+          <a:fillRef idx="0">
+            <a:schemeClr val="accent1"/>
+          </a:fillRef>
+          <a:effectRef idx="0">
+            <a:schemeClr val="accent1"/>
+          </a:effectRef>
+          <a:fontRef idx="minor">
+            <a:schemeClr val="tx1"/>
+          </a:fontRef>
+        </p:style>
+      </p:cxnSp>
+      <p:sp>
+        <p:nvSpPr>
+          <p:cNvPr id="27" name="Ellipse 26"/>
+          <p:cNvSpPr/>
+          <p:nvPr/>
+        </p:nvSpPr>
+        <p:spPr>
+          <a:xfrm>
+            <a:off x="6651024" y="3308775"/>
+            <a:ext cx="513806" cy="513806"/>
+          </a:xfrm>
+          <a:prstGeom prst="ellipse">
+            <a:avLst/>
+          </a:prstGeom>
+        </p:spPr>
+        <p:style>
+          <a:lnRef idx="2">
+            <a:schemeClr val="accent1">
+              <a:shade val="50000"/>
+            </a:schemeClr>
+          </a:lnRef>
+          <a:fillRef idx="1">
+            <a:schemeClr val="accent1"/>
+          </a:fillRef>
+          <a:effectRef idx="0">
+            <a:schemeClr val="accent1"/>
+          </a:effectRef>
+          <a:fontRef idx="minor">
+            <a:schemeClr val="lt1"/>
+          </a:fontRef>
+        </p:style>
+        <p:txBody>
+          <a:bodyPr rtlCol="0" anchor="ctr"/>
+          <a:lstStyle/>
+          <a:p>
+            <a:pPr algn="ctr"/>
+            <a:endParaRPr lang="fr-CA"/>
+          </a:p>
+        </p:txBody>
+      </p:sp>
+      <p:cxnSp>
+        <p:nvCxnSpPr>
+          <p:cNvPr id="30" name="Connecteur droit 29"/>
+          <p:cNvCxnSpPr/>
+          <p:nvPr/>
+        </p:nvCxnSpPr>
+        <p:spPr>
+          <a:xfrm flipH="1" flipV="1">
+            <a:off x="6766418" y="4238832"/>
+            <a:ext cx="391883" cy="52705"/>
+          </a:xfrm>
+          <a:prstGeom prst="line">
+            <a:avLst/>
+          </a:prstGeom>
+          <a:ln w="57150"/>
+        </p:spPr>
+        <p:style>
+          <a:lnRef idx="1">
+            <a:schemeClr val="accent1"/>
+          </a:lnRef>
+          <a:fillRef idx="0">
+            <a:schemeClr val="accent1"/>
+          </a:fillRef>
+          <a:effectRef idx="0">
+            <a:schemeClr val="accent1"/>
+          </a:effectRef>
+          <a:fontRef idx="minor">
+            <a:schemeClr val="tx1"/>
+          </a:fontRef>
+        </p:style>
+      </p:cxnSp>
+      <p:cxnSp>
+        <p:nvCxnSpPr>
+          <p:cNvPr id="32" name="Connecteur droit 31"/>
+          <p:cNvCxnSpPr/>
+          <p:nvPr/>
+        </p:nvCxnSpPr>
+        <p:spPr>
+          <a:xfrm flipV="1">
+            <a:off x="8527723" y="4897706"/>
+            <a:ext cx="357052" cy="862148"/>
+          </a:xfrm>
+          <a:prstGeom prst="line">
+            <a:avLst/>
+          </a:prstGeom>
+          <a:ln w="57150"/>
+        </p:spPr>
+        <p:style>
+          <a:lnRef idx="1">
+            <a:schemeClr val="accent1"/>
+          </a:lnRef>
+          <a:fillRef idx="0">
+            <a:schemeClr val="accent1"/>
+          </a:fillRef>
+          <a:effectRef idx="0">
+            <a:schemeClr val="accent1"/>
+          </a:effectRef>
+          <a:fontRef idx="minor">
+            <a:schemeClr val="tx1"/>
+          </a:fontRef>
+        </p:style>
+      </p:cxnSp>
+      <p:cxnSp>
+        <p:nvCxnSpPr>
+          <p:cNvPr id="33" name="Connecteur droit 32"/>
+          <p:cNvCxnSpPr/>
+          <p:nvPr/>
+        </p:nvCxnSpPr>
+        <p:spPr>
+          <a:xfrm flipH="1" flipV="1">
+            <a:off x="8932673" y="4897706"/>
+            <a:ext cx="317862" cy="862148"/>
+          </a:xfrm>
+          <a:prstGeom prst="line">
+            <a:avLst/>
+          </a:prstGeom>
+          <a:ln w="57150"/>
+        </p:spPr>
+        <p:style>
+          <a:lnRef idx="1">
+            <a:schemeClr val="accent1"/>
+          </a:lnRef>
+          <a:fillRef idx="0">
+            <a:schemeClr val="accent1"/>
+          </a:fillRef>
+          <a:effectRef idx="0">
+            <a:schemeClr val="accent1"/>
+          </a:effectRef>
+          <a:fontRef idx="minor">
+            <a:schemeClr val="tx1"/>
+          </a:fontRef>
+        </p:style>
+      </p:cxnSp>
+      <p:cxnSp>
+        <p:nvCxnSpPr>
+          <p:cNvPr id="34" name="Connecteur droit 33"/>
+          <p:cNvCxnSpPr/>
+          <p:nvPr/>
+        </p:nvCxnSpPr>
+        <p:spPr>
+          <a:xfrm flipV="1">
+            <a:off x="8919610" y="4061683"/>
+            <a:ext cx="13063" cy="836023"/>
+          </a:xfrm>
+          <a:prstGeom prst="line">
+            <a:avLst/>
+          </a:prstGeom>
+          <a:ln w="57150"/>
+        </p:spPr>
+        <p:style>
+          <a:lnRef idx="1">
+            <a:schemeClr val="accent1"/>
+          </a:lnRef>
+          <a:fillRef idx="0">
+            <a:schemeClr val="accent1"/>
+          </a:fillRef>
+          <a:effectRef idx="0">
+            <a:schemeClr val="accent1"/>
+          </a:effectRef>
+          <a:fontRef idx="minor">
+            <a:schemeClr val="tx1"/>
+          </a:fontRef>
+        </p:style>
+      </p:cxnSp>
+      <p:cxnSp>
+        <p:nvCxnSpPr>
+          <p:cNvPr id="35" name="Connecteur droit 34"/>
+          <p:cNvCxnSpPr/>
+          <p:nvPr/>
+        </p:nvCxnSpPr>
+        <p:spPr>
+          <a:xfrm flipV="1">
+            <a:off x="8390564" y="4035558"/>
+            <a:ext cx="513806" cy="432163"/>
+          </a:xfrm>
+          <a:prstGeom prst="line">
+            <a:avLst/>
+          </a:prstGeom>
+          <a:ln w="57150"/>
+        </p:spPr>
+        <p:style>
+          <a:lnRef idx="1">
+            <a:schemeClr val="accent1"/>
+          </a:lnRef>
+          <a:fillRef idx="0">
+            <a:schemeClr val="accent1"/>
+          </a:fillRef>
+          <a:effectRef idx="0">
+            <a:schemeClr val="accent1"/>
+          </a:effectRef>
+          <a:fontRef idx="minor">
+            <a:schemeClr val="tx1"/>
+          </a:fontRef>
+        </p:style>
+      </p:cxnSp>
+      <p:cxnSp>
+        <p:nvCxnSpPr>
+          <p:cNvPr id="36" name="Connecteur droit 35"/>
+          <p:cNvCxnSpPr/>
+          <p:nvPr/>
+        </p:nvCxnSpPr>
+        <p:spPr>
+          <a:xfrm flipH="1" flipV="1">
+            <a:off x="8952270" y="4035561"/>
+            <a:ext cx="267785" cy="107704"/>
+          </a:xfrm>
+          <a:prstGeom prst="line">
+            <a:avLst/>
+          </a:prstGeom>
+          <a:ln w="57150"/>
+        </p:spPr>
+        <p:style>
+          <a:lnRef idx="1">
+            <a:schemeClr val="accent1"/>
+          </a:lnRef>
+          <a:fillRef idx="0">
+            <a:schemeClr val="accent1"/>
+          </a:fillRef>
+          <a:effectRef idx="0">
+            <a:schemeClr val="accent1"/>
+          </a:effectRef>
+          <a:fontRef idx="minor">
+            <a:schemeClr val="tx1"/>
+          </a:fontRef>
+        </p:style>
+      </p:cxnSp>
+      <p:sp>
+        <p:nvSpPr>
+          <p:cNvPr id="37" name="Ellipse 36"/>
+          <p:cNvSpPr/>
+          <p:nvPr/>
+        </p:nvSpPr>
+        <p:spPr>
+          <a:xfrm>
+            <a:off x="8706249" y="3308775"/>
+            <a:ext cx="513806" cy="513806"/>
+          </a:xfrm>
+          <a:prstGeom prst="ellipse">
+            <a:avLst/>
+          </a:prstGeom>
+        </p:spPr>
+        <p:style>
+          <a:lnRef idx="2">
+            <a:schemeClr val="accent1">
+              <a:shade val="50000"/>
+            </a:schemeClr>
+          </a:lnRef>
+          <a:fillRef idx="1">
+            <a:schemeClr val="accent1"/>
+          </a:fillRef>
+          <a:effectRef idx="0">
+            <a:schemeClr val="accent1"/>
+          </a:effectRef>
+          <a:fontRef idx="minor">
+            <a:schemeClr val="lt1"/>
+          </a:fontRef>
+        </p:style>
+        <p:txBody>
+          <a:bodyPr rtlCol="0" anchor="ctr"/>
+          <a:lstStyle/>
+          <a:p>
+            <a:pPr algn="ctr"/>
+            <a:endParaRPr lang="fr-CA"/>
+          </a:p>
+        </p:txBody>
+      </p:sp>
+      <p:cxnSp>
+        <p:nvCxnSpPr>
+          <p:cNvPr id="38" name="Connecteur droit 37"/>
+          <p:cNvCxnSpPr/>
+          <p:nvPr/>
+        </p:nvCxnSpPr>
+        <p:spPr>
+          <a:xfrm flipV="1">
+            <a:off x="9213529" y="4061683"/>
+            <a:ext cx="306969" cy="70660"/>
+          </a:xfrm>
+          <a:prstGeom prst="line">
+            <a:avLst/>
+          </a:prstGeom>
+          <a:ln w="57150"/>
+        </p:spPr>
+        <p:style>
+          <a:lnRef idx="1">
+            <a:schemeClr val="accent1"/>
+          </a:lnRef>
+          <a:fillRef idx="0">
+            <a:schemeClr val="accent1"/>
+          </a:fillRef>
+          <a:effectRef idx="0">
+            <a:schemeClr val="accent1"/>
+          </a:effectRef>
+          <a:fontRef idx="minor">
+            <a:schemeClr val="tx1"/>
+          </a:fontRef>
+        </p:style>
+      </p:cxnSp>
+      <p:sp>
+        <p:nvSpPr>
+          <p:cNvPr id="2055" name="ZoneTexte 2054"/>
+          <p:cNvSpPr txBox="1"/>
+          <p:nvPr/>
+        </p:nvSpPr>
+        <p:spPr>
+          <a:xfrm>
+            <a:off x="1249655" y="6218685"/>
+            <a:ext cx="2031325" cy="369332"/>
+          </a:xfrm>
+          <a:prstGeom prst="rect">
+            <a:avLst/>
+          </a:prstGeom>
+          <a:noFill/>
+        </p:spPr>
+        <p:txBody>
+          <a:bodyPr wrap="none" rtlCol="0">
+            <a:spAutoFit/>
+          </a:bodyPr>
+          <a:lstStyle/>
+          <a:p>
+            <a:r>
+              <a:rPr lang="en-CA" dirty="0" err="1" smtClean="0"/>
+              <a:t>Afficher</a:t>
+            </a:r>
+            <a:r>
+              <a:rPr lang="en-CA" dirty="0" smtClean="0"/>
+              <a:t> le menu</a:t>
+            </a:r>
+            <a:endParaRPr lang="fr-CA" dirty="0"/>
+          </a:p>
+        </p:txBody>
+      </p:sp>
+      <p:sp>
+        <p:nvSpPr>
+          <p:cNvPr id="47" name="ZoneTexte 46"/>
+          <p:cNvSpPr txBox="1"/>
+          <p:nvPr/>
+        </p:nvSpPr>
+        <p:spPr>
+          <a:xfrm>
+            <a:off x="6962359" y="6143299"/>
+            <a:ext cx="1925527" cy="369332"/>
+          </a:xfrm>
+          <a:prstGeom prst="rect">
+            <a:avLst/>
+          </a:prstGeom>
+          <a:noFill/>
+        </p:spPr>
+        <p:txBody>
+          <a:bodyPr wrap="none" rtlCol="0">
+            <a:spAutoFit/>
+          </a:bodyPr>
+          <a:lstStyle/>
+          <a:p>
+            <a:r>
+              <a:rPr lang="en-CA" dirty="0" err="1" smtClean="0"/>
+              <a:t>Choix</a:t>
+            </a:r>
+            <a:r>
+              <a:rPr lang="en-CA" dirty="0" smtClean="0"/>
+              <a:t> du mode</a:t>
+            </a:r>
+            <a:endParaRPr lang="fr-CA" dirty="0"/>
+          </a:p>
+        </p:txBody>
+      </p:sp>
+    </p:spTree>
+    <p:extLst>
+      <p:ext uri="{BB962C8B-B14F-4D97-AF65-F5344CB8AC3E}">
+        <p14:creationId xmlns:p14="http://schemas.microsoft.com/office/powerpoint/2010/main" val="1998918627"/>
+      </p:ext>
+    </p:extLst>
+  </p:cSld>
+  <p:clrMapOvr>
+    <a:masterClrMapping/>
+  </p:clrMapOvr>
+  <p:timing>
+    <p:tnLst>
+      <p:par>
+        <p:cTn id="1" dur="indefinite" restart="never" nodeType="tmRoot"/>
+      </p:par>
+    </p:tnLst>
+  </p:timing>
+</p:sld>
+</file>
+
+<file path=ppt/slides/slide12.xml><?xml version="1.0" encoding="utf-8"?>
+<p:sld xmlns:a="http://schemas.openxmlformats.org/drawingml/2006/main" xmlns:r="http://schemas.openxmlformats.org/officeDocument/2006/relationships" xmlns:p="http://schemas.openxmlformats.org/presentationml/2006/main">
+  <p:cSld>
+    <p:spTree>
+      <p:nvGrpSpPr>
+        <p:cNvPr id="1" name=""/>
+        <p:cNvGrpSpPr/>
+        <p:nvPr/>
+      </p:nvGrpSpPr>
+      <p:grpSpPr>
+        <a:xfrm>
+          <a:off x="0" y="0"/>
+          <a:ext cx="0" cy="0"/>
+          <a:chOff x="0" y="0"/>
+          <a:chExt cx="0" cy="0"/>
+        </a:xfrm>
+      </p:grpSpPr>
+      <p:sp>
+        <p:nvSpPr>
+          <p:cNvPr id="2" name="Title 1"/>
+          <p:cNvSpPr>
+            <a:spLocks noGrp="1"/>
+          </p:cNvSpPr>
+          <p:nvPr>
+            <p:ph type="title"/>
+          </p:nvPr>
+        </p:nvSpPr>
+        <p:spPr>
+          <a:xfrm>
+            <a:off x="2342606" y="764373"/>
+            <a:ext cx="9163594" cy="1293028"/>
+          </a:xfrm>
+        </p:spPr>
+        <p:txBody>
+          <a:bodyPr/>
+          <a:lstStyle/>
+          <a:p>
+            <a:r>
+              <a:rPr lang="fr-CA" dirty="0" smtClean="0"/>
+              <a:t>Interaction avec l’application</a:t>
+            </a:r>
+            <a:endParaRPr lang="fr-CA" dirty="0"/>
+          </a:p>
+        </p:txBody>
+      </p:sp>
+      <p:sp>
+        <p:nvSpPr>
+          <p:cNvPr id="3" name="Content Placeholder 2"/>
+          <p:cNvSpPr>
+            <a:spLocks noGrp="1"/>
+          </p:cNvSpPr>
+          <p:nvPr>
+            <p:ph idx="1"/>
+          </p:nvPr>
+        </p:nvSpPr>
+        <p:spPr/>
+        <p:txBody>
+          <a:bodyPr/>
+          <a:lstStyle/>
+          <a:p>
+            <a:r>
+              <a:rPr lang="en-CA" b="1" dirty="0" smtClean="0"/>
+              <a:t>Reconnaissance de </a:t>
+            </a:r>
+            <a:r>
+              <a:rPr lang="en-CA" b="1" dirty="0" err="1" smtClean="0"/>
+              <a:t>gestes</a:t>
+            </a:r>
+            <a:endParaRPr lang="en-CA" b="1" dirty="0" smtClean="0"/>
+          </a:p>
+          <a:p>
+            <a:pPr lvl="1"/>
+            <a:r>
+              <a:rPr lang="en-CA" dirty="0" smtClean="0"/>
+              <a:t>Un </a:t>
+            </a:r>
+            <a:r>
+              <a:rPr lang="en-CA" dirty="0" err="1" smtClean="0"/>
+              <a:t>GameObject</a:t>
+            </a:r>
+            <a:r>
+              <a:rPr lang="en-CA" dirty="0" smtClean="0"/>
+              <a:t> </a:t>
+            </a:r>
+            <a:r>
+              <a:rPr lang="en-CA" dirty="0" err="1" smtClean="0"/>
+              <a:t>surveille</a:t>
+            </a:r>
+            <a:r>
+              <a:rPr lang="en-CA" dirty="0" smtClean="0"/>
+              <a:t> les </a:t>
+            </a:r>
+            <a:r>
+              <a:rPr lang="en-CA" dirty="0" err="1" smtClean="0"/>
+              <a:t>gestes</a:t>
+            </a:r>
+            <a:r>
+              <a:rPr lang="en-CA" dirty="0" smtClean="0"/>
+              <a:t> en </a:t>
+            </a:r>
+            <a:r>
+              <a:rPr lang="en-CA" dirty="0" err="1" smtClean="0"/>
+              <a:t>continu</a:t>
+            </a:r>
+            <a:r>
+              <a:rPr lang="en-CA" dirty="0" smtClean="0"/>
+              <a:t>.</a:t>
+            </a:r>
+            <a:endParaRPr lang="fr-CA" dirty="0"/>
+          </a:p>
+        </p:txBody>
+      </p:sp>
+      <p:cxnSp>
+        <p:nvCxnSpPr>
+          <p:cNvPr id="22" name="Connecteur droit 21"/>
+          <p:cNvCxnSpPr/>
+          <p:nvPr/>
+        </p:nvCxnSpPr>
+        <p:spPr>
+          <a:xfrm flipV="1">
+            <a:off x="2375630" y="5099634"/>
+            <a:ext cx="357052" cy="862148"/>
+          </a:xfrm>
+          <a:prstGeom prst="line">
+            <a:avLst/>
+          </a:prstGeom>
+          <a:ln w="57150"/>
+        </p:spPr>
+        <p:style>
+          <a:lnRef idx="1">
+            <a:schemeClr val="accent1"/>
+          </a:lnRef>
+          <a:fillRef idx="0">
+            <a:schemeClr val="accent1"/>
+          </a:fillRef>
+          <a:effectRef idx="0">
+            <a:schemeClr val="accent1"/>
+          </a:effectRef>
+          <a:fontRef idx="minor">
+            <a:schemeClr val="tx1"/>
+          </a:fontRef>
+        </p:style>
+      </p:cxnSp>
+      <p:cxnSp>
+        <p:nvCxnSpPr>
+          <p:cNvPr id="23" name="Connecteur droit 22"/>
+          <p:cNvCxnSpPr/>
+          <p:nvPr/>
+        </p:nvCxnSpPr>
+        <p:spPr>
+          <a:xfrm flipH="1" flipV="1">
+            <a:off x="2780580" y="5099634"/>
+            <a:ext cx="317862" cy="862148"/>
+          </a:xfrm>
+          <a:prstGeom prst="line">
+            <a:avLst/>
+          </a:prstGeom>
+          <a:ln w="57150"/>
+        </p:spPr>
+        <p:style>
+          <a:lnRef idx="1">
+            <a:schemeClr val="accent1"/>
+          </a:lnRef>
+          <a:fillRef idx="0">
+            <a:schemeClr val="accent1"/>
+          </a:fillRef>
+          <a:effectRef idx="0">
+            <a:schemeClr val="accent1"/>
+          </a:effectRef>
+          <a:fontRef idx="minor">
+            <a:schemeClr val="tx1"/>
+          </a:fontRef>
+        </p:style>
+      </p:cxnSp>
+      <p:cxnSp>
+        <p:nvCxnSpPr>
+          <p:cNvPr id="24" name="Connecteur droit 23"/>
+          <p:cNvCxnSpPr/>
+          <p:nvPr/>
+        </p:nvCxnSpPr>
+        <p:spPr>
+          <a:xfrm flipV="1">
+            <a:off x="2767517" y="4263611"/>
+            <a:ext cx="13063" cy="836023"/>
+          </a:xfrm>
+          <a:prstGeom prst="line">
+            <a:avLst/>
+          </a:prstGeom>
+          <a:ln w="57150"/>
+        </p:spPr>
+        <p:style>
+          <a:lnRef idx="1">
+            <a:schemeClr val="accent1"/>
+          </a:lnRef>
+          <a:fillRef idx="0">
+            <a:schemeClr val="accent1"/>
+          </a:fillRef>
+          <a:effectRef idx="0">
+            <a:schemeClr val="accent1"/>
+          </a:effectRef>
+          <a:fontRef idx="minor">
+            <a:schemeClr val="tx1"/>
+          </a:fontRef>
+        </p:style>
+      </p:cxnSp>
+      <p:cxnSp>
+        <p:nvCxnSpPr>
+          <p:cNvPr id="25" name="Connecteur droit 24"/>
+          <p:cNvCxnSpPr/>
+          <p:nvPr/>
+        </p:nvCxnSpPr>
+        <p:spPr>
+          <a:xfrm flipV="1">
+            <a:off x="2238471" y="4237486"/>
+            <a:ext cx="513806" cy="432163"/>
+          </a:xfrm>
+          <a:prstGeom prst="line">
+            <a:avLst/>
+          </a:prstGeom>
+          <a:ln w="57150"/>
+        </p:spPr>
+        <p:style>
+          <a:lnRef idx="1">
+            <a:schemeClr val="accent1"/>
+          </a:lnRef>
+          <a:fillRef idx="0">
+            <a:schemeClr val="accent1"/>
+          </a:fillRef>
+          <a:effectRef idx="0">
+            <a:schemeClr val="accent1"/>
+          </a:effectRef>
+          <a:fontRef idx="minor">
+            <a:schemeClr val="tx1"/>
+          </a:fontRef>
+        </p:style>
+      </p:cxnSp>
+      <p:cxnSp>
+        <p:nvCxnSpPr>
+          <p:cNvPr id="26" name="Connecteur droit 25"/>
+          <p:cNvCxnSpPr/>
+          <p:nvPr/>
+        </p:nvCxnSpPr>
+        <p:spPr>
+          <a:xfrm flipH="1" flipV="1">
+            <a:off x="2800176" y="4237487"/>
+            <a:ext cx="446742" cy="165359"/>
+          </a:xfrm>
+          <a:prstGeom prst="line">
+            <a:avLst/>
+          </a:prstGeom>
+          <a:ln w="57150"/>
+        </p:spPr>
+        <p:style>
+          <a:lnRef idx="1">
+            <a:schemeClr val="accent1"/>
+          </a:lnRef>
+          <a:fillRef idx="0">
+            <a:schemeClr val="accent1"/>
+          </a:fillRef>
+          <a:effectRef idx="0">
+            <a:schemeClr val="accent1"/>
+          </a:effectRef>
+          <a:fontRef idx="minor">
+            <a:schemeClr val="tx1"/>
+          </a:fontRef>
+        </p:style>
+      </p:cxnSp>
+      <p:sp>
+        <p:nvSpPr>
+          <p:cNvPr id="27" name="Ellipse 26"/>
+          <p:cNvSpPr/>
+          <p:nvPr/>
+        </p:nvSpPr>
+        <p:spPr>
+          <a:xfrm>
+            <a:off x="2554156" y="3510703"/>
+            <a:ext cx="513806" cy="513806"/>
+          </a:xfrm>
+          <a:prstGeom prst="ellipse">
+            <a:avLst/>
+          </a:prstGeom>
+        </p:spPr>
+        <p:style>
+          <a:lnRef idx="2">
+            <a:schemeClr val="accent1">
+              <a:shade val="50000"/>
+            </a:schemeClr>
+          </a:lnRef>
+          <a:fillRef idx="1">
+            <a:schemeClr val="accent1"/>
+          </a:fillRef>
+          <a:effectRef idx="0">
+            <a:schemeClr val="accent1"/>
+          </a:effectRef>
+          <a:fontRef idx="minor">
+            <a:schemeClr val="lt1"/>
+          </a:fontRef>
+        </p:style>
+        <p:txBody>
+          <a:bodyPr rtlCol="0" anchor="ctr"/>
+          <a:lstStyle/>
+          <a:p>
+            <a:pPr algn="ctr"/>
+            <a:endParaRPr lang="fr-CA"/>
+          </a:p>
+        </p:txBody>
+      </p:sp>
+      <p:cxnSp>
+        <p:nvCxnSpPr>
+          <p:cNvPr id="30" name="Connecteur droit 29"/>
+          <p:cNvCxnSpPr/>
+          <p:nvPr/>
+        </p:nvCxnSpPr>
+        <p:spPr>
+          <a:xfrm flipV="1">
+            <a:off x="3246918" y="4002790"/>
+            <a:ext cx="423453" cy="375759"/>
+          </a:xfrm>
+          <a:prstGeom prst="line">
+            <a:avLst/>
+          </a:prstGeom>
+          <a:ln w="57150"/>
+        </p:spPr>
+        <p:style>
+          <a:lnRef idx="1">
+            <a:schemeClr val="accent1"/>
+          </a:lnRef>
+          <a:fillRef idx="0">
+            <a:schemeClr val="accent1"/>
+          </a:fillRef>
+          <a:effectRef idx="0">
+            <a:schemeClr val="accent1"/>
+          </a:effectRef>
+          <a:fontRef idx="minor">
+            <a:schemeClr val="tx1"/>
+          </a:fontRef>
+        </p:style>
+      </p:cxnSp>
+      <p:cxnSp>
+        <p:nvCxnSpPr>
+          <p:cNvPr id="32" name="Connecteur droit 31"/>
+          <p:cNvCxnSpPr/>
+          <p:nvPr/>
+        </p:nvCxnSpPr>
+        <p:spPr>
+          <a:xfrm flipV="1">
+            <a:off x="5180562" y="5140370"/>
+            <a:ext cx="357052" cy="862148"/>
+          </a:xfrm>
+          <a:prstGeom prst="line">
+            <a:avLst/>
+          </a:prstGeom>
+          <a:ln w="57150"/>
+        </p:spPr>
+        <p:style>
+          <a:lnRef idx="1">
+            <a:schemeClr val="accent1"/>
+          </a:lnRef>
+          <a:fillRef idx="0">
+            <a:schemeClr val="accent1"/>
+          </a:fillRef>
+          <a:effectRef idx="0">
+            <a:schemeClr val="accent1"/>
+          </a:effectRef>
+          <a:fontRef idx="minor">
+            <a:schemeClr val="tx1"/>
+          </a:fontRef>
+        </p:style>
+      </p:cxnSp>
+      <p:cxnSp>
+        <p:nvCxnSpPr>
+          <p:cNvPr id="33" name="Connecteur droit 32"/>
+          <p:cNvCxnSpPr/>
+          <p:nvPr/>
+        </p:nvCxnSpPr>
+        <p:spPr>
+          <a:xfrm flipH="1" flipV="1">
+            <a:off x="5585512" y="5140370"/>
+            <a:ext cx="317862" cy="862148"/>
+          </a:xfrm>
+          <a:prstGeom prst="line">
+            <a:avLst/>
+          </a:prstGeom>
+          <a:ln w="57150"/>
+        </p:spPr>
+        <p:style>
+          <a:lnRef idx="1">
+            <a:schemeClr val="accent1"/>
+          </a:lnRef>
+          <a:fillRef idx="0">
+            <a:schemeClr val="accent1"/>
+          </a:fillRef>
+          <a:effectRef idx="0">
+            <a:schemeClr val="accent1"/>
+          </a:effectRef>
+          <a:fontRef idx="minor">
+            <a:schemeClr val="tx1"/>
+          </a:fontRef>
+        </p:style>
+      </p:cxnSp>
+      <p:cxnSp>
+        <p:nvCxnSpPr>
+          <p:cNvPr id="34" name="Connecteur droit 33"/>
+          <p:cNvCxnSpPr/>
+          <p:nvPr/>
+        </p:nvCxnSpPr>
+        <p:spPr>
+          <a:xfrm flipV="1">
+            <a:off x="5572449" y="4304347"/>
+            <a:ext cx="13063" cy="836023"/>
+          </a:xfrm>
+          <a:prstGeom prst="line">
+            <a:avLst/>
+          </a:prstGeom>
+          <a:ln w="57150"/>
+        </p:spPr>
+        <p:style>
+          <a:lnRef idx="1">
+            <a:schemeClr val="accent1"/>
+          </a:lnRef>
+          <a:fillRef idx="0">
+            <a:schemeClr val="accent1"/>
+          </a:fillRef>
+          <a:effectRef idx="0">
+            <a:schemeClr val="accent1"/>
+          </a:effectRef>
+          <a:fontRef idx="minor">
+            <a:schemeClr val="tx1"/>
+          </a:fontRef>
+        </p:style>
+      </p:cxnSp>
+      <p:cxnSp>
+        <p:nvCxnSpPr>
+          <p:cNvPr id="35" name="Connecteur droit 34"/>
+          <p:cNvCxnSpPr/>
+          <p:nvPr/>
+        </p:nvCxnSpPr>
+        <p:spPr>
+          <a:xfrm flipV="1">
+            <a:off x="5208489" y="4278223"/>
+            <a:ext cx="348720" cy="261810"/>
+          </a:xfrm>
+          <a:prstGeom prst="line">
+            <a:avLst/>
+          </a:prstGeom>
+          <a:ln w="57150"/>
+        </p:spPr>
+        <p:style>
+          <a:lnRef idx="1">
+            <a:schemeClr val="accent1"/>
+          </a:lnRef>
+          <a:fillRef idx="0">
+            <a:schemeClr val="accent1"/>
+          </a:fillRef>
+          <a:effectRef idx="0">
+            <a:schemeClr val="accent1"/>
+          </a:effectRef>
+          <a:fontRef idx="minor">
+            <a:schemeClr val="tx1"/>
+          </a:fontRef>
+        </p:style>
+      </p:cxnSp>
+      <p:cxnSp>
+        <p:nvCxnSpPr>
+          <p:cNvPr id="36" name="Connecteur droit 35"/>
+          <p:cNvCxnSpPr/>
+          <p:nvPr/>
+        </p:nvCxnSpPr>
+        <p:spPr>
+          <a:xfrm flipH="1" flipV="1">
+            <a:off x="5605110" y="4278225"/>
+            <a:ext cx="502447" cy="166796"/>
+          </a:xfrm>
+          <a:prstGeom prst="line">
+            <a:avLst/>
+          </a:prstGeom>
+          <a:ln w="57150"/>
+        </p:spPr>
+        <p:style>
+          <a:lnRef idx="1">
+            <a:schemeClr val="accent1"/>
+          </a:lnRef>
+          <a:fillRef idx="0">
+            <a:schemeClr val="accent1"/>
+          </a:fillRef>
+          <a:effectRef idx="0">
+            <a:schemeClr val="accent1"/>
+          </a:effectRef>
+          <a:fontRef idx="minor">
+            <a:schemeClr val="tx1"/>
+          </a:fontRef>
+        </p:style>
+      </p:cxnSp>
+      <p:sp>
+        <p:nvSpPr>
+          <p:cNvPr id="37" name="Ellipse 36"/>
+          <p:cNvSpPr/>
+          <p:nvPr/>
+        </p:nvSpPr>
+        <p:spPr>
+          <a:xfrm>
+            <a:off x="5359088" y="3551439"/>
+            <a:ext cx="513806" cy="513806"/>
+          </a:xfrm>
+          <a:prstGeom prst="ellipse">
+            <a:avLst/>
+          </a:prstGeom>
+        </p:spPr>
+        <p:style>
+          <a:lnRef idx="2">
+            <a:schemeClr val="accent1">
+              <a:shade val="50000"/>
+            </a:schemeClr>
+          </a:lnRef>
+          <a:fillRef idx="1">
+            <a:schemeClr val="accent1"/>
+          </a:fillRef>
+          <a:effectRef idx="0">
+            <a:schemeClr val="accent1"/>
+          </a:effectRef>
+          <a:fontRef idx="minor">
+            <a:schemeClr val="lt1"/>
+          </a:fontRef>
+        </p:style>
+        <p:txBody>
+          <a:bodyPr rtlCol="0" anchor="ctr"/>
+          <a:lstStyle/>
+          <a:p>
+            <a:pPr algn="ctr"/>
+            <a:endParaRPr lang="fr-CA"/>
+          </a:p>
+        </p:txBody>
+      </p:sp>
+      <p:cxnSp>
+        <p:nvCxnSpPr>
+          <p:cNvPr id="38" name="Connecteur droit 37"/>
+          <p:cNvCxnSpPr/>
+          <p:nvPr/>
+        </p:nvCxnSpPr>
+        <p:spPr>
+          <a:xfrm flipV="1">
+            <a:off x="6099751" y="4174316"/>
+            <a:ext cx="433934" cy="236693"/>
+          </a:xfrm>
+          <a:prstGeom prst="line">
+            <a:avLst/>
+          </a:prstGeom>
+          <a:ln w="57150"/>
+        </p:spPr>
+        <p:style>
+          <a:lnRef idx="1">
+            <a:schemeClr val="accent1"/>
+          </a:lnRef>
+          <a:fillRef idx="0">
+            <a:schemeClr val="accent1"/>
+          </a:fillRef>
+          <a:effectRef idx="0">
+            <a:schemeClr val="accent1"/>
+          </a:effectRef>
+          <a:fontRef idx="minor">
+            <a:schemeClr val="tx1"/>
+          </a:fontRef>
+        </p:style>
+      </p:cxnSp>
+      <p:sp>
+        <p:nvSpPr>
+          <p:cNvPr id="28" name="ZoneTexte 27"/>
+          <p:cNvSpPr txBox="1"/>
+          <p:nvPr/>
+        </p:nvSpPr>
+        <p:spPr>
+          <a:xfrm>
+            <a:off x="4549300" y="6421959"/>
+            <a:ext cx="2539478" cy="369332"/>
+          </a:xfrm>
+          <a:prstGeom prst="rect">
+            <a:avLst/>
+          </a:prstGeom>
+          <a:noFill/>
+        </p:spPr>
+        <p:txBody>
+          <a:bodyPr wrap="none" rtlCol="0">
+            <a:spAutoFit/>
+          </a:bodyPr>
+          <a:lstStyle/>
+          <a:p>
+            <a:r>
+              <a:rPr lang="en-CA" dirty="0" err="1" smtClean="0"/>
+              <a:t>Choix</a:t>
+            </a:r>
+            <a:r>
+              <a:rPr lang="en-CA" dirty="0" smtClean="0"/>
+              <a:t> de </a:t>
+            </a:r>
+            <a:r>
+              <a:rPr lang="en-CA" dirty="0" err="1" smtClean="0"/>
+              <a:t>l’instrument</a:t>
+            </a:r>
+            <a:endParaRPr lang="fr-CA" dirty="0"/>
+          </a:p>
+        </p:txBody>
+      </p:sp>
+      <p:cxnSp>
+        <p:nvCxnSpPr>
+          <p:cNvPr id="29" name="Connecteur droit 28"/>
+          <p:cNvCxnSpPr/>
+          <p:nvPr/>
+        </p:nvCxnSpPr>
+        <p:spPr>
+          <a:xfrm>
+            <a:off x="1920609" y="4555205"/>
+            <a:ext cx="347253" cy="95012"/>
+          </a:xfrm>
+          <a:prstGeom prst="line">
+            <a:avLst/>
+          </a:prstGeom>
+          <a:ln w="57150"/>
+        </p:spPr>
+        <p:style>
+          <a:lnRef idx="1">
+            <a:schemeClr val="accent1"/>
+          </a:lnRef>
+          <a:fillRef idx="0">
+            <a:schemeClr val="accent1"/>
+          </a:fillRef>
+          <a:effectRef idx="0">
+            <a:schemeClr val="accent1"/>
+          </a:effectRef>
+          <a:fontRef idx="minor">
+            <a:schemeClr val="tx1"/>
+          </a:fontRef>
+        </p:style>
+      </p:cxnSp>
+      <p:cxnSp>
+        <p:nvCxnSpPr>
+          <p:cNvPr id="40" name="Connecteur droit 39"/>
+          <p:cNvCxnSpPr/>
+          <p:nvPr/>
+        </p:nvCxnSpPr>
+        <p:spPr>
+          <a:xfrm>
+            <a:off x="5199779" y="4532359"/>
+            <a:ext cx="337835" cy="220652"/>
+          </a:xfrm>
+          <a:prstGeom prst="line">
+            <a:avLst/>
+          </a:prstGeom>
+          <a:ln w="57150"/>
+        </p:spPr>
+        <p:style>
+          <a:lnRef idx="1">
+            <a:schemeClr val="accent1"/>
+          </a:lnRef>
+          <a:fillRef idx="0">
+            <a:schemeClr val="accent1"/>
+          </a:fillRef>
+          <a:effectRef idx="0">
+            <a:schemeClr val="accent1"/>
+          </a:effectRef>
+          <a:fontRef idx="minor">
+            <a:schemeClr val="tx1"/>
+          </a:fontRef>
+        </p:style>
+      </p:cxnSp>
+      <p:cxnSp>
+        <p:nvCxnSpPr>
+          <p:cNvPr id="18" name="Connecteur droit avec flèche 17"/>
+          <p:cNvCxnSpPr/>
+          <p:nvPr/>
+        </p:nvCxnSpPr>
+        <p:spPr>
+          <a:xfrm flipH="1" flipV="1">
+            <a:off x="3458644" y="3551439"/>
+            <a:ext cx="120898" cy="314192"/>
+          </a:xfrm>
+          <a:prstGeom prst="straightConnector1">
+            <a:avLst/>
+          </a:prstGeom>
+          <a:ln>
+            <a:tailEnd type="triangle"/>
+          </a:ln>
+        </p:spPr>
+        <p:style>
+          <a:lnRef idx="1">
+            <a:schemeClr val="accent1"/>
+          </a:lnRef>
+          <a:fillRef idx="0">
+            <a:schemeClr val="accent1"/>
+          </a:fillRef>
+          <a:effectRef idx="0">
+            <a:schemeClr val="accent1"/>
+          </a:effectRef>
+          <a:fontRef idx="minor">
+            <a:schemeClr val="tx1"/>
+          </a:fontRef>
+        </p:style>
+      </p:cxnSp>
+      <p:cxnSp>
+        <p:nvCxnSpPr>
+          <p:cNvPr id="42" name="Connecteur droit avec flèche 41"/>
+          <p:cNvCxnSpPr/>
+          <p:nvPr/>
+        </p:nvCxnSpPr>
+        <p:spPr>
+          <a:xfrm>
+            <a:off x="3670319" y="4141837"/>
+            <a:ext cx="152182" cy="261009"/>
+          </a:xfrm>
+          <a:prstGeom prst="straightConnector1">
+            <a:avLst/>
+          </a:prstGeom>
+          <a:ln>
+            <a:tailEnd type="triangle"/>
+          </a:ln>
+        </p:spPr>
+        <p:style>
+          <a:lnRef idx="1">
+            <a:schemeClr val="accent1"/>
+          </a:lnRef>
+          <a:fillRef idx="0">
+            <a:schemeClr val="accent1"/>
+          </a:fillRef>
+          <a:effectRef idx="0">
+            <a:schemeClr val="accent1"/>
+          </a:effectRef>
+          <a:fontRef idx="minor">
+            <a:schemeClr val="tx1"/>
+          </a:fontRef>
+        </p:style>
+      </p:cxnSp>
+      <p:cxnSp>
+        <p:nvCxnSpPr>
+          <p:cNvPr id="45" name="Connecteur droit 44"/>
+          <p:cNvCxnSpPr/>
+          <p:nvPr/>
+        </p:nvCxnSpPr>
+        <p:spPr>
+          <a:xfrm flipV="1">
+            <a:off x="7919252" y="5216962"/>
+            <a:ext cx="357052" cy="862148"/>
+          </a:xfrm>
+          <a:prstGeom prst="line">
+            <a:avLst/>
+          </a:prstGeom>
+          <a:ln w="57150"/>
+        </p:spPr>
+        <p:style>
+          <a:lnRef idx="1">
+            <a:schemeClr val="accent1"/>
+          </a:lnRef>
+          <a:fillRef idx="0">
+            <a:schemeClr val="accent1"/>
+          </a:fillRef>
+          <a:effectRef idx="0">
+            <a:schemeClr val="accent1"/>
+          </a:effectRef>
+          <a:fontRef idx="minor">
+            <a:schemeClr val="tx1"/>
+          </a:fontRef>
+        </p:style>
+      </p:cxnSp>
+      <p:cxnSp>
+        <p:nvCxnSpPr>
+          <p:cNvPr id="46" name="Connecteur droit 45"/>
+          <p:cNvCxnSpPr/>
+          <p:nvPr/>
+        </p:nvCxnSpPr>
+        <p:spPr>
+          <a:xfrm flipH="1" flipV="1">
+            <a:off x="8324202" y="5216962"/>
+            <a:ext cx="317862" cy="862148"/>
+          </a:xfrm>
+          <a:prstGeom prst="line">
+            <a:avLst/>
+          </a:prstGeom>
+          <a:ln w="57150"/>
+        </p:spPr>
+        <p:style>
+          <a:lnRef idx="1">
+            <a:schemeClr val="accent1"/>
+          </a:lnRef>
+          <a:fillRef idx="0">
+            <a:schemeClr val="accent1"/>
+          </a:fillRef>
+          <a:effectRef idx="0">
+            <a:schemeClr val="accent1"/>
+          </a:effectRef>
+          <a:fontRef idx="minor">
+            <a:schemeClr val="tx1"/>
+          </a:fontRef>
+        </p:style>
+      </p:cxnSp>
+      <p:cxnSp>
+        <p:nvCxnSpPr>
+          <p:cNvPr id="47" name="Connecteur droit 46"/>
+          <p:cNvCxnSpPr/>
+          <p:nvPr/>
+        </p:nvCxnSpPr>
+        <p:spPr>
+          <a:xfrm flipV="1">
+            <a:off x="8311139" y="4380939"/>
+            <a:ext cx="13063" cy="836023"/>
+          </a:xfrm>
+          <a:prstGeom prst="line">
+            <a:avLst/>
+          </a:prstGeom>
+          <a:ln w="57150"/>
+        </p:spPr>
+        <p:style>
+          <a:lnRef idx="1">
+            <a:schemeClr val="accent1"/>
+          </a:lnRef>
+          <a:fillRef idx="0">
+            <a:schemeClr val="accent1"/>
+          </a:fillRef>
+          <a:effectRef idx="0">
+            <a:schemeClr val="accent1"/>
+          </a:effectRef>
+          <a:fontRef idx="minor">
+            <a:schemeClr val="tx1"/>
+          </a:fontRef>
+        </p:style>
+      </p:cxnSp>
+      <p:cxnSp>
+        <p:nvCxnSpPr>
+          <p:cNvPr id="48" name="Connecteur droit 47"/>
+          <p:cNvCxnSpPr/>
+          <p:nvPr/>
+        </p:nvCxnSpPr>
+        <p:spPr>
+          <a:xfrm flipV="1">
+            <a:off x="7947179" y="4354815"/>
+            <a:ext cx="348720" cy="261810"/>
+          </a:xfrm>
+          <a:prstGeom prst="line">
+            <a:avLst/>
+          </a:prstGeom>
+          <a:ln w="57150"/>
+        </p:spPr>
+        <p:style>
+          <a:lnRef idx="1">
+            <a:schemeClr val="accent1"/>
+          </a:lnRef>
+          <a:fillRef idx="0">
+            <a:schemeClr val="accent1"/>
+          </a:fillRef>
+          <a:effectRef idx="0">
+            <a:schemeClr val="accent1"/>
+          </a:effectRef>
+          <a:fontRef idx="minor">
+            <a:schemeClr val="tx1"/>
+          </a:fontRef>
+        </p:style>
+      </p:cxnSp>
+      <p:cxnSp>
+        <p:nvCxnSpPr>
+          <p:cNvPr id="49" name="Connecteur droit 48"/>
+          <p:cNvCxnSpPr/>
+          <p:nvPr/>
+        </p:nvCxnSpPr>
+        <p:spPr>
+          <a:xfrm flipH="1" flipV="1">
+            <a:off x="8343801" y="4354817"/>
+            <a:ext cx="409704" cy="177542"/>
+          </a:xfrm>
+          <a:prstGeom prst="line">
+            <a:avLst/>
+          </a:prstGeom>
+          <a:ln w="57150"/>
+        </p:spPr>
+        <p:style>
+          <a:lnRef idx="1">
+            <a:schemeClr val="accent1"/>
+          </a:lnRef>
+          <a:fillRef idx="0">
+            <a:schemeClr val="accent1"/>
+          </a:fillRef>
+          <a:effectRef idx="0">
+            <a:schemeClr val="accent1"/>
+          </a:effectRef>
+          <a:fontRef idx="minor">
+            <a:schemeClr val="tx1"/>
+          </a:fontRef>
+        </p:style>
+      </p:cxnSp>
+      <p:sp>
+        <p:nvSpPr>
+          <p:cNvPr id="50" name="Ellipse 49"/>
+          <p:cNvSpPr/>
+          <p:nvPr/>
+        </p:nvSpPr>
+        <p:spPr>
+          <a:xfrm>
+            <a:off x="8097778" y="3628031"/>
+            <a:ext cx="513806" cy="513806"/>
+          </a:xfrm>
+          <a:prstGeom prst="ellipse">
+            <a:avLst/>
+          </a:prstGeom>
+        </p:spPr>
+        <p:style>
+          <a:lnRef idx="2">
+            <a:schemeClr val="accent1">
+              <a:shade val="50000"/>
+            </a:schemeClr>
+          </a:lnRef>
+          <a:fillRef idx="1">
+            <a:schemeClr val="accent1"/>
+          </a:fillRef>
+          <a:effectRef idx="0">
+            <a:schemeClr val="accent1"/>
+          </a:effectRef>
+          <a:fontRef idx="minor">
+            <a:schemeClr val="lt1"/>
+          </a:fontRef>
+        </p:style>
+        <p:txBody>
+          <a:bodyPr rtlCol="0" anchor="ctr"/>
+          <a:lstStyle/>
+          <a:p>
+            <a:pPr algn="ctr"/>
+            <a:endParaRPr lang="fr-CA"/>
+          </a:p>
+        </p:txBody>
+      </p:sp>
+      <p:cxnSp>
+        <p:nvCxnSpPr>
+          <p:cNvPr id="51" name="Connecteur droit 50"/>
+          <p:cNvCxnSpPr/>
+          <p:nvPr/>
+        </p:nvCxnSpPr>
+        <p:spPr>
+          <a:xfrm flipH="1">
+            <a:off x="8583633" y="4526571"/>
+            <a:ext cx="169872" cy="342001"/>
+          </a:xfrm>
+          <a:prstGeom prst="line">
+            <a:avLst/>
+          </a:prstGeom>
+          <a:ln w="57150"/>
+        </p:spPr>
+        <p:style>
+          <a:lnRef idx="1">
+            <a:schemeClr val="accent1"/>
+          </a:lnRef>
+          <a:fillRef idx="0">
+            <a:schemeClr val="accent1"/>
+          </a:fillRef>
+          <a:effectRef idx="0">
+            <a:schemeClr val="accent1"/>
+          </a:effectRef>
+          <a:fontRef idx="minor">
+            <a:schemeClr val="tx1"/>
+          </a:fontRef>
+        </p:style>
+      </p:cxnSp>
+      <p:cxnSp>
+        <p:nvCxnSpPr>
+          <p:cNvPr id="52" name="Connecteur droit 51"/>
+          <p:cNvCxnSpPr/>
+          <p:nvPr/>
+        </p:nvCxnSpPr>
+        <p:spPr>
+          <a:xfrm flipH="1">
+            <a:off x="7899278" y="4608951"/>
+            <a:ext cx="39191" cy="220652"/>
+          </a:xfrm>
+          <a:prstGeom prst="line">
+            <a:avLst/>
+          </a:prstGeom>
+          <a:ln w="57150"/>
+        </p:spPr>
+        <p:style>
+          <a:lnRef idx="1">
+            <a:schemeClr val="accent1"/>
+          </a:lnRef>
+          <a:fillRef idx="0">
+            <a:schemeClr val="accent1"/>
+          </a:fillRef>
+          <a:effectRef idx="0">
+            <a:schemeClr val="accent1"/>
+          </a:effectRef>
+          <a:fontRef idx="minor">
+            <a:schemeClr val="tx1"/>
+          </a:fontRef>
+        </p:style>
+      </p:cxnSp>
+    </p:spTree>
+    <p:extLst>
+      <p:ext uri="{BB962C8B-B14F-4D97-AF65-F5344CB8AC3E}">
+        <p14:creationId xmlns:p14="http://schemas.microsoft.com/office/powerpoint/2010/main" val="2484835208"/>
+      </p:ext>
+    </p:extLst>
+  </p:cSld>
+  <p:clrMapOvr>
+    <a:masterClrMapping/>
+  </p:clrMapOvr>
+  <p:timing>
+    <p:tnLst>
+      <p:par>
+        <p:cTn id="1" dur="indefinite" restart="never" nodeType="tmRoot"/>
+      </p:par>
+    </p:tnLst>
+  </p:timing>
+</p:sld>
+</file>
+
+<file path=ppt/slides/slide13.xml><?xml version="1.0" encoding="utf-8"?>
+<p:sld xmlns:a="http://schemas.openxmlformats.org/drawingml/2006/main" xmlns:r="http://schemas.openxmlformats.org/officeDocument/2006/relationships" xmlns:p="http://schemas.openxmlformats.org/presentationml/2006/main">
+  <p:cSld>
+    <p:spTree>
+      <p:nvGrpSpPr>
+        <p:cNvPr id="1" name=""/>
+        <p:cNvGrpSpPr/>
+        <p:nvPr/>
+      </p:nvGrpSpPr>
+      <p:grpSpPr>
+        <a:xfrm>
+          <a:off x="0" y="0"/>
+          <a:ext cx="0" cy="0"/>
+          <a:chOff x="0" y="0"/>
+          <a:chExt cx="0" cy="0"/>
+        </a:xfrm>
+      </p:grpSpPr>
+      <p:sp>
+        <p:nvSpPr>
+          <p:cNvPr id="2" name="Titre 1"/>
+          <p:cNvSpPr>
+            <a:spLocks noGrp="1"/>
+          </p:cNvSpPr>
+          <p:nvPr>
+            <p:ph type="title"/>
+          </p:nvPr>
+        </p:nvSpPr>
+        <p:spPr/>
+        <p:txBody>
+          <a:bodyPr/>
+          <a:lstStyle/>
+          <a:p>
+            <a:r>
+              <a:rPr lang="en-CA" dirty="0" smtClean="0"/>
+              <a:t>Architecture</a:t>
+            </a:r>
+            <a:endParaRPr lang="fr-CA" dirty="0"/>
+          </a:p>
+        </p:txBody>
+      </p:sp>
+      <p:sp>
+        <p:nvSpPr>
+          <p:cNvPr id="3" name="Espace réservé du contenu 2"/>
+          <p:cNvSpPr>
+            <a:spLocks noGrp="1"/>
+          </p:cNvSpPr>
+          <p:nvPr>
+            <p:ph idx="1"/>
+          </p:nvPr>
+        </p:nvSpPr>
+        <p:spPr/>
+        <p:txBody>
+          <a:bodyPr/>
+          <a:lstStyle/>
+          <a:p>
+            <a:r>
+              <a:rPr lang="en-CA" b="1" dirty="0" smtClean="0"/>
+              <a:t>Unity (C#)</a:t>
+            </a:r>
+          </a:p>
+          <a:p>
+            <a:pPr lvl="1"/>
+            <a:r>
+              <a:rPr lang="en-CA" dirty="0" err="1" smtClean="0"/>
+              <a:t>Affichage</a:t>
+            </a:r>
+            <a:r>
+              <a:rPr lang="en-CA" dirty="0"/>
+              <a:t> </a:t>
+            </a:r>
+            <a:r>
+              <a:rPr lang="en-CA" dirty="0" smtClean="0"/>
+              <a:t>de </a:t>
+            </a:r>
+            <a:r>
+              <a:rPr lang="en-CA" dirty="0" err="1" smtClean="0"/>
+              <a:t>l’univers</a:t>
+            </a:r>
+            <a:r>
+              <a:rPr lang="en-CA" dirty="0" smtClean="0"/>
+              <a:t> </a:t>
+            </a:r>
+            <a:r>
+              <a:rPr lang="en-CA" dirty="0" err="1" smtClean="0"/>
+              <a:t>virtuel</a:t>
+            </a:r>
+            <a:r>
+              <a:rPr lang="en-CA" dirty="0" smtClean="0"/>
+              <a:t>.</a:t>
+            </a:r>
+          </a:p>
+          <a:p>
+            <a:pPr lvl="1"/>
+            <a:r>
+              <a:rPr lang="en-CA" dirty="0" err="1" smtClean="0"/>
+              <a:t>Émission</a:t>
+            </a:r>
+            <a:r>
+              <a:rPr lang="en-CA" dirty="0" smtClean="0"/>
+              <a:t> des sons.</a:t>
+            </a:r>
+          </a:p>
+          <a:p>
+            <a:pPr lvl="1"/>
+            <a:r>
+              <a:rPr lang="en-CA" dirty="0" err="1" smtClean="0"/>
+              <a:t>Maintien</a:t>
+            </a:r>
+            <a:r>
+              <a:rPr lang="en-CA" dirty="0" smtClean="0"/>
+              <a:t> de </a:t>
+            </a:r>
+            <a:r>
+              <a:rPr lang="en-CA" dirty="0" err="1" smtClean="0"/>
+              <a:t>l’état</a:t>
+            </a:r>
+            <a:r>
+              <a:rPr lang="en-CA" dirty="0" smtClean="0"/>
+              <a:t> du </a:t>
+            </a:r>
+            <a:r>
+              <a:rPr lang="en-CA" dirty="0" err="1" smtClean="0"/>
+              <a:t>jeu</a:t>
+            </a:r>
+            <a:r>
+              <a:rPr lang="en-CA" dirty="0" smtClean="0"/>
+              <a:t>.</a:t>
+            </a:r>
+          </a:p>
+          <a:p>
+            <a:r>
+              <a:rPr lang="en-CA" b="1" dirty="0" err="1" smtClean="0"/>
+              <a:t>SensorLib</a:t>
+            </a:r>
+            <a:r>
+              <a:rPr lang="en-CA" b="1" dirty="0" smtClean="0"/>
+              <a:t> (C++)</a:t>
+            </a:r>
+          </a:p>
+          <a:p>
+            <a:pPr lvl="1"/>
+            <a:r>
+              <a:rPr lang="en-CA" dirty="0" smtClean="0"/>
+              <a:t>Interface avec les SDKs. </a:t>
+            </a:r>
+            <a:r>
+              <a:rPr lang="en-CA" dirty="0" err="1" smtClean="0"/>
+              <a:t>Permet</a:t>
+            </a:r>
+            <a:r>
+              <a:rPr lang="en-CA" dirty="0" smtClean="0"/>
+              <a:t> </a:t>
+            </a:r>
+            <a:r>
+              <a:rPr lang="en-CA" dirty="0" err="1" smtClean="0"/>
+              <a:t>d’enregistrer</a:t>
+            </a:r>
+            <a:r>
+              <a:rPr lang="en-CA" dirty="0" smtClean="0"/>
+              <a:t>/</a:t>
+            </a:r>
+            <a:r>
+              <a:rPr lang="en-CA" dirty="0" err="1" smtClean="0"/>
+              <a:t>rejouer</a:t>
+            </a:r>
+            <a:r>
+              <a:rPr lang="en-CA" dirty="0" smtClean="0"/>
+              <a:t>.</a:t>
+            </a:r>
+          </a:p>
+          <a:p>
+            <a:pPr lvl="1"/>
+            <a:r>
+              <a:rPr lang="en-CA" dirty="0" err="1" smtClean="0"/>
+              <a:t>Traitement</a:t>
+            </a:r>
+            <a:r>
+              <a:rPr lang="en-CA" dirty="0" smtClean="0"/>
+              <a:t> </a:t>
+            </a:r>
+            <a:r>
+              <a:rPr lang="en-CA" dirty="0" err="1" smtClean="0"/>
+              <a:t>d’image</a:t>
+            </a:r>
+            <a:r>
+              <a:rPr lang="en-CA" dirty="0" smtClean="0"/>
+              <a:t>, </a:t>
+            </a:r>
+            <a:r>
+              <a:rPr lang="en-CA" dirty="0" err="1" smtClean="0"/>
+              <a:t>stabilisateurs</a:t>
+            </a:r>
+            <a:r>
+              <a:rPr lang="en-CA" dirty="0"/>
+              <a:t>.</a:t>
+            </a:r>
+            <a:endParaRPr lang="fr-CA" dirty="0"/>
+          </a:p>
+        </p:txBody>
+      </p:sp>
+    </p:spTree>
+    <p:extLst>
+      <p:ext uri="{BB962C8B-B14F-4D97-AF65-F5344CB8AC3E}">
+        <p14:creationId xmlns:p14="http://schemas.microsoft.com/office/powerpoint/2010/main" val="2647751057"/>
+      </p:ext>
+    </p:extLst>
+  </p:cSld>
+  <p:clrMapOvr>
+    <a:masterClrMapping/>
+  </p:clrMapOvr>
+</p:sld>
+</file>
+
+<file path=ppt/slides/slide14.xml><?xml version="1.0" encoding="utf-8"?>
+<p:sld xmlns:a="http://schemas.openxmlformats.org/drawingml/2006/main" xmlns:r="http://schemas.openxmlformats.org/officeDocument/2006/relationships" xmlns:p="http://schemas.openxmlformats.org/presentationml/2006/main">
+  <p:cSld>
+    <p:spTree>
+      <p:nvGrpSpPr>
+        <p:cNvPr id="1" name=""/>
+        <p:cNvGrpSpPr/>
+        <p:nvPr/>
+      </p:nvGrpSpPr>
+      <p:grpSpPr>
+        <a:xfrm>
+          <a:off x="0" y="0"/>
+          <a:ext cx="0" cy="0"/>
+          <a:chOff x="0" y="0"/>
+          <a:chExt cx="0" cy="0"/>
+        </a:xfrm>
+      </p:grpSpPr>
+      <p:sp>
+        <p:nvSpPr>
+          <p:cNvPr id="2" name="Title 1"/>
+          <p:cNvSpPr>
+            <a:spLocks noGrp="1"/>
+          </p:cNvSpPr>
+          <p:nvPr>
+            <p:ph type="title"/>
+          </p:nvPr>
+        </p:nvSpPr>
+        <p:spPr/>
+        <p:txBody>
+          <a:bodyPr/>
+          <a:lstStyle/>
+          <a:p>
+            <a:r>
+              <a:rPr lang="fr-CA" dirty="0" smtClean="0"/>
+              <a:t>Risques</a:t>
+            </a:r>
+            <a:endParaRPr lang="fr-CA" dirty="0"/>
+          </a:p>
+        </p:txBody>
+      </p:sp>
+      <p:sp>
+        <p:nvSpPr>
+          <p:cNvPr id="3" name="Content Placeholder 2"/>
+          <p:cNvSpPr>
+            <a:spLocks noGrp="1"/>
+          </p:cNvSpPr>
+          <p:nvPr>
+            <p:ph idx="1"/>
+          </p:nvPr>
+        </p:nvSpPr>
+        <p:spPr/>
+        <p:txBody>
+          <a:bodyPr/>
+          <a:lstStyle/>
+          <a:p>
+            <a:r>
+              <a:rPr lang="fr-CA" dirty="0" smtClean="0"/>
+              <a:t>Risques principaux : nouvelles technologies et environnement/matériel</a:t>
+            </a:r>
+          </a:p>
+          <a:p>
+            <a:r>
+              <a:rPr lang="fr-CA" dirty="0" smtClean="0"/>
+              <a:t>Tests facilitent la gestion de risques </a:t>
+            </a:r>
+          </a:p>
+          <a:p>
+            <a:r>
+              <a:rPr lang="fr-CA" dirty="0"/>
+              <a:t>Tests importants : déploiement, jouabilité, haut </a:t>
+            </a:r>
+            <a:r>
+              <a:rPr lang="fr-CA" dirty="0" smtClean="0"/>
+              <a:t>niveau</a:t>
+            </a:r>
+          </a:p>
+          <a:p>
+            <a:r>
+              <a:rPr lang="fr-CA" dirty="0" smtClean="0"/>
+              <a:t>Détection des problèmes tôt</a:t>
+            </a:r>
+          </a:p>
+          <a:p>
+            <a:r>
+              <a:rPr lang="fr-CA" dirty="0" smtClean="0"/>
+              <a:t>Plans de contingence pour certains risques difficilement prévisibles</a:t>
+            </a:r>
+          </a:p>
+          <a:p>
+            <a:r>
+              <a:rPr lang="fr-CA" dirty="0" smtClean="0"/>
+              <a:t>Phase de prototype et de développement clairement séparées</a:t>
+            </a:r>
+          </a:p>
+          <a:p>
+            <a:endParaRPr lang="fr-CA" dirty="0" smtClean="0"/>
+          </a:p>
+          <a:p>
+            <a:endParaRPr lang="fr-CA" dirty="0" smtClean="0"/>
+          </a:p>
+        </p:txBody>
+      </p:sp>
+    </p:spTree>
+    <p:extLst>
+      <p:ext uri="{BB962C8B-B14F-4D97-AF65-F5344CB8AC3E}">
+        <p14:creationId xmlns:p14="http://schemas.microsoft.com/office/powerpoint/2010/main" val="4137331565"/>
+      </p:ext>
+    </p:extLst>
+  </p:cSld>
+  <p:clrMapOvr>
+    <a:masterClrMapping/>
+  </p:clrMapOvr>
+</p:sld>
+</file>
+
+<file path=ppt/slides/slide15.xml><?xml version="1.0" encoding="utf-8"?>
+<p:sld xmlns:a="http://schemas.openxmlformats.org/drawingml/2006/main" xmlns:r="http://schemas.openxmlformats.org/officeDocument/2006/relationships" xmlns:p="http://schemas.openxmlformats.org/presentationml/2006/main">
+  <p:cSld>
+    <p:spTree>
+      <p:nvGrpSpPr>
+        <p:cNvPr id="1" name=""/>
+        <p:cNvGrpSpPr/>
+        <p:nvPr/>
+      </p:nvGrpSpPr>
+      <p:grpSpPr>
+        <a:xfrm>
+          <a:off x="0" y="0"/>
+          <a:ext cx="0" cy="0"/>
+          <a:chOff x="0" y="0"/>
+          <a:chExt cx="0" cy="0"/>
+        </a:xfrm>
+      </p:grpSpPr>
+      <p:sp>
+        <p:nvSpPr>
+          <p:cNvPr id="2" name="Title 1"/>
+          <p:cNvSpPr>
+            <a:spLocks noGrp="1"/>
+          </p:cNvSpPr>
+          <p:nvPr>
+            <p:ph type="title"/>
+          </p:nvPr>
+        </p:nvSpPr>
+        <p:spPr/>
+        <p:txBody>
+          <a:bodyPr/>
+          <a:lstStyle/>
+          <a:p>
+            <a:r>
+              <a:rPr lang="fr-CA" dirty="0" smtClean="0"/>
+              <a:t>Échéancier</a:t>
+            </a:r>
+            <a:endParaRPr lang="fr-CA" dirty="0"/>
+          </a:p>
+        </p:txBody>
+      </p:sp>
+      <p:sp>
+        <p:nvSpPr>
+          <p:cNvPr id="3" name="Content Placeholder 2"/>
+          <p:cNvSpPr>
+            <a:spLocks noGrp="1"/>
+          </p:cNvSpPr>
+          <p:nvPr>
+            <p:ph idx="1"/>
+          </p:nvPr>
+        </p:nvSpPr>
+        <p:spPr/>
+        <p:txBody>
+          <a:bodyPr/>
+          <a:lstStyle/>
+          <a:p>
+            <a:endParaRPr lang="fr-CA" dirty="0" smtClean="0"/>
+          </a:p>
+          <a:p>
+            <a:r>
+              <a:rPr lang="fr-CA" dirty="0" smtClean="0"/>
+              <a:t>Échéancier pessimiste pour mieux gérer le risque</a:t>
+            </a:r>
+          </a:p>
+          <a:p>
+            <a:r>
+              <a:rPr lang="fr-CA" dirty="0" smtClean="0"/>
+              <a:t>Phase de prototypage relativement longue (près d’un mois)</a:t>
+            </a:r>
+          </a:p>
+          <a:p>
+            <a:r>
+              <a:rPr lang="fr-CA" dirty="0" smtClean="0"/>
+              <a:t>Majorité du temps pour développer le logiciel</a:t>
+            </a:r>
+          </a:p>
+          <a:p>
+            <a:r>
+              <a:rPr lang="fr-CA" dirty="0" smtClean="0"/>
+              <a:t>Phase de test et d’amélioration (10 mars)</a:t>
+            </a:r>
+          </a:p>
+          <a:p>
+            <a:r>
+              <a:rPr lang="fr-CA" dirty="0" err="1" smtClean="0"/>
+              <a:t>Peaufinement</a:t>
+            </a:r>
+            <a:r>
+              <a:rPr lang="fr-CA" dirty="0" smtClean="0"/>
+              <a:t> du jeu très important car présentation devant jury</a:t>
+            </a:r>
+          </a:p>
+          <a:p>
+            <a:r>
+              <a:rPr lang="fr-CA" dirty="0" smtClean="0"/>
+              <a:t>Échéancier et requis flexibles afin de mieux réagir aux imprévus</a:t>
+            </a:r>
+          </a:p>
+          <a:p>
+            <a:r>
+              <a:rPr lang="fr-CA" dirty="0" smtClean="0"/>
+              <a:t>Phase de développement du 24 février au 10 mars</a:t>
+            </a:r>
+          </a:p>
+          <a:p>
+            <a:endParaRPr lang="fr-CA" dirty="0"/>
+          </a:p>
+        </p:txBody>
+      </p:sp>
+    </p:spTree>
+    <p:extLst>
+      <p:ext uri="{BB962C8B-B14F-4D97-AF65-F5344CB8AC3E}">
+        <p14:creationId xmlns:p14="http://schemas.microsoft.com/office/powerpoint/2010/main" val="2523935644"/>
       </p:ext>
     </p:extLst>
   </p:cSld>
@@ -5919,14 +8693,19 @@
             <p:ph type="title"/>
           </p:nvPr>
         </p:nvSpPr>
-        <p:spPr/>
+        <p:spPr>
+          <a:xfrm>
+            <a:off x="7440460" y="764373"/>
+            <a:ext cx="4065740" cy="1293028"/>
+          </a:xfrm>
+        </p:spPr>
         <p:txBody>
           <a:bodyPr/>
           <a:lstStyle/>
           <a:p>
             <a:r>
               <a:rPr lang="fr-CA" dirty="0" smtClean="0"/>
-              <a:t>Problématique</a:t>
+              <a:t>Laval Virtual</a:t>
             </a:r>
             <a:endParaRPr lang="fr-CA" dirty="0"/>
           </a:p>
@@ -5942,30 +8721,128 @@
             <p:ph idx="1"/>
           </p:nvPr>
         </p:nvSpPr>
-        <p:spPr/>
-        <p:txBody>
-          <a:bodyPr/>
+        <p:spPr>
+          <a:xfrm>
+            <a:off x="685800" y="1673352"/>
+            <a:ext cx="10820400" cy="4940390"/>
+          </a:xfrm>
+        </p:spPr>
+        <p:txBody>
+          <a:bodyPr>
+            <a:normAutofit lnSpcReduction="10000"/>
+          </a:bodyPr>
           <a:lstStyle/>
           <a:p>
             <a:r>
-              <a:rPr lang="fr-FR" dirty="0"/>
-              <a:t>On veut trouver un moyen de gagner la compétition. Nous savons que nous avons de bonnes capacités techniques. Il faut ajouter de la transcendance</a:t>
-            </a:r>
-            <a:r>
               <a:rPr lang="fr-FR" dirty="0" smtClean="0"/>
-              <a:t>…</a:t>
-            </a:r>
-            <a:endParaRPr lang="fr-CA" dirty="0"/>
-          </a:p>
-          <a:p>
+              <a:t>Concours Virtual </a:t>
+            </a:r>
+            <a:r>
+              <a:rPr lang="fr-FR" dirty="0" err="1" smtClean="0"/>
+              <a:t>Fantasy</a:t>
+            </a:r>
+            <a:endParaRPr lang="fr-FR" dirty="0" smtClean="0"/>
+          </a:p>
+          <a:p>
+            <a:pPr lvl="1"/>
+            <a:r>
+              <a:rPr lang="fr-FR" dirty="0" smtClean="0"/>
+              <a:t>Espace restreint</a:t>
+            </a:r>
+          </a:p>
+          <a:p>
+            <a:pPr lvl="1"/>
+            <a:r>
+              <a:rPr lang="fr-FR" dirty="0" smtClean="0"/>
+              <a:t>Éclairage variable et incertain</a:t>
+            </a:r>
+          </a:p>
+          <a:p>
+            <a:pPr lvl="1"/>
+            <a:r>
+              <a:rPr lang="fr-FR" dirty="0" smtClean="0"/>
+              <a:t>Voyagement d’équipement (avion et train)</a:t>
+            </a:r>
             <a:endParaRPr lang="fr-FR" dirty="0"/>
           </a:p>
           <a:p>
-            <a:pPr fontAlgn="base"/>
-            <a:r>
-              <a:rPr lang="fr-FR" dirty="0"/>
-              <a:t>Exigences particulières: espace limité, besoin d’une bonne finition et d’une bonne fiabilité.</a:t>
-            </a:r>
+            <a:endParaRPr lang="fr-FR" dirty="0" smtClean="0"/>
+          </a:p>
+          <a:p>
+            <a:r>
+              <a:rPr lang="fr-FR" dirty="0" smtClean="0"/>
+              <a:t>Comment gagner la démo?</a:t>
+            </a:r>
+          </a:p>
+          <a:p>
+            <a:pPr lvl="1"/>
+            <a:r>
+              <a:rPr lang="fr-FR" dirty="0" smtClean="0"/>
+              <a:t>Impressionner le jury!</a:t>
+            </a:r>
+          </a:p>
+          <a:p>
+            <a:pPr lvl="2"/>
+            <a:r>
+              <a:rPr lang="fr-FR" dirty="0" smtClean="0"/>
+              <a:t>Originalité (Immersion sonore et visuelle)</a:t>
+            </a:r>
+          </a:p>
+          <a:p>
+            <a:pPr lvl="2"/>
+            <a:r>
+              <a:rPr lang="fr-FR" dirty="0" smtClean="0"/>
+              <a:t>Matériel réduit (On manipule… l’air!)</a:t>
+            </a:r>
+          </a:p>
+          <a:p>
+            <a:pPr lvl="2"/>
+            <a:endParaRPr lang="fr-FR" dirty="0" smtClean="0"/>
+          </a:p>
+          <a:p>
+            <a:r>
+              <a:rPr lang="fr-FR" dirty="0" smtClean="0"/>
+              <a:t>Comment avoir une belle expérience?</a:t>
+            </a:r>
+          </a:p>
+          <a:p>
+            <a:pPr lvl="1"/>
+            <a:r>
+              <a:rPr lang="fr-FR" dirty="0" smtClean="0"/>
+              <a:t>Impressionner le public!</a:t>
+            </a:r>
+          </a:p>
+          <a:p>
+            <a:pPr lvl="2"/>
+            <a:r>
+              <a:rPr lang="fr-FR" dirty="0" smtClean="0"/>
+              <a:t>Immersion instantanée</a:t>
+            </a:r>
+          </a:p>
+          <a:p>
+            <a:pPr lvl="2"/>
+            <a:r>
+              <a:rPr lang="fr-FR" dirty="0" smtClean="0"/>
+              <a:t>Apprentissage facile et </a:t>
+            </a:r>
+            <a:r>
+              <a:rPr lang="fr-FR" dirty="0" smtClean="0"/>
+              <a:t>naturelle</a:t>
+            </a:r>
+          </a:p>
+          <a:p>
+            <a:pPr lvl="2"/>
+            <a:r>
+              <a:rPr lang="fr-FR" dirty="0" smtClean="0"/>
+              <a:t>Visuellement et auditivement accrocheur</a:t>
+            </a:r>
+            <a:endParaRPr lang="fr-FR" dirty="0" smtClean="0"/>
+          </a:p>
+          <a:p>
+            <a:endParaRPr lang="fr-FR" dirty="0" smtClean="0"/>
+          </a:p>
+          <a:p>
+            <a:endParaRPr lang="fr-FR" dirty="0"/>
           </a:p>
           <a:p>
             <a:endParaRPr lang="fr-CA" dirty="0"/>
@@ -5975,7 +8852,7 @@
     </p:spTree>
     <p:extLst>
       <p:ext uri="{BB962C8B-B14F-4D97-AF65-F5344CB8AC3E}">
-        <p14:creationId xmlns:p14="http://schemas.microsoft.com/office/powerpoint/2010/main" val="911911945"/>
+        <p14:creationId xmlns:p14="http://schemas.microsoft.com/office/powerpoint/2010/main" val="2344541746"/>
       </p:ext>
     </p:extLst>
   </p:cSld>
@@ -6037,62 +8914,85 @@
         </p:nvSpPr>
         <p:spPr/>
         <p:txBody>
-          <a:bodyPr/>
+          <a:bodyPr>
+            <a:normAutofit/>
+          </a:bodyPr>
           <a:lstStyle/>
           <a:p>
             <a:r>
               <a:rPr lang="fr-CA" dirty="0" smtClean="0"/>
-              <a:t>Air Instruments</a:t>
-            </a:r>
-            <a:endParaRPr lang="fr-FR" dirty="0"/>
-          </a:p>
-          <a:p>
-            <a:pPr lvl="1" fontAlgn="base"/>
-            <a:r>
-              <a:rPr lang="fr-FR" dirty="0" smtClean="0"/>
-              <a:t>Instruments </a:t>
-            </a:r>
-            <a:r>
-              <a:rPr lang="fr-FR" dirty="0"/>
-              <a:t>disponibles</a:t>
-            </a:r>
-          </a:p>
-          <a:p>
-            <a:pPr lvl="1" fontAlgn="base"/>
-            <a:r>
-              <a:rPr lang="fr-FR" dirty="0"/>
-              <a:t>Modes de jeu</a:t>
-            </a:r>
-          </a:p>
-          <a:p>
-            <a:pPr lvl="1" fontAlgn="base"/>
-            <a:r>
-              <a:rPr lang="fr-FR" dirty="0"/>
-              <a:t>Se mettre dans la peau d’un visiteur et expliquer comment il interagit avec l’application. Quelle aide le présentateur doit donner?</a:t>
-            </a:r>
-          </a:p>
-          <a:p>
-            <a:pPr lvl="1" fontAlgn="base"/>
-            <a:r>
-              <a:rPr lang="fr-FR" dirty="0"/>
-              <a:t>Plan de notre kiosque (disposition des capteurs, chaises</a:t>
-            </a:r>
-            <a:r>
-              <a:rPr lang="fr-FR" dirty="0" smtClean="0"/>
-              <a:t>)</a:t>
+              <a:t>Jeux de air Instruments</a:t>
+            </a:r>
+          </a:p>
+          <a:p>
+            <a:pPr lvl="1"/>
+            <a:r>
+              <a:rPr lang="fr-CA" dirty="0" err="1" smtClean="0"/>
+              <a:t>Drum</a:t>
             </a:r>
             <a:endParaRPr lang="fr-CA" dirty="0" smtClean="0"/>
           </a:p>
           <a:p>
-            <a:pPr fontAlgn="base"/>
-            <a:endParaRPr lang="fr-FR" dirty="0"/>
+            <a:pPr lvl="1"/>
+            <a:r>
+              <a:rPr lang="fr-CA" dirty="0" smtClean="0"/>
+              <a:t>Guitare</a:t>
+            </a:r>
+          </a:p>
+          <a:p>
+            <a:pPr lvl="1"/>
+            <a:r>
+              <a:rPr lang="fr-CA" dirty="0" smtClean="0"/>
+              <a:t>Piano</a:t>
+            </a:r>
+          </a:p>
+          <a:p>
+            <a:r>
+              <a:rPr lang="fr-CA" dirty="0" smtClean="0"/>
+              <a:t>Deux modes de jeu</a:t>
+            </a:r>
+          </a:p>
+          <a:p>
+            <a:pPr lvl="1"/>
+            <a:r>
+              <a:rPr lang="fr-CA" dirty="0" smtClean="0"/>
+              <a:t>Mode assisté</a:t>
+            </a:r>
+          </a:p>
+          <a:p>
+            <a:pPr lvl="2"/>
+            <a:r>
+              <a:rPr lang="fr-CA" dirty="0" smtClean="0"/>
+              <a:t>Musique de fond</a:t>
+            </a:r>
+          </a:p>
+          <a:p>
+            <a:pPr lvl="2"/>
+            <a:r>
+              <a:rPr lang="fr-CA" dirty="0" smtClean="0"/>
+              <a:t>La trame musical de l’instrument disparait quand on se met à jouer</a:t>
+            </a:r>
+          </a:p>
+          <a:p>
+            <a:pPr lvl="1"/>
+            <a:r>
+              <a:rPr lang="fr-CA" dirty="0" smtClean="0"/>
+              <a:t>Mode libre</a:t>
+            </a:r>
+          </a:p>
+          <a:p>
+            <a:pPr lvl="2"/>
+            <a:r>
+              <a:rPr lang="fr-CA" dirty="0" smtClean="0"/>
+              <a:t>L’utilisateur à le plein contrôle</a:t>
+            </a:r>
           </a:p>
         </p:txBody>
       </p:sp>
     </p:spTree>
     <p:extLst>
       <p:ext uri="{BB962C8B-B14F-4D97-AF65-F5344CB8AC3E}">
-        <p14:creationId xmlns:p14="http://schemas.microsoft.com/office/powerpoint/2010/main" val="981986339"/>
+        <p14:creationId xmlns:p14="http://schemas.microsoft.com/office/powerpoint/2010/main" val="1066022899"/>
       </p:ext>
     </p:extLst>
   </p:cSld>
@@ -6136,7 +9036,7 @@
           <a:p>
             <a:r>
               <a:rPr lang="fr-CA" dirty="0" smtClean="0"/>
-              <a:t>Batterie</a:t>
+              <a:t>Solution (organisation)</a:t>
             </a:r>
             <a:endParaRPr lang="fr-CA" dirty="0"/>
           </a:p>
@@ -6154,45 +9054,680 @@
         </p:nvSpPr>
         <p:spPr/>
         <p:txBody>
-          <a:bodyPr/>
+          <a:bodyPr>
+            <a:normAutofit/>
+          </a:bodyPr>
           <a:lstStyle/>
           <a:p>
             <a:r>
               <a:rPr lang="fr-CA" dirty="0" smtClean="0"/>
-              <a:t>C’est ben </a:t>
-            </a:r>
-            <a:r>
-              <a:rPr lang="fr-CA" dirty="0" err="1" smtClean="0"/>
-              <a:t>nice</a:t>
-            </a:r>
+              <a:t>Nous guiderons les utilisateurs lors de leur arrivée</a:t>
+            </a:r>
+          </a:p>
+          <a:p>
+            <a:pPr lvl="1"/>
             <a:r>
               <a:rPr lang="fr-CA" dirty="0" smtClean="0"/>
-              <a:t>. On </a:t>
-            </a:r>
-            <a:r>
-              <a:rPr lang="fr-CA" dirty="0" err="1" smtClean="0"/>
-              <a:t>tappe</a:t>
-            </a:r>
+              <a:t>Explication du jeu et de son fonctionnement</a:t>
+            </a:r>
+          </a:p>
+          <a:p>
+            <a:pPr lvl="1"/>
             <a:r>
               <a:rPr lang="fr-CA" dirty="0" smtClean="0"/>
-              <a:t>. Boom </a:t>
-            </a:r>
-            <a:r>
-              <a:rPr lang="fr-CA" dirty="0" err="1" smtClean="0"/>
-              <a:t>boom</a:t>
-            </a:r>
+              <a:t>Leur position dans l’espace de jeu</a:t>
+            </a:r>
+          </a:p>
+          <a:p>
+            <a:pPr lvl="1"/>
             <a:r>
               <a:rPr lang="fr-CA" dirty="0" smtClean="0"/>
-              <a:t>. #YOLO</a:t>
-            </a:r>
-            <a:endParaRPr lang="fr-CA" dirty="0"/>
-          </a:p>
-        </p:txBody>
-      </p:sp>
+              <a:t>Comment sélectionner un mode et un instrument</a:t>
+            </a:r>
+          </a:p>
+          <a:p>
+            <a:r>
+              <a:rPr lang="fr-CA" dirty="0" smtClean="0"/>
+              <a:t>Plan de notre kiosque</a:t>
+            </a:r>
+          </a:p>
+          <a:p>
+            <a:pPr lvl="1"/>
+            <a:r>
+              <a:rPr lang="fr-CA" dirty="0" smtClean="0"/>
+              <a:t>Sans PVC</a:t>
+            </a:r>
+          </a:p>
+          <a:p>
+            <a:pPr lvl="1"/>
+            <a:r>
+              <a:rPr lang="fr-CA" dirty="0" smtClean="0"/>
+              <a:t>Peu d’installation</a:t>
+            </a:r>
+          </a:p>
+          <a:p>
+            <a:pPr lvl="1"/>
+            <a:r>
+              <a:rPr lang="fr-CA" dirty="0" smtClean="0"/>
+              <a:t>Espace suffisant pour jouer n’importe quel instrument</a:t>
+            </a:r>
+          </a:p>
+        </p:txBody>
+      </p:sp>
+      <p:grpSp>
+        <p:nvGrpSpPr>
+          <p:cNvPr id="32" name="Groupe 31"/>
+          <p:cNvGrpSpPr/>
+          <p:nvPr/>
+        </p:nvGrpSpPr>
+        <p:grpSpPr>
+          <a:xfrm>
+            <a:off x="8283793" y="3160105"/>
+            <a:ext cx="3694019" cy="3477911"/>
+            <a:chOff x="8087874" y="3094200"/>
+            <a:chExt cx="3694019" cy="3477911"/>
+          </a:xfrm>
+        </p:grpSpPr>
+        <p:sp>
+          <p:nvSpPr>
+            <p:cNvPr id="20" name="Rectangle 19"/>
+            <p:cNvSpPr/>
+            <p:nvPr/>
+          </p:nvSpPr>
+          <p:spPr>
+            <a:xfrm>
+              <a:off x="9177739" y="5753816"/>
+              <a:ext cx="720000" cy="720000"/>
+            </a:xfrm>
+            <a:prstGeom prst="rect">
+              <a:avLst/>
+            </a:prstGeom>
+          </p:spPr>
+          <p:style>
+            <a:lnRef idx="2">
+              <a:schemeClr val="dk1"/>
+            </a:lnRef>
+            <a:fillRef idx="1">
+              <a:schemeClr val="lt1"/>
+            </a:fillRef>
+            <a:effectRef idx="0">
+              <a:schemeClr val="dk1"/>
+            </a:effectRef>
+            <a:fontRef idx="minor">
+              <a:schemeClr val="dk1"/>
+            </a:fontRef>
+          </p:style>
+          <p:txBody>
+            <a:bodyPr rtlCol="0" anchor="ctr"/>
+            <a:lstStyle/>
+            <a:p>
+              <a:pPr algn="ctr"/>
+              <a:r>
+                <a:rPr lang="fr-CA" sz="1200" dirty="0" smtClean="0"/>
+                <a:t>Chaise</a:t>
+              </a:r>
+              <a:endParaRPr lang="fr-CA" sz="1200" dirty="0"/>
+            </a:p>
+          </p:txBody>
+        </p:sp>
+        <p:sp>
+          <p:nvSpPr>
+            <p:cNvPr id="22" name="Rectangle 21"/>
+            <p:cNvSpPr/>
+            <p:nvPr/>
+          </p:nvSpPr>
+          <p:spPr>
+            <a:xfrm>
+              <a:off x="9357739" y="3743864"/>
+              <a:ext cx="360000" cy="72000"/>
+            </a:xfrm>
+            <a:prstGeom prst="rect">
+              <a:avLst/>
+            </a:prstGeom>
+          </p:spPr>
+          <p:style>
+            <a:lnRef idx="2">
+              <a:schemeClr val="dk1"/>
+            </a:lnRef>
+            <a:fillRef idx="1">
+              <a:schemeClr val="lt1"/>
+            </a:fillRef>
+            <a:effectRef idx="0">
+              <a:schemeClr val="dk1"/>
+            </a:effectRef>
+            <a:fontRef idx="minor">
+              <a:schemeClr val="dk1"/>
+            </a:fontRef>
+          </p:style>
+          <p:txBody>
+            <a:bodyPr rtlCol="0" anchor="ctr"/>
+            <a:lstStyle/>
+            <a:p>
+              <a:pPr algn="ctr"/>
+              <a:endParaRPr lang="fr-CA"/>
+            </a:p>
+          </p:txBody>
+        </p:sp>
+        <p:sp>
+          <p:nvSpPr>
+            <p:cNvPr id="23" name="Rectangle 22"/>
+            <p:cNvSpPr/>
+            <p:nvPr/>
+          </p:nvSpPr>
+          <p:spPr>
+            <a:xfrm>
+              <a:off x="9447739" y="5311000"/>
+              <a:ext cx="180000" cy="36000"/>
+            </a:xfrm>
+            <a:prstGeom prst="rect">
+              <a:avLst/>
+            </a:prstGeom>
+          </p:spPr>
+          <p:style>
+            <a:lnRef idx="2">
+              <a:schemeClr val="dk1"/>
+            </a:lnRef>
+            <a:fillRef idx="1">
+              <a:schemeClr val="lt1"/>
+            </a:fillRef>
+            <a:effectRef idx="0">
+              <a:schemeClr val="dk1"/>
+            </a:effectRef>
+            <a:fontRef idx="minor">
+              <a:schemeClr val="dk1"/>
+            </a:fontRef>
+          </p:style>
+          <p:txBody>
+            <a:bodyPr rtlCol="0" anchor="ctr"/>
+            <a:lstStyle/>
+            <a:p>
+              <a:pPr algn="ctr"/>
+              <a:endParaRPr lang="fr-CA"/>
+            </a:p>
+          </p:txBody>
+        </p:sp>
+        <p:sp>
+          <p:nvSpPr>
+            <p:cNvPr id="27" name="Triangle isocèle 26"/>
+            <p:cNvSpPr/>
+            <p:nvPr/>
+          </p:nvSpPr>
+          <p:spPr>
+            <a:xfrm>
+              <a:off x="8088974" y="3814119"/>
+              <a:ext cx="2880000" cy="2700000"/>
+            </a:xfrm>
+            <a:prstGeom prst="triangle">
+              <a:avLst/>
+            </a:prstGeom>
+            <a:noFill/>
+            <a:ln w="3175">
+              <a:solidFill>
+                <a:schemeClr val="tx1"/>
+              </a:solidFill>
+            </a:ln>
+          </p:spPr>
+          <p:style>
+            <a:lnRef idx="2">
+              <a:schemeClr val="dk1"/>
+            </a:lnRef>
+            <a:fillRef idx="1">
+              <a:schemeClr val="lt1"/>
+            </a:fillRef>
+            <a:effectRef idx="0">
+              <a:schemeClr val="dk1"/>
+            </a:effectRef>
+            <a:fontRef idx="minor">
+              <a:schemeClr val="dk1"/>
+            </a:fontRef>
+          </p:style>
+          <p:txBody>
+            <a:bodyPr rtlCol="0" anchor="ctr"/>
+            <a:lstStyle/>
+            <a:p>
+              <a:pPr algn="ctr"/>
+              <a:endParaRPr lang="fr-CA"/>
+            </a:p>
+          </p:txBody>
+        </p:sp>
+        <p:sp>
+          <p:nvSpPr>
+            <p:cNvPr id="30" name="Triangle isocèle 29"/>
+            <p:cNvSpPr/>
+            <p:nvPr/>
+          </p:nvSpPr>
+          <p:spPr>
+            <a:xfrm>
+              <a:off x="9172271" y="5342237"/>
+              <a:ext cx="720000" cy="360000"/>
+            </a:xfrm>
+            <a:prstGeom prst="triangle">
+              <a:avLst/>
+            </a:prstGeom>
+            <a:noFill/>
+            <a:ln w="3175">
+              <a:solidFill>
+                <a:schemeClr val="tx1"/>
+              </a:solidFill>
+            </a:ln>
+          </p:spPr>
+          <p:style>
+            <a:lnRef idx="2">
+              <a:schemeClr val="dk1"/>
+            </a:lnRef>
+            <a:fillRef idx="1">
+              <a:schemeClr val="lt1"/>
+            </a:fillRef>
+            <a:effectRef idx="0">
+              <a:schemeClr val="dk1"/>
+            </a:effectRef>
+            <a:fontRef idx="minor">
+              <a:schemeClr val="dk1"/>
+            </a:fontRef>
+          </p:style>
+          <p:txBody>
+            <a:bodyPr rtlCol="0" anchor="ctr"/>
+            <a:lstStyle/>
+            <a:p>
+              <a:pPr algn="ctr"/>
+              <a:endParaRPr lang="fr-CA"/>
+            </a:p>
+          </p:txBody>
+        </p:sp>
+        <p:grpSp>
+          <p:nvGrpSpPr>
+            <p:cNvPr id="19" name="Groupe 18"/>
+            <p:cNvGrpSpPr/>
+            <p:nvPr/>
+          </p:nvGrpSpPr>
+          <p:grpSpPr>
+            <a:xfrm>
+              <a:off x="8087874" y="3094200"/>
+              <a:ext cx="3694019" cy="3477911"/>
+              <a:chOff x="4921979" y="3180464"/>
+              <a:chExt cx="3694019" cy="3477911"/>
+            </a:xfrm>
+          </p:grpSpPr>
+          <p:sp>
+            <p:nvSpPr>
+              <p:cNvPr id="4" name="Rectangle 3"/>
+              <p:cNvSpPr/>
+              <p:nvPr/>
+            </p:nvSpPr>
+            <p:spPr>
+              <a:xfrm>
+                <a:off x="4925683" y="3769744"/>
+                <a:ext cx="2880000" cy="2880000"/>
+              </a:xfrm>
+              <a:prstGeom prst="rect">
+                <a:avLst/>
+              </a:prstGeom>
+              <a:noFill/>
+              <a:ln>
+                <a:solidFill>
+                  <a:schemeClr val="tx1"/>
+                </a:solidFill>
+              </a:ln>
+            </p:spPr>
+            <p:style>
+              <a:lnRef idx="2">
+                <a:schemeClr val="accent1"/>
+              </a:lnRef>
+              <a:fillRef idx="1">
+                <a:schemeClr val="lt1"/>
+              </a:fillRef>
+              <a:effectRef idx="0">
+                <a:schemeClr val="accent1"/>
+              </a:effectRef>
+              <a:fontRef idx="minor">
+                <a:schemeClr val="dk1"/>
+              </a:fontRef>
+            </p:style>
+            <p:txBody>
+              <a:bodyPr rtlCol="0" anchor="ctr"/>
+              <a:lstStyle/>
+              <a:p>
+                <a:pPr algn="ctr"/>
+                <a:endParaRPr lang="fr-CA"/>
+              </a:p>
+            </p:txBody>
+          </p:sp>
+          <p:grpSp>
+            <p:nvGrpSpPr>
+              <p:cNvPr id="18" name="Groupe 17"/>
+              <p:cNvGrpSpPr/>
+              <p:nvPr/>
+            </p:nvGrpSpPr>
+            <p:grpSpPr>
+              <a:xfrm>
+                <a:off x="7861541" y="3769743"/>
+                <a:ext cx="754457" cy="2888632"/>
+                <a:chOff x="7861541" y="3769743"/>
+                <a:chExt cx="754457" cy="2888632"/>
+              </a:xfrm>
+            </p:grpSpPr>
+            <p:grpSp>
+              <p:nvGrpSpPr>
+                <p:cNvPr id="10" name="Groupe 9"/>
+                <p:cNvGrpSpPr/>
+                <p:nvPr/>
+              </p:nvGrpSpPr>
+              <p:grpSpPr>
+                <a:xfrm>
+                  <a:off x="7861541" y="3769743"/>
+                  <a:ext cx="241539" cy="2888632"/>
+                  <a:chOff x="9302153" y="2372264"/>
+                  <a:chExt cx="241539" cy="2888632"/>
+                </a:xfrm>
+              </p:grpSpPr>
+              <p:cxnSp>
+                <p:nvCxnSpPr>
+                  <p:cNvPr id="6" name="Connecteur droit 5"/>
+                  <p:cNvCxnSpPr/>
+                  <p:nvPr/>
+                </p:nvCxnSpPr>
+                <p:spPr>
+                  <a:xfrm>
+                    <a:off x="9422922" y="2380896"/>
+                    <a:ext cx="0" cy="2880000"/>
+                  </a:xfrm>
+                  <a:prstGeom prst="line">
+                    <a:avLst/>
+                  </a:prstGeom>
+                  <a:ln>
+                    <a:solidFill>
+                      <a:schemeClr val="tx1"/>
+                    </a:solidFill>
+                  </a:ln>
+                </p:spPr>
+                <p:style>
+                  <a:lnRef idx="1">
+                    <a:schemeClr val="accent1"/>
+                  </a:lnRef>
+                  <a:fillRef idx="0">
+                    <a:schemeClr val="accent1"/>
+                  </a:fillRef>
+                  <a:effectRef idx="0">
+                    <a:schemeClr val="accent1"/>
+                  </a:effectRef>
+                  <a:fontRef idx="minor">
+                    <a:schemeClr val="tx1"/>
+                  </a:fontRef>
+                </p:style>
+              </p:cxnSp>
+              <p:cxnSp>
+                <p:nvCxnSpPr>
+                  <p:cNvPr id="8" name="Connecteur droit 7"/>
+                  <p:cNvCxnSpPr/>
+                  <p:nvPr/>
+                </p:nvCxnSpPr>
+                <p:spPr>
+                  <a:xfrm>
+                    <a:off x="9302153" y="2372264"/>
+                    <a:ext cx="241539" cy="0"/>
+                  </a:xfrm>
+                  <a:prstGeom prst="line">
+                    <a:avLst/>
+                  </a:prstGeom>
+                  <a:ln>
+                    <a:solidFill>
+                      <a:schemeClr val="tx1"/>
+                    </a:solidFill>
+                  </a:ln>
+                </p:spPr>
+                <p:style>
+                  <a:lnRef idx="1">
+                    <a:schemeClr val="accent1"/>
+                  </a:lnRef>
+                  <a:fillRef idx="0">
+                    <a:schemeClr val="accent1"/>
+                  </a:fillRef>
+                  <a:effectRef idx="0">
+                    <a:schemeClr val="accent1"/>
+                  </a:effectRef>
+                  <a:fontRef idx="minor">
+                    <a:schemeClr val="tx1"/>
+                  </a:fontRef>
+                </p:style>
+              </p:cxnSp>
+              <p:cxnSp>
+                <p:nvCxnSpPr>
+                  <p:cNvPr id="9" name="Connecteur droit 8"/>
+                  <p:cNvCxnSpPr/>
+                  <p:nvPr/>
+                </p:nvCxnSpPr>
+                <p:spPr>
+                  <a:xfrm>
+                    <a:off x="9302153" y="5259200"/>
+                    <a:ext cx="241539" cy="0"/>
+                  </a:xfrm>
+                  <a:prstGeom prst="line">
+                    <a:avLst/>
+                  </a:prstGeom>
+                  <a:ln>
+                    <a:solidFill>
+                      <a:schemeClr val="tx1"/>
+                    </a:solidFill>
+                  </a:ln>
+                </p:spPr>
+                <p:style>
+                  <a:lnRef idx="1">
+                    <a:schemeClr val="accent1"/>
+                  </a:lnRef>
+                  <a:fillRef idx="0">
+                    <a:schemeClr val="accent1"/>
+                  </a:fillRef>
+                  <a:effectRef idx="0">
+                    <a:schemeClr val="accent1"/>
+                  </a:effectRef>
+                  <a:fontRef idx="minor">
+                    <a:schemeClr val="tx1"/>
+                  </a:fontRef>
+                </p:style>
+              </p:cxnSp>
+            </p:grpSp>
+            <p:sp>
+              <p:nvSpPr>
+                <p:cNvPr id="15" name="ZoneTexte 14"/>
+                <p:cNvSpPr txBox="1"/>
+                <p:nvPr/>
+              </p:nvSpPr>
+              <p:spPr>
+                <a:xfrm>
+                  <a:off x="8022566" y="5029393"/>
+                  <a:ext cx="593432" cy="369332"/>
+                </a:xfrm>
+                <a:prstGeom prst="rect">
+                  <a:avLst/>
+                </a:prstGeom>
+                <a:noFill/>
+              </p:spPr>
+              <p:txBody>
+                <a:bodyPr wrap="none" rtlCol="0">
+                  <a:spAutoFit/>
+                </a:bodyPr>
+                <a:lstStyle/>
+                <a:p>
+                  <a:r>
+                    <a:rPr lang="fr-CA" dirty="0" smtClean="0"/>
+                    <a:t>2 m</a:t>
+                  </a:r>
+                  <a:endParaRPr lang="fr-CA" dirty="0"/>
+                </a:p>
+              </p:txBody>
+            </p:sp>
+          </p:grpSp>
+          <p:grpSp>
+            <p:nvGrpSpPr>
+              <p:cNvPr id="17" name="Groupe 16"/>
+              <p:cNvGrpSpPr/>
+              <p:nvPr/>
+            </p:nvGrpSpPr>
+            <p:grpSpPr>
+              <a:xfrm>
+                <a:off x="4921979" y="3180464"/>
+                <a:ext cx="2888632" cy="546977"/>
+                <a:chOff x="4921979" y="3180464"/>
+                <a:chExt cx="2888632" cy="546977"/>
+              </a:xfrm>
+            </p:grpSpPr>
+            <p:grpSp>
+              <p:nvGrpSpPr>
+                <p:cNvPr id="11" name="Groupe 10"/>
+                <p:cNvGrpSpPr/>
+                <p:nvPr/>
+              </p:nvGrpSpPr>
+              <p:grpSpPr>
+                <a:xfrm rot="5400000">
+                  <a:off x="6245525" y="2162356"/>
+                  <a:ext cx="241539" cy="2888632"/>
+                  <a:chOff x="9302153" y="2372264"/>
+                  <a:chExt cx="241539" cy="2888632"/>
+                </a:xfrm>
+              </p:grpSpPr>
+              <p:cxnSp>
+                <p:nvCxnSpPr>
+                  <p:cNvPr id="12" name="Connecteur droit 11"/>
+                  <p:cNvCxnSpPr/>
+                  <p:nvPr/>
+                </p:nvCxnSpPr>
+                <p:spPr>
+                  <a:xfrm>
+                    <a:off x="9422922" y="2380896"/>
+                    <a:ext cx="0" cy="2880000"/>
+                  </a:xfrm>
+                  <a:prstGeom prst="line">
+                    <a:avLst/>
+                  </a:prstGeom>
+                  <a:ln>
+                    <a:solidFill>
+                      <a:schemeClr val="tx1"/>
+                    </a:solidFill>
+                  </a:ln>
+                </p:spPr>
+                <p:style>
+                  <a:lnRef idx="1">
+                    <a:schemeClr val="accent1"/>
+                  </a:lnRef>
+                  <a:fillRef idx="0">
+                    <a:schemeClr val="accent1"/>
+                  </a:fillRef>
+                  <a:effectRef idx="0">
+                    <a:schemeClr val="accent1"/>
+                  </a:effectRef>
+                  <a:fontRef idx="minor">
+                    <a:schemeClr val="tx1"/>
+                  </a:fontRef>
+                </p:style>
+              </p:cxnSp>
+              <p:cxnSp>
+                <p:nvCxnSpPr>
+                  <p:cNvPr id="13" name="Connecteur droit 12"/>
+                  <p:cNvCxnSpPr/>
+                  <p:nvPr/>
+                </p:nvCxnSpPr>
+                <p:spPr>
+                  <a:xfrm>
+                    <a:off x="9302153" y="2372264"/>
+                    <a:ext cx="241539" cy="0"/>
+                  </a:xfrm>
+                  <a:prstGeom prst="line">
+                    <a:avLst/>
+                  </a:prstGeom>
+                  <a:ln>
+                    <a:solidFill>
+                      <a:schemeClr val="tx1"/>
+                    </a:solidFill>
+                  </a:ln>
+                </p:spPr>
+                <p:style>
+                  <a:lnRef idx="1">
+                    <a:schemeClr val="accent1"/>
+                  </a:lnRef>
+                  <a:fillRef idx="0">
+                    <a:schemeClr val="accent1"/>
+                  </a:fillRef>
+                  <a:effectRef idx="0">
+                    <a:schemeClr val="accent1"/>
+                  </a:effectRef>
+                  <a:fontRef idx="minor">
+                    <a:schemeClr val="tx1"/>
+                  </a:fontRef>
+                </p:style>
+              </p:cxnSp>
+              <p:cxnSp>
+                <p:nvCxnSpPr>
+                  <p:cNvPr id="14" name="Connecteur droit 13"/>
+                  <p:cNvCxnSpPr/>
+                  <p:nvPr/>
+                </p:nvCxnSpPr>
+                <p:spPr>
+                  <a:xfrm>
+                    <a:off x="9302153" y="5259200"/>
+                    <a:ext cx="241539" cy="0"/>
+                  </a:xfrm>
+                  <a:prstGeom prst="line">
+                    <a:avLst/>
+                  </a:prstGeom>
+                  <a:ln>
+                    <a:solidFill>
+                      <a:schemeClr val="tx1"/>
+                    </a:solidFill>
+                  </a:ln>
+                </p:spPr>
+                <p:style>
+                  <a:lnRef idx="1">
+                    <a:schemeClr val="accent1"/>
+                  </a:lnRef>
+                  <a:fillRef idx="0">
+                    <a:schemeClr val="accent1"/>
+                  </a:fillRef>
+                  <a:effectRef idx="0">
+                    <a:schemeClr val="accent1"/>
+                  </a:effectRef>
+                  <a:fontRef idx="minor">
+                    <a:schemeClr val="tx1"/>
+                  </a:fontRef>
+                </p:style>
+              </p:cxnSp>
+            </p:grpSp>
+            <p:sp>
+              <p:nvSpPr>
+                <p:cNvPr id="16" name="ZoneTexte 15"/>
+                <p:cNvSpPr txBox="1"/>
+                <p:nvPr/>
+              </p:nvSpPr>
+              <p:spPr>
+                <a:xfrm>
+                  <a:off x="6069578" y="3180464"/>
+                  <a:ext cx="593432" cy="369332"/>
+                </a:xfrm>
+                <a:prstGeom prst="rect">
+                  <a:avLst/>
+                </a:prstGeom>
+                <a:noFill/>
+              </p:spPr>
+              <p:txBody>
+                <a:bodyPr wrap="none" rtlCol="0">
+                  <a:spAutoFit/>
+                </a:bodyPr>
+                <a:lstStyle/>
+                <a:p>
+                  <a:r>
+                    <a:rPr lang="fr-CA" dirty="0" smtClean="0"/>
+                    <a:t>2 m</a:t>
+                  </a:r>
+                  <a:endParaRPr lang="fr-CA" dirty="0"/>
+                </a:p>
+              </p:txBody>
+            </p:sp>
+          </p:grpSp>
+        </p:grpSp>
+      </p:grpSp>
     </p:spTree>
     <p:extLst>
       <p:ext uri="{BB962C8B-B14F-4D97-AF65-F5344CB8AC3E}">
-        <p14:creationId xmlns:p14="http://schemas.microsoft.com/office/powerpoint/2010/main" val="43908559"/>
+        <p14:creationId xmlns:p14="http://schemas.microsoft.com/office/powerpoint/2010/main" val="3663175333"/>
       </p:ext>
     </p:extLst>
   </p:cSld>
@@ -6236,7 +9771,7 @@
           <a:p>
             <a:r>
               <a:rPr lang="fr-CA" dirty="0" smtClean="0"/>
-              <a:t>Guitare</a:t>
+              <a:t>Batterie et Guitare</a:t>
             </a:r>
             <a:endParaRPr lang="fr-CA" dirty="0"/>
           </a:p>
@@ -6259,11 +9794,67 @@
           <a:p>
             <a:r>
               <a:rPr lang="fr-CA" dirty="0" smtClean="0"/>
-              <a:t>#</a:t>
+              <a:t>Utilisent les fonctionnalités de </a:t>
+            </a:r>
+            <a:r>
+              <a:rPr lang="fr-CA" b="1" dirty="0" err="1" smtClean="0"/>
+              <a:t>Skeleton.cs</a:t>
+            </a:r>
+            <a:endParaRPr lang="fr-CA" b="1" dirty="0" smtClean="0"/>
+          </a:p>
+          <a:p>
+            <a:pPr lvl="1"/>
+            <a:r>
+              <a:rPr lang="fr-CA" dirty="0" smtClean="0"/>
+              <a:t>Positions des articulations</a:t>
+            </a:r>
+          </a:p>
+          <a:p>
+            <a:pPr lvl="1"/>
+            <a:r>
+              <a:rPr lang="fr-CA" dirty="0" smtClean="0"/>
+              <a:t>Rotation des articulations (os)</a:t>
+            </a:r>
+          </a:p>
+          <a:p>
+            <a:pPr lvl="1"/>
+            <a:r>
+              <a:rPr lang="fr-CA" dirty="0" smtClean="0"/>
+              <a:t>Rotation du visage (avec le </a:t>
             </a:r>
             <a:r>
               <a:rPr lang="fr-CA" dirty="0" err="1" smtClean="0"/>
-              <a:t>JimmyHendrix</a:t>
+              <a:t>FaceTracking</a:t>
+            </a:r>
+            <a:r>
+              <a:rPr lang="fr-CA" dirty="0" smtClean="0"/>
+              <a:t> de la Kinect)</a:t>
+            </a:r>
+          </a:p>
+          <a:p>
+            <a:pPr lvl="1"/>
+            <a:r>
+              <a:rPr lang="fr-CA" dirty="0" smtClean="0"/>
+              <a:t>Positions et profondeurs des articulation dans l’image de profondeur</a:t>
+            </a:r>
+          </a:p>
+          <a:p>
+            <a:pPr lvl="1"/>
+            <a:endParaRPr lang="fr-CA" dirty="0"/>
+          </a:p>
+          <a:p>
+            <a:pPr lvl="1"/>
+            <a:r>
+              <a:rPr lang="fr-CA" dirty="0" err="1" smtClean="0"/>
+              <a:t>Skeleton</a:t>
+            </a:r>
+            <a:r>
+              <a:rPr lang="fr-CA" dirty="0" smtClean="0"/>
+              <a:t> utilise </a:t>
+            </a:r>
+            <a:r>
+              <a:rPr lang="fr-CA" dirty="0" err="1" smtClean="0"/>
+              <a:t>SensorLibInteropt.cs</a:t>
             </a:r>
             <a:endParaRPr lang="fr-CA" dirty="0"/>
           </a:p>
@@ -6272,7 +9863,7 @@
     </p:spTree>
     <p:extLst>
       <p:ext uri="{BB962C8B-B14F-4D97-AF65-F5344CB8AC3E}">
-        <p14:creationId xmlns:p14="http://schemas.microsoft.com/office/powerpoint/2010/main" val="3701052472"/>
+        <p14:creationId xmlns:p14="http://schemas.microsoft.com/office/powerpoint/2010/main" val="904351684"/>
       </p:ext>
     </p:extLst>
   </p:cSld>
@@ -6309,42 +9900,521 @@
             <p:ph type="title"/>
           </p:nvPr>
         </p:nvSpPr>
-        <p:spPr/>
+        <p:spPr>
+          <a:xfrm>
+            <a:off x="8494776" y="337560"/>
+            <a:ext cx="3176016" cy="1293028"/>
+          </a:xfrm>
+        </p:spPr>
         <p:txBody>
           <a:bodyPr/>
           <a:lstStyle/>
           <a:p>
             <a:r>
               <a:rPr lang="fr-CA" dirty="0" smtClean="0"/>
-              <a:t>Piano</a:t>
+              <a:t>Batterie</a:t>
             </a:r>
             <a:endParaRPr lang="fr-CA" dirty="0"/>
           </a:p>
         </p:txBody>
       </p:sp>
-      <p:sp>
-        <p:nvSpPr>
-          <p:cNvPr id="3" name="Content Placeholder 2"/>
-          <p:cNvSpPr>
-            <a:spLocks noGrp="1"/>
-          </p:cNvSpPr>
+      <p:pic>
+        <p:nvPicPr>
+          <p:cNvPr id="4" name="Content Placeholder 3"/>
+          <p:cNvPicPr>
+            <a:picLocks noGrp="1" noChangeAspect="1"/>
+          </p:cNvPicPr>
           <p:nvPr>
             <p:ph idx="1"/>
           </p:nvPr>
-        </p:nvSpPr>
-        <p:spPr/>
-        <p:txBody>
-          <a:bodyPr/>
+        </p:nvPicPr>
+        <p:blipFill>
+          <a:blip r:embed="rId2">
+            <a:extLst>
+              <a:ext uri="{28A0092B-C50C-407E-A947-70E740481C1C}">
+                <a14:useLocalDpi xmlns:a14="http://schemas.microsoft.com/office/drawing/2010/main" val="0"/>
+              </a:ext>
+            </a:extLst>
+          </a:blip>
+          <a:stretch>
+            <a:fillRect/>
+          </a:stretch>
+        </p:blipFill>
+        <p:spPr>
+          <a:xfrm>
+            <a:off x="3099594" y="2004863"/>
+            <a:ext cx="7745189" cy="4441975"/>
+          </a:xfrm>
+          <a:prstGeom prst="rect">
+            <a:avLst/>
+          </a:prstGeom>
+          <a:ln w="38100" cap="sq">
+            <a:solidFill>
+              <a:srgbClr val="000000"/>
+            </a:solidFill>
+            <a:prstDash val="solid"/>
+            <a:miter lim="800000"/>
+          </a:ln>
+          <a:effectLst>
+            <a:outerShdw blurRad="50800" dist="38100" dir="2700000" algn="tl" rotWithShape="0">
+              <a:srgbClr val="000000">
+                <a:alpha val="43000"/>
+              </a:srgbClr>
+            </a:outerShdw>
+          </a:effectLst>
+        </p:spPr>
+      </p:pic>
+      <p:sp>
+        <p:nvSpPr>
+          <p:cNvPr id="5" name="Rectangle 4"/>
+          <p:cNvSpPr/>
+          <p:nvPr/>
+        </p:nvSpPr>
+        <p:spPr>
+          <a:xfrm>
+            <a:off x="3099594" y="1591056"/>
+            <a:ext cx="1810512" cy="391331"/>
+          </a:xfrm>
+          <a:prstGeom prst="rect">
+            <a:avLst/>
+          </a:prstGeom>
+        </p:spPr>
+        <p:style>
+          <a:lnRef idx="2">
+            <a:schemeClr val="accent2">
+              <a:shade val="50000"/>
+            </a:schemeClr>
+          </a:lnRef>
+          <a:fillRef idx="1">
+            <a:schemeClr val="accent2"/>
+          </a:fillRef>
+          <a:effectRef idx="0">
+            <a:schemeClr val="accent2"/>
+          </a:effectRef>
+          <a:fontRef idx="minor">
+            <a:schemeClr val="lt1"/>
+          </a:fontRef>
+        </p:style>
+        <p:txBody>
+          <a:bodyPr rtlCol="0" anchor="ctr"/>
           <a:lstStyle/>
           <a:p>
-            <a:endParaRPr lang="fr-CA"/>
+            <a:pPr algn="ctr"/>
+            <a:r>
+              <a:rPr lang="fr-CA" dirty="0" err="1" smtClean="0">
+                <a:ln>
+                  <a:solidFill>
+                    <a:schemeClr val="bg1"/>
+                  </a:solidFill>
+                </a:ln>
+                <a:solidFill>
+                  <a:schemeClr val="bg1"/>
+                </a:solidFill>
+              </a:rPr>
+              <a:t>TipCollider.cs</a:t>
+            </a:r>
+            <a:endParaRPr lang="fr-CA" dirty="0">
+              <a:ln>
+                <a:solidFill>
+                  <a:schemeClr val="bg1"/>
+                </a:solidFill>
+              </a:ln>
+              <a:solidFill>
+                <a:schemeClr val="bg1"/>
+              </a:solidFill>
+            </a:endParaRPr>
+          </a:p>
+        </p:txBody>
+      </p:sp>
+      <p:cxnSp>
+        <p:nvCxnSpPr>
+          <p:cNvPr id="7" name="Straight Arrow Connector 6"/>
+          <p:cNvCxnSpPr/>
+          <p:nvPr/>
+        </p:nvCxnSpPr>
+        <p:spPr>
+          <a:xfrm>
+            <a:off x="4910106" y="1982387"/>
+            <a:ext cx="393414" cy="660229"/>
+          </a:xfrm>
+          <a:prstGeom prst="straightConnector1">
+            <a:avLst/>
+          </a:prstGeom>
+          <a:ln w="38100">
+            <a:tailEnd type="triangle"/>
+          </a:ln>
+        </p:spPr>
+        <p:style>
+          <a:lnRef idx="1">
+            <a:schemeClr val="accent1"/>
+          </a:lnRef>
+          <a:fillRef idx="0">
+            <a:schemeClr val="accent1"/>
+          </a:fillRef>
+          <a:effectRef idx="0">
+            <a:schemeClr val="accent1"/>
+          </a:effectRef>
+          <a:fontRef idx="minor">
+            <a:schemeClr val="tx1"/>
+          </a:fontRef>
+        </p:style>
+      </p:cxnSp>
+      <p:sp>
+        <p:nvSpPr>
+          <p:cNvPr id="12" name="Rectangle 11"/>
+          <p:cNvSpPr/>
+          <p:nvPr/>
+        </p:nvSpPr>
+        <p:spPr>
+          <a:xfrm>
+            <a:off x="6978396" y="1591056"/>
+            <a:ext cx="2482596" cy="413807"/>
+          </a:xfrm>
+          <a:prstGeom prst="rect">
+            <a:avLst/>
+          </a:prstGeom>
+        </p:spPr>
+        <p:style>
+          <a:lnRef idx="2">
+            <a:schemeClr val="accent5">
+              <a:shade val="50000"/>
+            </a:schemeClr>
+          </a:lnRef>
+          <a:fillRef idx="1">
+            <a:schemeClr val="accent5"/>
+          </a:fillRef>
+          <a:effectRef idx="0">
+            <a:schemeClr val="accent5"/>
+          </a:effectRef>
+          <a:fontRef idx="minor">
+            <a:schemeClr val="lt1"/>
+          </a:fontRef>
+        </p:style>
+        <p:txBody>
+          <a:bodyPr rtlCol="0" anchor="ctr"/>
+          <a:lstStyle/>
+          <a:p>
+            <a:pPr algn="ctr"/>
+            <a:r>
+              <a:rPr lang="fr-CA" dirty="0" err="1" smtClean="0">
+                <a:ln>
+                  <a:solidFill>
+                    <a:schemeClr val="bg1"/>
+                  </a:solidFill>
+                </a:ln>
+                <a:solidFill>
+                  <a:schemeClr val="bg1"/>
+                </a:solidFill>
+              </a:rPr>
+              <a:t>DrumComponent.cs</a:t>
+            </a:r>
+            <a:endParaRPr lang="fr-CA" dirty="0">
+              <a:ln>
+                <a:solidFill>
+                  <a:schemeClr val="bg1"/>
+                </a:solidFill>
+              </a:ln>
+              <a:solidFill>
+                <a:schemeClr val="bg1"/>
+              </a:solidFill>
+            </a:endParaRPr>
+          </a:p>
+        </p:txBody>
+      </p:sp>
+      <p:cxnSp>
+        <p:nvCxnSpPr>
+          <p:cNvPr id="14" name="Straight Arrow Connector 13"/>
+          <p:cNvCxnSpPr/>
+          <p:nvPr/>
+        </p:nvCxnSpPr>
+        <p:spPr>
+          <a:xfrm>
+            <a:off x="8327358" y="2004863"/>
+            <a:ext cx="135525" cy="3265176"/>
+          </a:xfrm>
+          <a:prstGeom prst="straightConnector1">
+            <a:avLst/>
+          </a:prstGeom>
+          <a:ln w="38100">
+            <a:tailEnd type="triangle"/>
+          </a:ln>
+        </p:spPr>
+        <p:style>
+          <a:lnRef idx="1">
+            <a:schemeClr val="accent6"/>
+          </a:lnRef>
+          <a:fillRef idx="0">
+            <a:schemeClr val="accent6"/>
+          </a:fillRef>
+          <a:effectRef idx="0">
+            <a:schemeClr val="accent6"/>
+          </a:effectRef>
+          <a:fontRef idx="minor">
+            <a:schemeClr val="tx1"/>
+          </a:fontRef>
+        </p:style>
+      </p:cxnSp>
+      <p:cxnSp>
+        <p:nvCxnSpPr>
+          <p:cNvPr id="16" name="Straight Arrow Connector 15"/>
+          <p:cNvCxnSpPr/>
+          <p:nvPr/>
+        </p:nvCxnSpPr>
+        <p:spPr>
+          <a:xfrm>
+            <a:off x="8462883" y="2004863"/>
+            <a:ext cx="1231281" cy="1826473"/>
+          </a:xfrm>
+          <a:prstGeom prst="straightConnector1">
+            <a:avLst/>
+          </a:prstGeom>
+          <a:ln w="38100">
+            <a:tailEnd type="triangle"/>
+          </a:ln>
+        </p:spPr>
+        <p:style>
+          <a:lnRef idx="1">
+            <a:schemeClr val="accent6"/>
+          </a:lnRef>
+          <a:fillRef idx="0">
+            <a:schemeClr val="accent6"/>
+          </a:fillRef>
+          <a:effectRef idx="0">
+            <a:schemeClr val="accent6"/>
+          </a:effectRef>
+          <a:fontRef idx="minor">
+            <a:schemeClr val="tx1"/>
+          </a:fontRef>
+        </p:style>
+      </p:cxnSp>
+      <p:cxnSp>
+        <p:nvCxnSpPr>
+          <p:cNvPr id="19" name="Straight Arrow Connector 18"/>
+          <p:cNvCxnSpPr/>
+          <p:nvPr/>
+        </p:nvCxnSpPr>
+        <p:spPr>
+          <a:xfrm flipH="1">
+            <a:off x="4828034" y="2004863"/>
+            <a:ext cx="3230172" cy="3287652"/>
+          </a:xfrm>
+          <a:prstGeom prst="straightConnector1">
+            <a:avLst/>
+          </a:prstGeom>
+          <a:ln w="38100">
+            <a:tailEnd type="triangle"/>
+          </a:ln>
+        </p:spPr>
+        <p:style>
+          <a:lnRef idx="1">
+            <a:schemeClr val="accent6"/>
+          </a:lnRef>
+          <a:fillRef idx="0">
+            <a:schemeClr val="accent6"/>
+          </a:fillRef>
+          <a:effectRef idx="0">
+            <a:schemeClr val="accent6"/>
+          </a:effectRef>
+          <a:fontRef idx="minor">
+            <a:schemeClr val="tx1"/>
+          </a:fontRef>
+        </p:style>
+      </p:cxnSp>
+      <p:cxnSp>
+        <p:nvCxnSpPr>
+          <p:cNvPr id="22" name="Straight Arrow Connector 21"/>
+          <p:cNvCxnSpPr>
+            <a:stCxn id="12" idx="2"/>
+          </p:cNvCxnSpPr>
+          <p:nvPr/>
+        </p:nvCxnSpPr>
+        <p:spPr>
+          <a:xfrm flipH="1">
+            <a:off x="6934036" y="2004863"/>
+            <a:ext cx="1285658" cy="3265176"/>
+          </a:xfrm>
+          <a:prstGeom prst="straightConnector1">
+            <a:avLst/>
+          </a:prstGeom>
+          <a:ln w="38100">
+            <a:tailEnd type="triangle"/>
+          </a:ln>
+        </p:spPr>
+        <p:style>
+          <a:lnRef idx="1">
+            <a:schemeClr val="accent6"/>
+          </a:lnRef>
+          <a:fillRef idx="0">
+            <a:schemeClr val="accent6"/>
+          </a:fillRef>
+          <a:effectRef idx="0">
+            <a:schemeClr val="accent6"/>
+          </a:effectRef>
+          <a:fontRef idx="minor">
+            <a:schemeClr val="tx1"/>
+          </a:fontRef>
+        </p:style>
+      </p:cxnSp>
+      <p:cxnSp>
+        <p:nvCxnSpPr>
+          <p:cNvPr id="10" name="Straight Arrow Connector 9"/>
+          <p:cNvCxnSpPr/>
+          <p:nvPr/>
+        </p:nvCxnSpPr>
+        <p:spPr>
+          <a:xfrm>
+            <a:off x="4910106" y="1982387"/>
+            <a:ext cx="3101970" cy="713861"/>
+          </a:xfrm>
+          <a:prstGeom prst="straightConnector1">
+            <a:avLst/>
+          </a:prstGeom>
+          <a:ln w="38100">
+            <a:tailEnd type="triangle"/>
+          </a:ln>
+        </p:spPr>
+        <p:style>
+          <a:lnRef idx="1">
+            <a:schemeClr val="accent1"/>
+          </a:lnRef>
+          <a:fillRef idx="0">
+            <a:schemeClr val="accent1"/>
+          </a:fillRef>
+          <a:effectRef idx="0">
+            <a:schemeClr val="accent1"/>
+          </a:effectRef>
+          <a:fontRef idx="minor">
+            <a:schemeClr val="tx1"/>
+          </a:fontRef>
+        </p:style>
+      </p:cxnSp>
+      <p:sp>
+        <p:nvSpPr>
+          <p:cNvPr id="37" name="TextBox 36"/>
+          <p:cNvSpPr txBox="1"/>
+          <p:nvPr/>
+        </p:nvSpPr>
+        <p:spPr>
+          <a:xfrm>
+            <a:off x="126492" y="1776263"/>
+            <a:ext cx="2973102" cy="3693319"/>
+          </a:xfrm>
+          <a:prstGeom prst="rect">
+            <a:avLst/>
+          </a:prstGeom>
+          <a:noFill/>
+        </p:spPr>
+        <p:txBody>
+          <a:bodyPr wrap="square" rtlCol="0">
+            <a:spAutoFit/>
+          </a:bodyPr>
+          <a:lstStyle/>
+          <a:p>
+            <a:pPr marL="285750" indent="-285750">
+              <a:buFont typeface="Arial" panose="020B0604020202020204" pitchFamily="34" charset="0"/>
+              <a:buChar char="•"/>
+            </a:pPr>
+            <a:r>
+              <a:rPr lang="fr-CA" dirty="0" smtClean="0"/>
+              <a:t>Tags utilisés</a:t>
+            </a:r>
+          </a:p>
+          <a:p>
+            <a:pPr marL="742950" lvl="1" indent="-285750">
+              <a:buFont typeface="Arial" panose="020B0604020202020204" pitchFamily="34" charset="0"/>
+              <a:buChar char="•"/>
+            </a:pPr>
+            <a:r>
+              <a:rPr lang="fr-CA" dirty="0" smtClean="0"/>
+              <a:t>Tip</a:t>
+            </a:r>
+          </a:p>
+          <a:p>
+            <a:pPr marL="742950" lvl="1" indent="-285750">
+              <a:buFont typeface="Arial" panose="020B0604020202020204" pitchFamily="34" charset="0"/>
+              <a:buChar char="•"/>
+            </a:pPr>
+            <a:r>
+              <a:rPr lang="fr-CA" dirty="0" err="1" smtClean="0"/>
+              <a:t>DrumComponent</a:t>
+            </a:r>
+            <a:endParaRPr lang="fr-CA" dirty="0" smtClean="0"/>
+          </a:p>
+          <a:p>
+            <a:pPr marL="285750" indent="-285750">
+              <a:buFont typeface="Arial" panose="020B0604020202020204" pitchFamily="34" charset="0"/>
+              <a:buChar char="•"/>
+            </a:pPr>
+            <a:endParaRPr lang="fr-CA" dirty="0"/>
+          </a:p>
+          <a:p>
+            <a:pPr marL="285750" indent="-285750">
+              <a:buFont typeface="Arial" panose="020B0604020202020204" pitchFamily="34" charset="0"/>
+              <a:buChar char="•"/>
+            </a:pPr>
+            <a:r>
+              <a:rPr lang="fr-CA" dirty="0" smtClean="0"/>
+              <a:t>Prise en compte des genoux</a:t>
+            </a:r>
+          </a:p>
+          <a:p>
+            <a:endParaRPr lang="fr-CA" dirty="0"/>
+          </a:p>
+          <a:p>
+            <a:pPr marL="285750" indent="-285750">
+              <a:buFont typeface="Arial" panose="020B0604020202020204" pitchFamily="34" charset="0"/>
+              <a:buChar char="•"/>
+            </a:pPr>
+            <a:r>
+              <a:rPr lang="fr-CA" dirty="0" err="1" smtClean="0"/>
+              <a:t>HiHatComponent</a:t>
+            </a:r>
+            <a:endParaRPr lang="fr-CA" dirty="0" smtClean="0"/>
+          </a:p>
+          <a:p>
+            <a:pPr marL="742950" lvl="1" indent="-285750">
+              <a:buFont typeface="Arial" panose="020B0604020202020204" pitchFamily="34" charset="0"/>
+              <a:buChar char="•"/>
+            </a:pPr>
+            <a:r>
+              <a:rPr lang="fr-CA" dirty="0" smtClean="0"/>
+              <a:t>2 états</a:t>
+            </a:r>
+          </a:p>
+          <a:p>
+            <a:pPr marL="742950" lvl="1" indent="-285750">
+              <a:buFont typeface="Arial" panose="020B0604020202020204" pitchFamily="34" charset="0"/>
+              <a:buChar char="•"/>
+            </a:pPr>
+            <a:r>
+              <a:rPr lang="fr-CA" dirty="0" smtClean="0"/>
+              <a:t>2 sources audio</a:t>
+            </a:r>
+          </a:p>
+          <a:p>
+            <a:pPr marL="742950" lvl="1" indent="-285750">
+              <a:buFont typeface="Arial" panose="020B0604020202020204" pitchFamily="34" charset="0"/>
+              <a:buChar char="•"/>
+            </a:pPr>
+            <a:endParaRPr lang="fr-CA" dirty="0"/>
+          </a:p>
+          <a:p>
+            <a:pPr marL="285750" indent="-285750">
+              <a:buFont typeface="Arial" panose="020B0604020202020204" pitchFamily="34" charset="0"/>
+              <a:buChar char="•"/>
+            </a:pPr>
+            <a:r>
+              <a:rPr lang="fr-CA" dirty="0" smtClean="0"/>
+              <a:t>Détection de squelette valide</a:t>
+            </a:r>
+            <a:endParaRPr lang="fr-CA" dirty="0"/>
           </a:p>
         </p:txBody>
       </p:sp>
     </p:spTree>
     <p:extLst>
       <p:ext uri="{BB962C8B-B14F-4D97-AF65-F5344CB8AC3E}">
-        <p14:creationId xmlns:p14="http://schemas.microsoft.com/office/powerpoint/2010/main" val="956164830"/>
+        <p14:creationId xmlns:p14="http://schemas.microsoft.com/office/powerpoint/2010/main" val="1030211263"/>
       </p:ext>
     </p:extLst>
   </p:cSld>
@@ -6388,35 +10458,267 @@
           <a:p>
             <a:r>
               <a:rPr lang="fr-CA" dirty="0" smtClean="0"/>
-              <a:t>Choix des modes de jeux</a:t>
+              <a:t>Guitare</a:t>
             </a:r>
             <a:endParaRPr lang="fr-CA" dirty="0"/>
           </a:p>
         </p:txBody>
       </p:sp>
-      <p:sp>
-        <p:nvSpPr>
-          <p:cNvPr id="3" name="Content Placeholder 2"/>
-          <p:cNvSpPr>
-            <a:spLocks noGrp="1"/>
-          </p:cNvSpPr>
+      <p:pic>
+        <p:nvPicPr>
+          <p:cNvPr id="6" name="Content Placeholder 5"/>
+          <p:cNvPicPr>
+            <a:picLocks noGrp="1" noChangeAspect="1"/>
+          </p:cNvPicPr>
           <p:nvPr>
             <p:ph idx="1"/>
           </p:nvPr>
-        </p:nvSpPr>
-        <p:spPr/>
-        <p:txBody>
-          <a:bodyPr/>
+        </p:nvPicPr>
+        <p:blipFill>
+          <a:blip r:embed="rId2">
+            <a:extLst>
+              <a:ext uri="{28A0092B-C50C-407E-A947-70E740481C1C}">
+                <a14:useLocalDpi xmlns:a14="http://schemas.microsoft.com/office/drawing/2010/main" val="0"/>
+              </a:ext>
+            </a:extLst>
+          </a:blip>
+          <a:stretch>
+            <a:fillRect/>
+          </a:stretch>
+        </p:blipFill>
+        <p:spPr>
+          <a:xfrm>
+            <a:off x="4654045" y="2057401"/>
+            <a:ext cx="5093710" cy="4024313"/>
+          </a:xfrm>
+        </p:spPr>
+      </p:pic>
+      <p:sp>
+        <p:nvSpPr>
+          <p:cNvPr id="8" name="TextBox 7"/>
+          <p:cNvSpPr txBox="1"/>
+          <p:nvPr/>
+        </p:nvSpPr>
+        <p:spPr>
+          <a:xfrm>
+            <a:off x="126492" y="2057401"/>
+            <a:ext cx="4079748" cy="4247317"/>
+          </a:xfrm>
+          <a:prstGeom prst="rect">
+            <a:avLst/>
+          </a:prstGeom>
+          <a:noFill/>
+        </p:spPr>
+        <p:txBody>
+          <a:bodyPr wrap="square" rtlCol="0">
+            <a:spAutoFit/>
+          </a:bodyPr>
           <a:lstStyle/>
           <a:p>
-            <a:endParaRPr lang="fr-CA"/>
-          </a:p>
-        </p:txBody>
-      </p:sp>
+            <a:pPr marL="285750" indent="-285750">
+              <a:buFont typeface="Arial" panose="020B0604020202020204" pitchFamily="34" charset="0"/>
+              <a:buChar char="•"/>
+            </a:pPr>
+            <a:r>
+              <a:rPr lang="fr-CA" dirty="0" smtClean="0"/>
+              <a:t>Tags utilisés</a:t>
+            </a:r>
+          </a:p>
+          <a:p>
+            <a:pPr marL="742950" lvl="1" indent="-285750">
+              <a:buFont typeface="Arial" panose="020B0604020202020204" pitchFamily="34" charset="0"/>
+              <a:buChar char="•"/>
+            </a:pPr>
+            <a:r>
+              <a:rPr lang="fr-CA" dirty="0" err="1" smtClean="0"/>
+              <a:t>PlayHand</a:t>
+            </a:r>
+            <a:endParaRPr lang="fr-CA" dirty="0" smtClean="0"/>
+          </a:p>
+          <a:p>
+            <a:pPr marL="742950" lvl="1" indent="-285750">
+              <a:buFont typeface="Arial" panose="020B0604020202020204" pitchFamily="34" charset="0"/>
+              <a:buChar char="•"/>
+            </a:pPr>
+            <a:r>
+              <a:rPr lang="fr-CA" dirty="0" err="1" smtClean="0"/>
+              <a:t>GuitarComponent</a:t>
+            </a:r>
+            <a:endParaRPr lang="fr-CA" dirty="0" smtClean="0"/>
+          </a:p>
+          <a:p>
+            <a:pPr marL="285750" indent="-285750">
+              <a:buFont typeface="Arial" panose="020B0604020202020204" pitchFamily="34" charset="0"/>
+              <a:buChar char="•"/>
+            </a:pPr>
+            <a:endParaRPr lang="fr-CA" dirty="0"/>
+          </a:p>
+          <a:p>
+            <a:pPr marL="285750" indent="-285750">
+              <a:buFont typeface="Arial" panose="020B0604020202020204" pitchFamily="34" charset="0"/>
+              <a:buChar char="•"/>
+            </a:pPr>
+            <a:r>
+              <a:rPr lang="fr-CA" dirty="0" smtClean="0"/>
+              <a:t>Prise en compte de la position de la </a:t>
+            </a:r>
+            <a:r>
+              <a:rPr lang="fr-CA" dirty="0" smtClean="0"/>
+              <a:t>main gauche</a:t>
+            </a:r>
+            <a:endParaRPr lang="fr-CA" dirty="0" smtClean="0"/>
+          </a:p>
+          <a:p>
+            <a:pPr marL="285750" indent="-285750">
+              <a:buFont typeface="Arial" panose="020B0604020202020204" pitchFamily="34" charset="0"/>
+              <a:buChar char="•"/>
+            </a:pPr>
+            <a:endParaRPr lang="fr-CA" dirty="0" smtClean="0"/>
+          </a:p>
+          <a:p>
+            <a:pPr marL="285750" indent="-285750">
+              <a:buFont typeface="Arial" panose="020B0604020202020204" pitchFamily="34" charset="0"/>
+              <a:buChar char="•"/>
+            </a:pPr>
+            <a:r>
+              <a:rPr lang="fr-CA" dirty="0" smtClean="0"/>
+              <a:t>Prise en compte de la vitesse de la main </a:t>
+            </a:r>
+            <a:r>
+              <a:rPr lang="fr-CA" dirty="0" smtClean="0"/>
+              <a:t>droite (</a:t>
+            </a:r>
+            <a:r>
+              <a:rPr lang="fr-CA" i="1" dirty="0" smtClean="0"/>
+              <a:t>TODO</a:t>
+            </a:r>
+            <a:r>
+              <a:rPr lang="fr-CA" dirty="0" smtClean="0"/>
+              <a:t>)</a:t>
+            </a:r>
+          </a:p>
+          <a:p>
+            <a:endParaRPr lang="fr-CA" dirty="0" smtClean="0"/>
+          </a:p>
+          <a:p>
+            <a:pPr marL="285750" indent="-285750">
+              <a:buFont typeface="Arial" panose="020B0604020202020204" pitchFamily="34" charset="0"/>
+              <a:buChar char="•"/>
+            </a:pPr>
+            <a:r>
+              <a:rPr lang="fr-CA" dirty="0" smtClean="0"/>
+              <a:t>Spécification du type de gamme et de la tonalité</a:t>
+            </a:r>
+          </a:p>
+          <a:p>
+            <a:pPr marL="285750" indent="-285750">
+              <a:buFont typeface="Arial" panose="020B0604020202020204" pitchFamily="34" charset="0"/>
+              <a:buChar char="•"/>
+            </a:pPr>
+            <a:endParaRPr lang="fr-CA" dirty="0"/>
+          </a:p>
+          <a:p>
+            <a:pPr marL="285750" indent="-285750">
+              <a:buFont typeface="Arial" panose="020B0604020202020204" pitchFamily="34" charset="0"/>
+              <a:buChar char="•"/>
+            </a:pPr>
+            <a:r>
+              <a:rPr lang="fr-CA" dirty="0" smtClean="0"/>
+              <a:t>Guitare positionnée selon le joueur</a:t>
+            </a:r>
+            <a:endParaRPr lang="fr-CA" dirty="0"/>
+          </a:p>
+        </p:txBody>
+      </p:sp>
+      <p:sp>
+        <p:nvSpPr>
+          <p:cNvPr id="9" name="Rectangle 8"/>
+          <p:cNvSpPr/>
+          <p:nvPr/>
+        </p:nvSpPr>
+        <p:spPr>
+          <a:xfrm>
+            <a:off x="5916168" y="1517905"/>
+            <a:ext cx="2322576" cy="539496"/>
+          </a:xfrm>
+          <a:prstGeom prst="rect">
+            <a:avLst/>
+          </a:prstGeom>
+        </p:spPr>
+        <p:style>
+          <a:lnRef idx="2">
+            <a:schemeClr val="accent4">
+              <a:shade val="50000"/>
+            </a:schemeClr>
+          </a:lnRef>
+          <a:fillRef idx="1">
+            <a:schemeClr val="accent4"/>
+          </a:fillRef>
+          <a:effectRef idx="0">
+            <a:schemeClr val="accent4"/>
+          </a:effectRef>
+          <a:fontRef idx="minor">
+            <a:schemeClr val="lt1"/>
+          </a:fontRef>
+        </p:style>
+        <p:txBody>
+          <a:bodyPr rtlCol="0" anchor="ctr"/>
+          <a:lstStyle/>
+          <a:p>
+            <a:pPr algn="ctr"/>
+            <a:r>
+              <a:rPr lang="fr-CA" b="1" dirty="0" err="1" smtClean="0">
+                <a:solidFill>
+                  <a:schemeClr val="bg1"/>
+                </a:solidFill>
+              </a:rPr>
+              <a:t>GuitarComponent</a:t>
+            </a:r>
+            <a:endParaRPr lang="fr-CA" b="1" dirty="0">
+              <a:solidFill>
+                <a:schemeClr val="bg1"/>
+              </a:solidFill>
+            </a:endParaRPr>
+          </a:p>
+        </p:txBody>
+      </p:sp>
+      <p:cxnSp>
+        <p:nvCxnSpPr>
+          <p:cNvPr id="11" name="Straight Arrow Connector 10"/>
+          <p:cNvCxnSpPr/>
+          <p:nvPr/>
+        </p:nvCxnSpPr>
+        <p:spPr>
+          <a:xfrm>
+            <a:off x="7690104" y="1956816"/>
+            <a:ext cx="1636776" cy="1014984"/>
+          </a:xfrm>
+          <a:prstGeom prst="straightConnector1">
+            <a:avLst/>
+          </a:prstGeom>
+          <a:ln w="38100">
+            <a:tailEnd type="triangle"/>
+          </a:ln>
+        </p:spPr>
+        <p:style>
+          <a:lnRef idx="1">
+            <a:schemeClr val="accent4"/>
+          </a:lnRef>
+          <a:fillRef idx="0">
+            <a:schemeClr val="accent4"/>
+          </a:fillRef>
+          <a:effectRef idx="0">
+            <a:schemeClr val="accent4"/>
+          </a:effectRef>
+          <a:fontRef idx="minor">
+            <a:schemeClr val="tx1"/>
+          </a:fontRef>
+        </p:style>
+      </p:cxnSp>
     </p:spTree>
     <p:extLst>
       <p:ext uri="{BB962C8B-B14F-4D97-AF65-F5344CB8AC3E}">
-        <p14:creationId xmlns:p14="http://schemas.microsoft.com/office/powerpoint/2010/main" val="1073507336"/>
+        <p14:creationId xmlns:p14="http://schemas.microsoft.com/office/powerpoint/2010/main" val="3895067396"/>
       </p:ext>
     </p:extLst>
   </p:cSld>
@@ -6460,35 +10762,40 @@
           <a:p>
             <a:r>
               <a:rPr lang="fr-CA" dirty="0" smtClean="0"/>
-              <a:t>Risques</a:t>
+              <a:t>Piano</a:t>
             </a:r>
             <a:endParaRPr lang="fr-CA" dirty="0"/>
           </a:p>
         </p:txBody>
       </p:sp>
-      <p:sp>
-        <p:nvSpPr>
-          <p:cNvPr id="3" name="Content Placeholder 2"/>
-          <p:cNvSpPr>
-            <a:spLocks noGrp="1"/>
-          </p:cNvSpPr>
-          <p:nvPr>
-            <p:ph idx="1"/>
-          </p:nvPr>
-        </p:nvSpPr>
-        <p:spPr/>
-        <p:txBody>
-          <a:bodyPr/>
-          <a:lstStyle/>
-          <a:p>
-            <a:endParaRPr lang="fr-CA"/>
-          </a:p>
-        </p:txBody>
-      </p:sp>
+      <p:pic>
+        <p:nvPicPr>
+          <p:cNvPr id="4" name="Image 3"/>
+          <p:cNvPicPr>
+            <a:picLocks noChangeAspect="1"/>
+          </p:cNvPicPr>
+          <p:nvPr/>
+        </p:nvPicPr>
+        <p:blipFill>
+          <a:blip r:embed="rId2"/>
+          <a:stretch>
+            <a:fillRect/>
+          </a:stretch>
+        </p:blipFill>
+        <p:spPr>
+          <a:xfrm>
+            <a:off x="837766" y="1189608"/>
+            <a:ext cx="8503437" cy="5242325"/>
+          </a:xfrm>
+          <a:prstGeom prst="rect">
+            <a:avLst/>
+          </a:prstGeom>
+        </p:spPr>
+      </p:pic>
     </p:spTree>
     <p:extLst>
       <p:ext uri="{BB962C8B-B14F-4D97-AF65-F5344CB8AC3E}">
-        <p14:creationId xmlns:p14="http://schemas.microsoft.com/office/powerpoint/2010/main" val="3887991626"/>
+        <p14:creationId xmlns:p14="http://schemas.microsoft.com/office/powerpoint/2010/main" val="299323498"/>
       </p:ext>
     </p:extLst>
   </p:cSld>
@@ -6517,7 +10824,7 @@
       </p:grpSpPr>
       <p:sp>
         <p:nvSpPr>
-          <p:cNvPr id="2" name="Title 1"/>
+          <p:cNvPr id="2" name="Titre 1"/>
           <p:cNvSpPr>
             <a:spLocks noGrp="1"/>
           </p:cNvSpPr>
@@ -6525,14 +10832,20 @@
             <p:ph type="title"/>
           </p:nvPr>
         </p:nvSpPr>
-        <p:spPr/>
+        <p:spPr>
+          <a:xfrm>
+            <a:off x="6566262" y="764373"/>
+            <a:ext cx="4939937" cy="1293028"/>
+          </a:xfrm>
+        </p:spPr>
         <p:txBody>
           <a:bodyPr/>
           <a:lstStyle/>
           <a:p>
-            <a:r>
-              <a:rPr lang="fr-CA" dirty="0" smtClean="0"/>
-              <a:t>Échéancier</a:t>
+            <a:pPr algn="l"/>
+            <a:r>
+              <a:rPr lang="en-CA" dirty="0" smtClean="0"/>
+              <a:t>Piano</a:t>
             </a:r>
             <a:endParaRPr lang="fr-CA" dirty="0"/>
           </a:p>
@@ -6540,7 +10853,7 @@
       </p:sp>
       <p:sp>
         <p:nvSpPr>
-          <p:cNvPr id="3" name="Content Placeholder 2"/>
+          <p:cNvPr id="3" name="Espace réservé du contenu 2"/>
           <p:cNvSpPr>
             <a:spLocks noGrp="1"/>
           </p:cNvSpPr>
@@ -6548,25 +10861,378 @@
             <p:ph idx="1"/>
           </p:nvPr>
         </p:nvSpPr>
-        <p:spPr/>
+        <p:spPr>
+          <a:xfrm>
+            <a:off x="653143" y="2185851"/>
+            <a:ext cx="5447210" cy="4024125"/>
+          </a:xfrm>
+        </p:spPr>
         <p:txBody>
           <a:bodyPr/>
           <a:lstStyle/>
           <a:p>
-            <a:endParaRPr lang="fr-CA"/>
+            <a:pPr marL="0" indent="0">
+              <a:buNone/>
+            </a:pPr>
+            <a:r>
+              <a:rPr lang="en-CA" b="1" dirty="0" err="1" smtClean="0"/>
+              <a:t>Modélisation</a:t>
+            </a:r>
+            <a:r>
+              <a:rPr lang="en-CA" b="1" dirty="0" smtClean="0"/>
+              <a:t> des mains</a:t>
+            </a:r>
+          </a:p>
+          <a:p>
+            <a:r>
+              <a:rPr lang="en-CA" dirty="0" err="1" smtClean="0"/>
+              <a:t>Capteur</a:t>
+            </a:r>
+            <a:r>
+              <a:rPr lang="en-CA" dirty="0" smtClean="0"/>
+              <a:t>: 	</a:t>
+            </a:r>
+            <a:r>
+              <a:rPr lang="en-CA" dirty="0" err="1" smtClean="0"/>
+              <a:t>Caméra</a:t>
+            </a:r>
+            <a:r>
+              <a:rPr lang="en-CA" dirty="0" smtClean="0"/>
+              <a:t> Creative Senz3D</a:t>
+            </a:r>
+          </a:p>
+          <a:p>
+            <a:r>
+              <a:rPr lang="en-CA" dirty="0" smtClean="0"/>
+              <a:t>SDK: 		Intel Perceptual SDK</a:t>
+            </a:r>
+          </a:p>
+          <a:p>
+            <a:r>
+              <a:rPr lang="en-CA" dirty="0" err="1" smtClean="0"/>
+              <a:t>Fournit</a:t>
+            </a:r>
+            <a:r>
+              <a:rPr lang="en-CA" dirty="0" smtClean="0"/>
+              <a:t> la position de                                        </a:t>
+            </a:r>
+            <a:r>
+              <a:rPr lang="en-CA" dirty="0" smtClean="0">
+                <a:effectLst>
+                  <a:outerShdw blurRad="38100" dist="38100" dir="2700000" algn="tl">
+                    <a:srgbClr val="000000">
+                      <a:alpha val="43137"/>
+                    </a:srgbClr>
+                  </a:outerShdw>
+                </a:effectLst>
+              </a:rPr>
+              <a:t>17</a:t>
+            </a:r>
+            <a:r>
+              <a:rPr lang="en-CA" dirty="0" smtClean="0"/>
+              <a:t> articulations / main.</a:t>
+            </a:r>
+          </a:p>
+          <a:p>
+            <a:r>
+              <a:rPr lang="en-CA" dirty="0" smtClean="0"/>
+              <a:t>Champ de vision </a:t>
+            </a:r>
+            <a:r>
+              <a:rPr lang="en-CA" dirty="0" err="1" smtClean="0"/>
+              <a:t>limité</a:t>
+            </a:r>
+            <a:r>
+              <a:rPr lang="en-CA" dirty="0" smtClean="0"/>
+              <a:t>.</a:t>
+            </a:r>
+            <a:endParaRPr lang="en-CA" dirty="0"/>
+          </a:p>
+        </p:txBody>
+      </p:sp>
+      <p:pic>
+        <p:nvPicPr>
+          <p:cNvPr id="1026" name="Picture 2" descr="http://ecx.images-amazon.com/images/I/71YVgQYfRFL._SL1500_.jpg"/>
+          <p:cNvPicPr>
+            <a:picLocks noChangeAspect="1" noChangeArrowheads="1"/>
+          </p:cNvPicPr>
+          <p:nvPr/>
+        </p:nvPicPr>
+        <p:blipFill>
+          <a:blip r:embed="rId2" cstate="print">
+            <a:extLst>
+              <a:ext uri="{BEBA8EAE-BF5A-486C-A8C5-ECC9F3942E4B}">
+                <a14:imgProps xmlns:a14="http://schemas.microsoft.com/office/drawing/2010/main">
+                  <a14:imgLayer r:embed="rId3">
+                    <a14:imgEffect>
+                      <a14:backgroundRemoval t="9846" b="89917" l="3267" r="96533"/>
+                    </a14:imgEffect>
+                  </a14:imgLayer>
+                </a14:imgProps>
+              </a:ext>
+              <a:ext uri="{28A0092B-C50C-407E-A947-70E740481C1C}">
+                <a14:useLocalDpi xmlns:a14="http://schemas.microsoft.com/office/drawing/2010/main" val="0"/>
+              </a:ext>
+            </a:extLst>
+          </a:blip>
+          <a:srcRect/>
+          <a:stretch>
+            <a:fillRect/>
+          </a:stretch>
+        </p:blipFill>
+        <p:spPr bwMode="auto">
+          <a:xfrm>
+            <a:off x="5843451" y="4007782"/>
+            <a:ext cx="3097732" cy="1740925"/>
+          </a:xfrm>
+          <a:prstGeom prst="rect">
+            <a:avLst/>
+          </a:prstGeom>
+          <a:noFill/>
+          <a:extLst>
+            <a:ext uri="{909E8E84-426E-40DD-AFC4-6F175D3DCCD1}">
+              <a14:hiddenFill xmlns:a14="http://schemas.microsoft.com/office/drawing/2010/main">
+                <a:solidFill>
+                  <a:srgbClr val="FFFFFF"/>
+                </a:solidFill>
+              </a14:hiddenFill>
+            </a:ext>
+          </a:extLst>
+        </p:spPr>
+      </p:pic>
+      <p:cxnSp>
+        <p:nvCxnSpPr>
+          <p:cNvPr id="5" name="Connecteur droit 4"/>
+          <p:cNvCxnSpPr/>
+          <p:nvPr/>
+        </p:nvCxnSpPr>
+        <p:spPr>
+          <a:xfrm flipH="1">
+            <a:off x="4682691" y="4689468"/>
+            <a:ext cx="1323703" cy="1602377"/>
+          </a:xfrm>
+          <a:prstGeom prst="line">
+            <a:avLst/>
+          </a:prstGeom>
+        </p:spPr>
+        <p:style>
+          <a:lnRef idx="1">
+            <a:schemeClr val="accent1"/>
+          </a:lnRef>
+          <a:fillRef idx="0">
+            <a:schemeClr val="accent1"/>
+          </a:fillRef>
+          <a:effectRef idx="0">
+            <a:schemeClr val="accent1"/>
+          </a:effectRef>
+          <a:fontRef idx="minor">
+            <a:schemeClr val="tx1"/>
+          </a:fontRef>
+        </p:style>
+      </p:cxnSp>
+      <p:cxnSp>
+        <p:nvCxnSpPr>
+          <p:cNvPr id="7" name="Connecteur droit 6"/>
+          <p:cNvCxnSpPr/>
+          <p:nvPr/>
+        </p:nvCxnSpPr>
+        <p:spPr>
+          <a:xfrm>
+            <a:off x="8684281" y="4599582"/>
+            <a:ext cx="1417662" cy="1588525"/>
+          </a:xfrm>
+          <a:prstGeom prst="line">
+            <a:avLst/>
+          </a:prstGeom>
+        </p:spPr>
+        <p:style>
+          <a:lnRef idx="1">
+            <a:schemeClr val="accent1"/>
+          </a:lnRef>
+          <a:fillRef idx="0">
+            <a:schemeClr val="accent1"/>
+          </a:fillRef>
+          <a:effectRef idx="0">
+            <a:schemeClr val="accent1"/>
+          </a:effectRef>
+          <a:fontRef idx="minor">
+            <a:schemeClr val="tx1"/>
+          </a:fontRef>
+        </p:style>
+      </p:cxnSp>
+      <p:sp>
+        <p:nvSpPr>
+          <p:cNvPr id="10" name="ZoneTexte 9"/>
+          <p:cNvSpPr txBox="1"/>
+          <p:nvPr/>
+        </p:nvSpPr>
+        <p:spPr>
+          <a:xfrm>
+            <a:off x="6751757" y="6107179"/>
+            <a:ext cx="1281120" cy="369332"/>
+          </a:xfrm>
+          <a:prstGeom prst="rect">
+            <a:avLst/>
+          </a:prstGeom>
+          <a:noFill/>
+        </p:spPr>
+        <p:txBody>
+          <a:bodyPr wrap="none" rtlCol="0">
+            <a:spAutoFit/>
+          </a:bodyPr>
+          <a:lstStyle/>
+          <a:p>
+            <a:r>
+              <a:rPr lang="en-CA" dirty="0" smtClean="0">
+                <a:solidFill>
+                  <a:schemeClr val="accent1"/>
+                </a:solidFill>
+              </a:rPr>
+              <a:t>3 octaves</a:t>
+            </a:r>
+            <a:endParaRPr lang="fr-CA" dirty="0">
+              <a:solidFill>
+                <a:schemeClr val="accent1"/>
+              </a:solidFill>
+            </a:endParaRPr>
+          </a:p>
+        </p:txBody>
+      </p:sp>
+      <p:pic>
+        <p:nvPicPr>
+          <p:cNvPr id="1030" name="Picture 6" descr="http://assets.hardwarezone.com/img/2013/10/attached.jpg"/>
+          <p:cNvPicPr>
+            <a:picLocks noChangeAspect="1" noChangeArrowheads="1"/>
+          </p:cNvPicPr>
+          <p:nvPr/>
+        </p:nvPicPr>
+        <p:blipFill>
+          <a:blip r:embed="rId4">
+            <a:extLst>
+              <a:ext uri="{BEBA8EAE-BF5A-486C-A8C5-ECC9F3942E4B}">
+                <a14:imgProps xmlns:a14="http://schemas.microsoft.com/office/drawing/2010/main">
+                  <a14:imgLayer r:embed="rId5">
+                    <a14:imgEffect>
+                      <a14:backgroundRemoval t="0" b="46997" l="10000" r="100000"/>
+                    </a14:imgEffect>
+                  </a14:imgLayer>
+                </a14:imgProps>
+              </a:ext>
+              <a:ext uri="{28A0092B-C50C-407E-A947-70E740481C1C}">
+                <a14:useLocalDpi xmlns:a14="http://schemas.microsoft.com/office/drawing/2010/main" val="0"/>
+              </a:ext>
+            </a:extLst>
+          </a:blip>
+          <a:srcRect/>
+          <a:stretch>
+            <a:fillRect/>
+          </a:stretch>
+        </p:blipFill>
+        <p:spPr bwMode="auto">
+          <a:xfrm rot="5400000">
+            <a:off x="8649842" y="2643917"/>
+            <a:ext cx="3243409" cy="2070377"/>
+          </a:xfrm>
+          <a:prstGeom prst="rect">
+            <a:avLst/>
+          </a:prstGeom>
+          <a:noFill/>
+          <a:extLst>
+            <a:ext uri="{909E8E84-426E-40DD-AFC4-6F175D3DCCD1}">
+              <a14:hiddenFill xmlns:a14="http://schemas.microsoft.com/office/drawing/2010/main">
+                <a:solidFill>
+                  <a:srgbClr val="FFFFFF"/>
+                </a:solidFill>
+              </a14:hiddenFill>
+            </a:ext>
+          </a:extLst>
+        </p:spPr>
+      </p:pic>
+      <p:cxnSp>
+        <p:nvCxnSpPr>
+          <p:cNvPr id="14" name="Connecteur droit 13"/>
+          <p:cNvCxnSpPr/>
+          <p:nvPr/>
+        </p:nvCxnSpPr>
+        <p:spPr>
+          <a:xfrm>
+            <a:off x="10781212" y="1192291"/>
+            <a:ext cx="16285" cy="2508248"/>
+          </a:xfrm>
+          <a:prstGeom prst="line">
+            <a:avLst/>
+          </a:prstGeom>
+        </p:spPr>
+        <p:style>
+          <a:lnRef idx="1">
+            <a:schemeClr val="accent1"/>
+          </a:lnRef>
+          <a:fillRef idx="0">
+            <a:schemeClr val="accent1"/>
+          </a:fillRef>
+          <a:effectRef idx="0">
+            <a:schemeClr val="accent1"/>
+          </a:effectRef>
+          <a:fontRef idx="minor">
+            <a:schemeClr val="tx1"/>
+          </a:fontRef>
+        </p:style>
+      </p:cxnSp>
+      <p:sp>
+        <p:nvSpPr>
+          <p:cNvPr id="16" name="ZoneTexte 15"/>
+          <p:cNvSpPr txBox="1"/>
+          <p:nvPr/>
+        </p:nvSpPr>
+        <p:spPr>
+          <a:xfrm>
+            <a:off x="9393112" y="2185851"/>
+            <a:ext cx="870751" cy="369332"/>
+          </a:xfrm>
+          <a:prstGeom prst="rect">
+            <a:avLst/>
+          </a:prstGeom>
+          <a:noFill/>
+        </p:spPr>
+        <p:txBody>
+          <a:bodyPr wrap="none" rtlCol="0">
+            <a:spAutoFit/>
+          </a:bodyPr>
+          <a:lstStyle/>
+          <a:p>
+            <a:r>
+              <a:rPr lang="en-CA" dirty="0" smtClean="0">
+                <a:solidFill>
+                  <a:schemeClr val="accent1"/>
+                </a:solidFill>
+              </a:rPr>
+              <a:t>75 cm</a:t>
+            </a:r>
+            <a:endParaRPr lang="fr-CA" dirty="0">
+              <a:solidFill>
+                <a:schemeClr val="accent1"/>
+              </a:solidFill>
+            </a:endParaRPr>
           </a:p>
         </p:txBody>
       </p:sp>
     </p:spTree>
     <p:extLst>
       <p:ext uri="{BB962C8B-B14F-4D97-AF65-F5344CB8AC3E}">
-        <p14:creationId xmlns:p14="http://schemas.microsoft.com/office/powerpoint/2010/main" val="1502001153"/>
+        <p14:creationId xmlns:p14="http://schemas.microsoft.com/office/powerpoint/2010/main" val="2933764301"/>
       </p:ext>
     </p:extLst>
   </p:cSld>
   <p:clrMapOvr>
     <a:masterClrMapping/>
   </p:clrMapOvr>
+  <p:timing>
+    <p:tnLst>
+      <p:par>
+        <p:cTn id="1" dur="indefinite" restart="never" nodeType="tmRoot"/>
+      </p:par>
+    </p:tnLst>
+  </p:timing>
 </p:sld>
 </file>
 

--- a/Documentations/RemiseMiSession/Présentation.pptx
+++ b/Documentations/RemiseMiSession/Présentation.pptx
@@ -9,15 +9,15 @@
     <p:sldId id="273" r:id="rId3"/>
     <p:sldId id="271" r:id="rId4"/>
     <p:sldId id="272" r:id="rId5"/>
-    <p:sldId id="274" r:id="rId6"/>
-    <p:sldId id="275" r:id="rId7"/>
-    <p:sldId id="276" r:id="rId8"/>
-    <p:sldId id="266" r:id="rId9"/>
-    <p:sldId id="267" r:id="rId10"/>
-    <p:sldId id="268" r:id="rId11"/>
-    <p:sldId id="269" r:id="rId12"/>
-    <p:sldId id="270" r:id="rId13"/>
-    <p:sldId id="279" r:id="rId14"/>
+    <p:sldId id="279" r:id="rId6"/>
+    <p:sldId id="274" r:id="rId7"/>
+    <p:sldId id="275" r:id="rId8"/>
+    <p:sldId id="276" r:id="rId9"/>
+    <p:sldId id="266" r:id="rId10"/>
+    <p:sldId id="267" r:id="rId11"/>
+    <p:sldId id="268" r:id="rId12"/>
+    <p:sldId id="269" r:id="rId13"/>
+    <p:sldId id="270" r:id="rId14"/>
     <p:sldId id="277" r:id="rId15"/>
     <p:sldId id="278" r:id="rId16"/>
   </p:sldIdLst>
@@ -138,29 +138,6 @@
 </p:cmAuthorLst>
 </file>
 
-<file path=ppt/comments/comment1.xml><?xml version="1.0" encoding="utf-8"?>
-<p:cmLst xmlns:a="http://schemas.openxmlformats.org/drawingml/2006/main" xmlns:r="http://schemas.openxmlformats.org/officeDocument/2006/relationships" xmlns:p="http://schemas.openxmlformats.org/presentationml/2006/main">
-  <p:cm authorId="1" dt="2014-02-18T21:29:38.711" idx="1">
-    <p:pos x="10" y="10"/>
-    <p:text/>
-    <p:extLst>
-      <p:ext uri="{C676402C-5697-4E1C-873F-D02D1690AC5C}">
-        <p15:threadingInfo xmlns:p15="http://schemas.microsoft.com/office/powerpoint/2012/main" timeZoneBias="300"/>
-      </p:ext>
-    </p:extLst>
-  </p:cm>
-  <p:cm authorId="1" dt="2014-02-18T21:29:39.492" idx="2">
-    <p:pos x="146" y="146"/>
-    <p:text/>
-    <p:extLst>
-      <p:ext uri="{C676402C-5697-4E1C-873F-D02D1690AC5C}">
-        <p15:threadingInfo xmlns:p15="http://schemas.microsoft.com/office/powerpoint/2012/main" timeZoneBias="300"/>
-      </p:ext>
-    </p:extLst>
-  </p:cm>
-</p:cmLst>
-</file>
-
 <file path=ppt/slideLayouts/slideLayout1.xml><?xml version="1.0" encoding="utf-8"?>
 <p:sldLayout xmlns:a="http://schemas.openxmlformats.org/drawingml/2006/main" xmlns:r="http://schemas.openxmlformats.org/officeDocument/2006/relationships" xmlns:p="http://schemas.openxmlformats.org/presentationml/2006/main" type="title" preserve="1">
   <p:cSld name="Title Slide">
@@ -331,7 +308,7 @@
           <a:p>
             <a:fld id="{2CB6698F-CC9F-4277-8973-E5BAFD0BEC27}" type="datetimeFigureOut">
               <a:rPr lang="fr-CA" smtClean="0"/>
-              <a:t>2014-02-18</a:t>
+              <a:t>2014-02-19</a:t>
             </a:fld>
             <a:endParaRPr lang="fr-CA"/>
           </a:p>
@@ -598,7 +575,7 @@
           <a:p>
             <a:fld id="{2CB6698F-CC9F-4277-8973-E5BAFD0BEC27}" type="datetimeFigureOut">
               <a:rPr lang="fr-CA" smtClean="0"/>
-              <a:t>2014-02-18</a:t>
+              <a:t>2014-02-19</a:t>
             </a:fld>
             <a:endParaRPr lang="fr-CA"/>
           </a:p>
@@ -829,7 +806,7 @@
           <a:p>
             <a:fld id="{2CB6698F-CC9F-4277-8973-E5BAFD0BEC27}" type="datetimeFigureOut">
               <a:rPr lang="fr-CA" smtClean="0"/>
-              <a:t>2014-02-18</a:t>
+              <a:t>2014-02-19</a:t>
             </a:fld>
             <a:endParaRPr lang="fr-CA"/>
           </a:p>
@@ -1139,7 +1116,7 @@
           <a:p>
             <a:fld id="{2CB6698F-CC9F-4277-8973-E5BAFD0BEC27}" type="datetimeFigureOut">
               <a:rPr lang="fr-CA" smtClean="0"/>
-              <a:t>2014-02-18</a:t>
+              <a:t>2014-02-19</a:t>
             </a:fld>
             <a:endParaRPr lang="fr-CA"/>
           </a:p>
@@ -1612,7 +1589,7 @@
           <a:p>
             <a:fld id="{2CB6698F-CC9F-4277-8973-E5BAFD0BEC27}" type="datetimeFigureOut">
               <a:rPr lang="fr-CA" smtClean="0"/>
-              <a:t>2014-02-18</a:t>
+              <a:t>2014-02-19</a:t>
             </a:fld>
             <a:endParaRPr lang="fr-CA"/>
           </a:p>
@@ -2159,7 +2136,7 @@
           <a:p>
             <a:fld id="{2CB6698F-CC9F-4277-8973-E5BAFD0BEC27}" type="datetimeFigureOut">
               <a:rPr lang="fr-CA" smtClean="0"/>
-              <a:t>2014-02-18</a:t>
+              <a:t>2014-02-19</a:t>
             </a:fld>
             <a:endParaRPr lang="fr-CA"/>
           </a:p>
@@ -2933,7 +2910,7 @@
           <a:p>
             <a:fld id="{2CB6698F-CC9F-4277-8973-E5BAFD0BEC27}" type="datetimeFigureOut">
               <a:rPr lang="fr-CA" smtClean="0"/>
-              <a:t>2014-02-18</a:t>
+              <a:t>2014-02-19</a:t>
             </a:fld>
             <a:endParaRPr lang="fr-CA"/>
           </a:p>
@@ -3108,7 +3085,7 @@
           <a:p>
             <a:fld id="{2CB6698F-CC9F-4277-8973-E5BAFD0BEC27}" type="datetimeFigureOut">
               <a:rPr lang="fr-CA" smtClean="0"/>
-              <a:t>2014-02-18</a:t>
+              <a:t>2014-02-19</a:t>
             </a:fld>
             <a:endParaRPr lang="fr-CA"/>
           </a:p>
@@ -3331,7 +3308,7 @@
           <a:p>
             <a:fld id="{2CB6698F-CC9F-4277-8973-E5BAFD0BEC27}" type="datetimeFigureOut">
               <a:rPr lang="fr-CA" smtClean="0"/>
-              <a:t>2014-02-18</a:t>
+              <a:t>2014-02-19</a:t>
             </a:fld>
             <a:endParaRPr lang="fr-CA"/>
           </a:p>
@@ -3511,7 +3488,7 @@
           <a:p>
             <a:fld id="{2CB6698F-CC9F-4277-8973-E5BAFD0BEC27}" type="datetimeFigureOut">
               <a:rPr lang="fr-CA" smtClean="0"/>
-              <a:t>2014-02-18</a:t>
+              <a:t>2014-02-19</a:t>
             </a:fld>
             <a:endParaRPr lang="fr-CA"/>
           </a:p>
@@ -3800,7 +3777,7 @@
           <a:p>
             <a:fld id="{2CB6698F-CC9F-4277-8973-E5BAFD0BEC27}" type="datetimeFigureOut">
               <a:rPr lang="fr-CA" smtClean="0"/>
-              <a:t>2014-02-18</a:t>
+              <a:t>2014-02-19</a:t>
             </a:fld>
             <a:endParaRPr lang="fr-CA"/>
           </a:p>
@@ -4042,7 +4019,7 @@
           <a:p>
             <a:fld id="{2CB6698F-CC9F-4277-8973-E5BAFD0BEC27}" type="datetimeFigureOut">
               <a:rPr lang="fr-CA" smtClean="0"/>
-              <a:t>2014-02-18</a:t>
+              <a:t>2014-02-19</a:t>
             </a:fld>
             <a:endParaRPr lang="fr-CA"/>
           </a:p>
@@ -4421,7 +4398,7 @@
           <a:p>
             <a:fld id="{2CB6698F-CC9F-4277-8973-E5BAFD0BEC27}" type="datetimeFigureOut">
               <a:rPr lang="fr-CA" smtClean="0"/>
-              <a:t>2014-02-18</a:t>
+              <a:t>2014-02-19</a:t>
             </a:fld>
             <a:endParaRPr lang="fr-CA"/>
           </a:p>
@@ -4539,7 +4516,7 @@
           <a:p>
             <a:fld id="{2CB6698F-CC9F-4277-8973-E5BAFD0BEC27}" type="datetimeFigureOut">
               <a:rPr lang="fr-CA" smtClean="0"/>
-              <a:t>2014-02-18</a:t>
+              <a:t>2014-02-19</a:t>
             </a:fld>
             <a:endParaRPr lang="fr-CA"/>
           </a:p>
@@ -4634,7 +4611,7 @@
           <a:p>
             <a:fld id="{2CB6698F-CC9F-4277-8973-E5BAFD0BEC27}" type="datetimeFigureOut">
               <a:rPr lang="fr-CA" smtClean="0"/>
-              <a:t>2014-02-18</a:t>
+              <a:t>2014-02-19</a:t>
             </a:fld>
             <a:endParaRPr lang="fr-CA"/>
           </a:p>
@@ -4883,7 +4860,7 @@
           <a:p>
             <a:fld id="{2CB6698F-CC9F-4277-8973-E5BAFD0BEC27}" type="datetimeFigureOut">
               <a:rPr lang="fr-CA" smtClean="0"/>
-              <a:t>2014-02-18</a:t>
+              <a:t>2014-02-19</a:t>
             </a:fld>
             <a:endParaRPr lang="fr-CA"/>
           </a:p>
@@ -5140,7 +5117,7 @@
           <a:p>
             <a:fld id="{2CB6698F-CC9F-4277-8973-E5BAFD0BEC27}" type="datetimeFigureOut">
               <a:rPr lang="fr-CA" smtClean="0"/>
-              <a:t>2014-02-18</a:t>
+              <a:t>2014-02-19</a:t>
             </a:fld>
             <a:endParaRPr lang="fr-CA"/>
           </a:p>
@@ -5383,7 +5360,7 @@
           <a:p>
             <a:fld id="{2CB6698F-CC9F-4277-8973-E5BAFD0BEC27}" type="datetimeFigureOut">
               <a:rPr lang="fr-CA" smtClean="0"/>
-              <a:t>2014-02-18</a:t>
+              <a:t>2014-02-19</a:t>
             </a:fld>
             <a:endParaRPr lang="fr-CA"/>
           </a:p>
@@ -5827,18 +5804,23 @@
             <p:ph type="subTitle" idx="1"/>
           </p:nvPr>
         </p:nvSpPr>
-        <p:spPr/>
+        <p:spPr>
+          <a:xfrm>
+            <a:off x="1371600" y="3632201"/>
+            <a:ext cx="3840480" cy="685800"/>
+          </a:xfrm>
+        </p:spPr>
         <p:txBody>
           <a:bodyPr/>
           <a:lstStyle/>
           <a:p>
             <a:r>
-              <a:rPr lang="fr-CA" dirty="0" smtClean="0"/>
-              <a:t> Pour </a:t>
+              <a:rPr lang="fr-CA" smtClean="0"/>
+              <a:t> </a:t>
             </a:r>
             <a:r>
               <a:rPr lang="fr-CA" dirty="0" err="1"/>
-              <a:t>t</a:t>
+              <a:t>T</a:t>
             </a:r>
             <a:r>
               <a:rPr lang="fr-CA" dirty="0" err="1" smtClean="0"/>
@@ -5846,7 +5828,11 @@
             </a:r>
             <a:r>
               <a:rPr lang="fr-CA" dirty="0" smtClean="0"/>
-              <a:t> la musique </a:t>
+              <a:t> </a:t>
+            </a:r>
+            <a:r>
+              <a:rPr lang="fr-CA" dirty="0" smtClean="0"/>
+              <a:t>la musique </a:t>
             </a:r>
             <a:endParaRPr lang="fr-CA" dirty="0"/>
           </a:p>
@@ -5892,6 +5878,437 @@
             <p:ph type="title"/>
           </p:nvPr>
         </p:nvSpPr>
+        <p:spPr>
+          <a:xfrm>
+            <a:off x="6566262" y="764373"/>
+            <a:ext cx="4939937" cy="1293028"/>
+          </a:xfrm>
+        </p:spPr>
+        <p:txBody>
+          <a:bodyPr/>
+          <a:lstStyle/>
+          <a:p>
+            <a:pPr algn="l"/>
+            <a:r>
+              <a:rPr lang="en-CA" dirty="0" smtClean="0"/>
+              <a:t>Piano</a:t>
+            </a:r>
+            <a:endParaRPr lang="fr-CA" dirty="0"/>
+          </a:p>
+        </p:txBody>
+      </p:sp>
+      <p:sp>
+        <p:nvSpPr>
+          <p:cNvPr id="3" name="Espace réservé du contenu 2"/>
+          <p:cNvSpPr>
+            <a:spLocks noGrp="1"/>
+          </p:cNvSpPr>
+          <p:nvPr>
+            <p:ph idx="1"/>
+          </p:nvPr>
+        </p:nvSpPr>
+        <p:spPr>
+          <a:xfrm>
+            <a:off x="653143" y="2185851"/>
+            <a:ext cx="5447210" cy="4024125"/>
+          </a:xfrm>
+        </p:spPr>
+        <p:txBody>
+          <a:bodyPr/>
+          <a:lstStyle/>
+          <a:p>
+            <a:pPr marL="0" indent="0">
+              <a:buNone/>
+            </a:pPr>
+            <a:r>
+              <a:rPr lang="en-CA" b="1" dirty="0" err="1" smtClean="0"/>
+              <a:t>Modélisation</a:t>
+            </a:r>
+            <a:r>
+              <a:rPr lang="en-CA" b="1" dirty="0" smtClean="0"/>
+              <a:t> des mains</a:t>
+            </a:r>
+          </a:p>
+          <a:p>
+            <a:r>
+              <a:rPr lang="en-CA" dirty="0" err="1" smtClean="0"/>
+              <a:t>Capteur</a:t>
+            </a:r>
+            <a:r>
+              <a:rPr lang="en-CA" dirty="0" smtClean="0"/>
+              <a:t>: 	</a:t>
+            </a:r>
+            <a:r>
+              <a:rPr lang="en-CA" dirty="0" err="1" smtClean="0"/>
+              <a:t>Caméra</a:t>
+            </a:r>
+            <a:r>
+              <a:rPr lang="en-CA" dirty="0" smtClean="0"/>
+              <a:t> Creative Senz3D</a:t>
+            </a:r>
+          </a:p>
+          <a:p>
+            <a:r>
+              <a:rPr lang="en-CA" dirty="0" smtClean="0"/>
+              <a:t>SDK: 		Intel Perceptual SDK</a:t>
+            </a:r>
+          </a:p>
+          <a:p>
+            <a:r>
+              <a:rPr lang="en-CA" dirty="0" err="1" smtClean="0"/>
+              <a:t>Fournit</a:t>
+            </a:r>
+            <a:r>
+              <a:rPr lang="en-CA" dirty="0" smtClean="0"/>
+              <a:t> la position de                                        </a:t>
+            </a:r>
+            <a:r>
+              <a:rPr lang="en-CA" dirty="0" smtClean="0">
+                <a:effectLst>
+                  <a:outerShdw blurRad="38100" dist="38100" dir="2700000" algn="tl">
+                    <a:srgbClr val="000000">
+                      <a:alpha val="43137"/>
+                    </a:srgbClr>
+                  </a:outerShdw>
+                </a:effectLst>
+              </a:rPr>
+              <a:t>17</a:t>
+            </a:r>
+            <a:r>
+              <a:rPr lang="en-CA" dirty="0" smtClean="0"/>
+              <a:t> articulations / main.</a:t>
+            </a:r>
+          </a:p>
+          <a:p>
+            <a:r>
+              <a:rPr lang="en-CA" dirty="0" smtClean="0"/>
+              <a:t>Champ de vision </a:t>
+            </a:r>
+            <a:r>
+              <a:rPr lang="en-CA" dirty="0" err="1" smtClean="0"/>
+              <a:t>limité</a:t>
+            </a:r>
+            <a:r>
+              <a:rPr lang="en-CA" dirty="0" smtClean="0"/>
+              <a:t>.</a:t>
+            </a:r>
+            <a:endParaRPr lang="en-CA" dirty="0"/>
+          </a:p>
+        </p:txBody>
+      </p:sp>
+      <p:pic>
+        <p:nvPicPr>
+          <p:cNvPr id="1026" name="Picture 2" descr="http://ecx.images-amazon.com/images/I/71YVgQYfRFL._SL1500_.jpg"/>
+          <p:cNvPicPr>
+            <a:picLocks noChangeAspect="1" noChangeArrowheads="1"/>
+          </p:cNvPicPr>
+          <p:nvPr/>
+        </p:nvPicPr>
+        <p:blipFill>
+          <a:blip r:embed="rId2" cstate="print">
+            <a:extLst>
+              <a:ext uri="{BEBA8EAE-BF5A-486C-A8C5-ECC9F3942E4B}">
+                <a14:imgProps xmlns:a14="http://schemas.microsoft.com/office/drawing/2010/main">
+                  <a14:imgLayer r:embed="rId3">
+                    <a14:imgEffect>
+                      <a14:backgroundRemoval t="9846" b="89917" l="3267" r="96533"/>
+                    </a14:imgEffect>
+                  </a14:imgLayer>
+                </a14:imgProps>
+              </a:ext>
+              <a:ext uri="{28A0092B-C50C-407E-A947-70E740481C1C}">
+                <a14:useLocalDpi xmlns:a14="http://schemas.microsoft.com/office/drawing/2010/main" val="0"/>
+              </a:ext>
+            </a:extLst>
+          </a:blip>
+          <a:srcRect/>
+          <a:stretch>
+            <a:fillRect/>
+          </a:stretch>
+        </p:blipFill>
+        <p:spPr bwMode="auto">
+          <a:xfrm>
+            <a:off x="5843451" y="4007782"/>
+            <a:ext cx="3097732" cy="1740925"/>
+          </a:xfrm>
+          <a:prstGeom prst="rect">
+            <a:avLst/>
+          </a:prstGeom>
+          <a:noFill/>
+          <a:extLst>
+            <a:ext uri="{909E8E84-426E-40DD-AFC4-6F175D3DCCD1}">
+              <a14:hiddenFill xmlns:a14="http://schemas.microsoft.com/office/drawing/2010/main">
+                <a:solidFill>
+                  <a:srgbClr val="FFFFFF"/>
+                </a:solidFill>
+              </a14:hiddenFill>
+            </a:ext>
+          </a:extLst>
+        </p:spPr>
+      </p:pic>
+      <p:cxnSp>
+        <p:nvCxnSpPr>
+          <p:cNvPr id="5" name="Connecteur droit 4"/>
+          <p:cNvCxnSpPr/>
+          <p:nvPr/>
+        </p:nvCxnSpPr>
+        <p:spPr>
+          <a:xfrm flipH="1">
+            <a:off x="4682691" y="4689468"/>
+            <a:ext cx="1323703" cy="1602377"/>
+          </a:xfrm>
+          <a:prstGeom prst="line">
+            <a:avLst/>
+          </a:prstGeom>
+        </p:spPr>
+        <p:style>
+          <a:lnRef idx="1">
+            <a:schemeClr val="accent1"/>
+          </a:lnRef>
+          <a:fillRef idx="0">
+            <a:schemeClr val="accent1"/>
+          </a:fillRef>
+          <a:effectRef idx="0">
+            <a:schemeClr val="accent1"/>
+          </a:effectRef>
+          <a:fontRef idx="minor">
+            <a:schemeClr val="tx1"/>
+          </a:fontRef>
+        </p:style>
+      </p:cxnSp>
+      <p:cxnSp>
+        <p:nvCxnSpPr>
+          <p:cNvPr id="7" name="Connecteur droit 6"/>
+          <p:cNvCxnSpPr/>
+          <p:nvPr/>
+        </p:nvCxnSpPr>
+        <p:spPr>
+          <a:xfrm>
+            <a:off x="8684281" y="4599582"/>
+            <a:ext cx="1417662" cy="1588525"/>
+          </a:xfrm>
+          <a:prstGeom prst="line">
+            <a:avLst/>
+          </a:prstGeom>
+        </p:spPr>
+        <p:style>
+          <a:lnRef idx="1">
+            <a:schemeClr val="accent1"/>
+          </a:lnRef>
+          <a:fillRef idx="0">
+            <a:schemeClr val="accent1"/>
+          </a:fillRef>
+          <a:effectRef idx="0">
+            <a:schemeClr val="accent1"/>
+          </a:effectRef>
+          <a:fontRef idx="minor">
+            <a:schemeClr val="tx1"/>
+          </a:fontRef>
+        </p:style>
+      </p:cxnSp>
+      <p:sp>
+        <p:nvSpPr>
+          <p:cNvPr id="10" name="ZoneTexte 9"/>
+          <p:cNvSpPr txBox="1"/>
+          <p:nvPr/>
+        </p:nvSpPr>
+        <p:spPr>
+          <a:xfrm>
+            <a:off x="6751757" y="6107179"/>
+            <a:ext cx="1281120" cy="369332"/>
+          </a:xfrm>
+          <a:prstGeom prst="rect">
+            <a:avLst/>
+          </a:prstGeom>
+          <a:noFill/>
+        </p:spPr>
+        <p:txBody>
+          <a:bodyPr wrap="none" rtlCol="0">
+            <a:spAutoFit/>
+          </a:bodyPr>
+          <a:lstStyle/>
+          <a:p>
+            <a:r>
+              <a:rPr lang="en-CA" dirty="0" smtClean="0">
+                <a:solidFill>
+                  <a:schemeClr val="accent1"/>
+                </a:solidFill>
+              </a:rPr>
+              <a:t>3 octaves</a:t>
+            </a:r>
+            <a:endParaRPr lang="fr-CA" dirty="0">
+              <a:solidFill>
+                <a:schemeClr val="accent1"/>
+              </a:solidFill>
+            </a:endParaRPr>
+          </a:p>
+        </p:txBody>
+      </p:sp>
+      <p:pic>
+        <p:nvPicPr>
+          <p:cNvPr id="1030" name="Picture 6" descr="http://assets.hardwarezone.com/img/2013/10/attached.jpg"/>
+          <p:cNvPicPr>
+            <a:picLocks noChangeAspect="1" noChangeArrowheads="1"/>
+          </p:cNvPicPr>
+          <p:nvPr/>
+        </p:nvPicPr>
+        <p:blipFill>
+          <a:blip r:embed="rId4">
+            <a:extLst>
+              <a:ext uri="{BEBA8EAE-BF5A-486C-A8C5-ECC9F3942E4B}">
+                <a14:imgProps xmlns:a14="http://schemas.microsoft.com/office/drawing/2010/main">
+                  <a14:imgLayer r:embed="rId5">
+                    <a14:imgEffect>
+                      <a14:backgroundRemoval t="0" b="46997" l="10000" r="100000"/>
+                    </a14:imgEffect>
+                  </a14:imgLayer>
+                </a14:imgProps>
+              </a:ext>
+              <a:ext uri="{28A0092B-C50C-407E-A947-70E740481C1C}">
+                <a14:useLocalDpi xmlns:a14="http://schemas.microsoft.com/office/drawing/2010/main" val="0"/>
+              </a:ext>
+            </a:extLst>
+          </a:blip>
+          <a:srcRect/>
+          <a:stretch>
+            <a:fillRect/>
+          </a:stretch>
+        </p:blipFill>
+        <p:spPr bwMode="auto">
+          <a:xfrm rot="5400000">
+            <a:off x="8649842" y="2643917"/>
+            <a:ext cx="3243409" cy="2070377"/>
+          </a:xfrm>
+          <a:prstGeom prst="rect">
+            <a:avLst/>
+          </a:prstGeom>
+          <a:noFill/>
+          <a:extLst>
+            <a:ext uri="{909E8E84-426E-40DD-AFC4-6F175D3DCCD1}">
+              <a14:hiddenFill xmlns:a14="http://schemas.microsoft.com/office/drawing/2010/main">
+                <a:solidFill>
+                  <a:srgbClr val="FFFFFF"/>
+                </a:solidFill>
+              </a14:hiddenFill>
+            </a:ext>
+          </a:extLst>
+        </p:spPr>
+      </p:pic>
+      <p:cxnSp>
+        <p:nvCxnSpPr>
+          <p:cNvPr id="14" name="Connecteur droit 13"/>
+          <p:cNvCxnSpPr/>
+          <p:nvPr/>
+        </p:nvCxnSpPr>
+        <p:spPr>
+          <a:xfrm>
+            <a:off x="10781212" y="1192291"/>
+            <a:ext cx="16285" cy="2508248"/>
+          </a:xfrm>
+          <a:prstGeom prst="line">
+            <a:avLst/>
+          </a:prstGeom>
+        </p:spPr>
+        <p:style>
+          <a:lnRef idx="1">
+            <a:schemeClr val="accent1"/>
+          </a:lnRef>
+          <a:fillRef idx="0">
+            <a:schemeClr val="accent1"/>
+          </a:fillRef>
+          <a:effectRef idx="0">
+            <a:schemeClr val="accent1"/>
+          </a:effectRef>
+          <a:fontRef idx="minor">
+            <a:schemeClr val="tx1"/>
+          </a:fontRef>
+        </p:style>
+      </p:cxnSp>
+      <p:sp>
+        <p:nvSpPr>
+          <p:cNvPr id="16" name="ZoneTexte 15"/>
+          <p:cNvSpPr txBox="1"/>
+          <p:nvPr/>
+        </p:nvSpPr>
+        <p:spPr>
+          <a:xfrm>
+            <a:off x="9393112" y="2185851"/>
+            <a:ext cx="870751" cy="369332"/>
+          </a:xfrm>
+          <a:prstGeom prst="rect">
+            <a:avLst/>
+          </a:prstGeom>
+          <a:noFill/>
+        </p:spPr>
+        <p:txBody>
+          <a:bodyPr wrap="none" rtlCol="0">
+            <a:spAutoFit/>
+          </a:bodyPr>
+          <a:lstStyle/>
+          <a:p>
+            <a:r>
+              <a:rPr lang="en-CA" dirty="0" smtClean="0">
+                <a:solidFill>
+                  <a:schemeClr val="accent1"/>
+                </a:solidFill>
+              </a:rPr>
+              <a:t>75 cm</a:t>
+            </a:r>
+            <a:endParaRPr lang="fr-CA" dirty="0">
+              <a:solidFill>
+                <a:schemeClr val="accent1"/>
+              </a:solidFill>
+            </a:endParaRPr>
+          </a:p>
+        </p:txBody>
+      </p:sp>
+    </p:spTree>
+    <p:extLst>
+      <p:ext uri="{BB962C8B-B14F-4D97-AF65-F5344CB8AC3E}">
+        <p14:creationId xmlns:p14="http://schemas.microsoft.com/office/powerpoint/2010/main" val="2933764301"/>
+      </p:ext>
+    </p:extLst>
+  </p:cSld>
+  <p:clrMapOvr>
+    <a:masterClrMapping/>
+  </p:clrMapOvr>
+  <p:timing>
+    <p:tnLst>
+      <p:par>
+        <p:cTn id="1" dur="indefinite" restart="never" nodeType="tmRoot"/>
+      </p:par>
+    </p:tnLst>
+  </p:timing>
+</p:sld>
+</file>
+
+<file path=ppt/slides/slide11.xml><?xml version="1.0" encoding="utf-8"?>
+<p:sld xmlns:a="http://schemas.openxmlformats.org/drawingml/2006/main" xmlns:r="http://schemas.openxmlformats.org/officeDocument/2006/relationships" xmlns:p="http://schemas.openxmlformats.org/presentationml/2006/main">
+  <p:cSld>
+    <p:spTree>
+      <p:nvGrpSpPr>
+        <p:cNvPr id="1" name=""/>
+        <p:cNvGrpSpPr/>
+        <p:nvPr/>
+      </p:nvGrpSpPr>
+      <p:grpSpPr>
+        <a:xfrm>
+          <a:off x="0" y="0"/>
+          <a:ext cx="0" cy="0"/>
+          <a:chOff x="0" y="0"/>
+          <a:chExt cx="0" cy="0"/>
+        </a:xfrm>
+      </p:grpSpPr>
+      <p:sp>
+        <p:nvSpPr>
+          <p:cNvPr id="2" name="Titre 1"/>
+          <p:cNvSpPr>
+            <a:spLocks noGrp="1"/>
+          </p:cNvSpPr>
+          <p:nvPr>
+            <p:ph type="title"/>
+          </p:nvPr>
+        </p:nvSpPr>
         <p:spPr/>
         <p:txBody>
           <a:bodyPr/>
@@ -6322,7 +6739,7 @@
 </p:sld>
 </file>
 
-<file path=ppt/slides/slide11.xml><?xml version="1.0" encoding="utf-8"?>
+<file path=ppt/slides/slide12.xml><?xml version="1.0" encoding="utf-8"?>
 <p:sld xmlns:a="http://schemas.openxmlformats.org/drawingml/2006/main" xmlns:r="http://schemas.openxmlformats.org/officeDocument/2006/relationships" xmlns:p="http://schemas.openxmlformats.org/presentationml/2006/main">
   <p:cSld>
     <p:spTree>
@@ -7194,1013 +7611,6 @@
     <p:extLst>
       <p:ext uri="{BB962C8B-B14F-4D97-AF65-F5344CB8AC3E}">
         <p14:creationId xmlns:p14="http://schemas.microsoft.com/office/powerpoint/2010/main" val="1998918627"/>
-      </p:ext>
-    </p:extLst>
-  </p:cSld>
-  <p:clrMapOvr>
-    <a:masterClrMapping/>
-  </p:clrMapOvr>
-  <p:timing>
-    <p:tnLst>
-      <p:par>
-        <p:cTn id="1" dur="indefinite" restart="never" nodeType="tmRoot"/>
-      </p:par>
-    </p:tnLst>
-  </p:timing>
-</p:sld>
-</file>
-
-<file path=ppt/slides/slide12.xml><?xml version="1.0" encoding="utf-8"?>
-<p:sld xmlns:a="http://schemas.openxmlformats.org/drawingml/2006/main" xmlns:r="http://schemas.openxmlformats.org/officeDocument/2006/relationships" xmlns:p="http://schemas.openxmlformats.org/presentationml/2006/main">
-  <p:cSld>
-    <p:spTree>
-      <p:nvGrpSpPr>
-        <p:cNvPr id="1" name=""/>
-        <p:cNvGrpSpPr/>
-        <p:nvPr/>
-      </p:nvGrpSpPr>
-      <p:grpSpPr>
-        <a:xfrm>
-          <a:off x="0" y="0"/>
-          <a:ext cx="0" cy="0"/>
-          <a:chOff x="0" y="0"/>
-          <a:chExt cx="0" cy="0"/>
-        </a:xfrm>
-      </p:grpSpPr>
-      <p:sp>
-        <p:nvSpPr>
-          <p:cNvPr id="2" name="Title 1"/>
-          <p:cNvSpPr>
-            <a:spLocks noGrp="1"/>
-          </p:cNvSpPr>
-          <p:nvPr>
-            <p:ph type="title"/>
-          </p:nvPr>
-        </p:nvSpPr>
-        <p:spPr>
-          <a:xfrm>
-            <a:off x="2342606" y="764373"/>
-            <a:ext cx="9163594" cy="1293028"/>
-          </a:xfrm>
-        </p:spPr>
-        <p:txBody>
-          <a:bodyPr/>
-          <a:lstStyle/>
-          <a:p>
-            <a:r>
-              <a:rPr lang="fr-CA" dirty="0" smtClean="0"/>
-              <a:t>Interaction avec l’application</a:t>
-            </a:r>
-            <a:endParaRPr lang="fr-CA" dirty="0"/>
-          </a:p>
-        </p:txBody>
-      </p:sp>
-      <p:sp>
-        <p:nvSpPr>
-          <p:cNvPr id="3" name="Content Placeholder 2"/>
-          <p:cNvSpPr>
-            <a:spLocks noGrp="1"/>
-          </p:cNvSpPr>
-          <p:nvPr>
-            <p:ph idx="1"/>
-          </p:nvPr>
-        </p:nvSpPr>
-        <p:spPr/>
-        <p:txBody>
-          <a:bodyPr/>
-          <a:lstStyle/>
-          <a:p>
-            <a:r>
-              <a:rPr lang="en-CA" b="1" dirty="0" smtClean="0"/>
-              <a:t>Reconnaissance de </a:t>
-            </a:r>
-            <a:r>
-              <a:rPr lang="en-CA" b="1" dirty="0" err="1" smtClean="0"/>
-              <a:t>gestes</a:t>
-            </a:r>
-            <a:endParaRPr lang="en-CA" b="1" dirty="0" smtClean="0"/>
-          </a:p>
-          <a:p>
-            <a:pPr lvl="1"/>
-            <a:r>
-              <a:rPr lang="en-CA" dirty="0" smtClean="0"/>
-              <a:t>Un </a:t>
-            </a:r>
-            <a:r>
-              <a:rPr lang="en-CA" dirty="0" err="1" smtClean="0"/>
-              <a:t>GameObject</a:t>
-            </a:r>
-            <a:r>
-              <a:rPr lang="en-CA" dirty="0" smtClean="0"/>
-              <a:t> </a:t>
-            </a:r>
-            <a:r>
-              <a:rPr lang="en-CA" dirty="0" err="1" smtClean="0"/>
-              <a:t>surveille</a:t>
-            </a:r>
-            <a:r>
-              <a:rPr lang="en-CA" dirty="0" smtClean="0"/>
-              <a:t> les </a:t>
-            </a:r>
-            <a:r>
-              <a:rPr lang="en-CA" dirty="0" err="1" smtClean="0"/>
-              <a:t>gestes</a:t>
-            </a:r>
-            <a:r>
-              <a:rPr lang="en-CA" dirty="0" smtClean="0"/>
-              <a:t> en </a:t>
-            </a:r>
-            <a:r>
-              <a:rPr lang="en-CA" dirty="0" err="1" smtClean="0"/>
-              <a:t>continu</a:t>
-            </a:r>
-            <a:r>
-              <a:rPr lang="en-CA" dirty="0" smtClean="0"/>
-              <a:t>.</a:t>
-            </a:r>
-            <a:endParaRPr lang="fr-CA" dirty="0"/>
-          </a:p>
-        </p:txBody>
-      </p:sp>
-      <p:cxnSp>
-        <p:nvCxnSpPr>
-          <p:cNvPr id="22" name="Connecteur droit 21"/>
-          <p:cNvCxnSpPr/>
-          <p:nvPr/>
-        </p:nvCxnSpPr>
-        <p:spPr>
-          <a:xfrm flipV="1">
-            <a:off x="2375630" y="5099634"/>
-            <a:ext cx="357052" cy="862148"/>
-          </a:xfrm>
-          <a:prstGeom prst="line">
-            <a:avLst/>
-          </a:prstGeom>
-          <a:ln w="57150"/>
-        </p:spPr>
-        <p:style>
-          <a:lnRef idx="1">
-            <a:schemeClr val="accent1"/>
-          </a:lnRef>
-          <a:fillRef idx="0">
-            <a:schemeClr val="accent1"/>
-          </a:fillRef>
-          <a:effectRef idx="0">
-            <a:schemeClr val="accent1"/>
-          </a:effectRef>
-          <a:fontRef idx="minor">
-            <a:schemeClr val="tx1"/>
-          </a:fontRef>
-        </p:style>
-      </p:cxnSp>
-      <p:cxnSp>
-        <p:nvCxnSpPr>
-          <p:cNvPr id="23" name="Connecteur droit 22"/>
-          <p:cNvCxnSpPr/>
-          <p:nvPr/>
-        </p:nvCxnSpPr>
-        <p:spPr>
-          <a:xfrm flipH="1" flipV="1">
-            <a:off x="2780580" y="5099634"/>
-            <a:ext cx="317862" cy="862148"/>
-          </a:xfrm>
-          <a:prstGeom prst="line">
-            <a:avLst/>
-          </a:prstGeom>
-          <a:ln w="57150"/>
-        </p:spPr>
-        <p:style>
-          <a:lnRef idx="1">
-            <a:schemeClr val="accent1"/>
-          </a:lnRef>
-          <a:fillRef idx="0">
-            <a:schemeClr val="accent1"/>
-          </a:fillRef>
-          <a:effectRef idx="0">
-            <a:schemeClr val="accent1"/>
-          </a:effectRef>
-          <a:fontRef idx="minor">
-            <a:schemeClr val="tx1"/>
-          </a:fontRef>
-        </p:style>
-      </p:cxnSp>
-      <p:cxnSp>
-        <p:nvCxnSpPr>
-          <p:cNvPr id="24" name="Connecteur droit 23"/>
-          <p:cNvCxnSpPr/>
-          <p:nvPr/>
-        </p:nvCxnSpPr>
-        <p:spPr>
-          <a:xfrm flipV="1">
-            <a:off x="2767517" y="4263611"/>
-            <a:ext cx="13063" cy="836023"/>
-          </a:xfrm>
-          <a:prstGeom prst="line">
-            <a:avLst/>
-          </a:prstGeom>
-          <a:ln w="57150"/>
-        </p:spPr>
-        <p:style>
-          <a:lnRef idx="1">
-            <a:schemeClr val="accent1"/>
-          </a:lnRef>
-          <a:fillRef idx="0">
-            <a:schemeClr val="accent1"/>
-          </a:fillRef>
-          <a:effectRef idx="0">
-            <a:schemeClr val="accent1"/>
-          </a:effectRef>
-          <a:fontRef idx="minor">
-            <a:schemeClr val="tx1"/>
-          </a:fontRef>
-        </p:style>
-      </p:cxnSp>
-      <p:cxnSp>
-        <p:nvCxnSpPr>
-          <p:cNvPr id="25" name="Connecteur droit 24"/>
-          <p:cNvCxnSpPr/>
-          <p:nvPr/>
-        </p:nvCxnSpPr>
-        <p:spPr>
-          <a:xfrm flipV="1">
-            <a:off x="2238471" y="4237486"/>
-            <a:ext cx="513806" cy="432163"/>
-          </a:xfrm>
-          <a:prstGeom prst="line">
-            <a:avLst/>
-          </a:prstGeom>
-          <a:ln w="57150"/>
-        </p:spPr>
-        <p:style>
-          <a:lnRef idx="1">
-            <a:schemeClr val="accent1"/>
-          </a:lnRef>
-          <a:fillRef idx="0">
-            <a:schemeClr val="accent1"/>
-          </a:fillRef>
-          <a:effectRef idx="0">
-            <a:schemeClr val="accent1"/>
-          </a:effectRef>
-          <a:fontRef idx="minor">
-            <a:schemeClr val="tx1"/>
-          </a:fontRef>
-        </p:style>
-      </p:cxnSp>
-      <p:cxnSp>
-        <p:nvCxnSpPr>
-          <p:cNvPr id="26" name="Connecteur droit 25"/>
-          <p:cNvCxnSpPr/>
-          <p:nvPr/>
-        </p:nvCxnSpPr>
-        <p:spPr>
-          <a:xfrm flipH="1" flipV="1">
-            <a:off x="2800176" y="4237487"/>
-            <a:ext cx="446742" cy="165359"/>
-          </a:xfrm>
-          <a:prstGeom prst="line">
-            <a:avLst/>
-          </a:prstGeom>
-          <a:ln w="57150"/>
-        </p:spPr>
-        <p:style>
-          <a:lnRef idx="1">
-            <a:schemeClr val="accent1"/>
-          </a:lnRef>
-          <a:fillRef idx="0">
-            <a:schemeClr val="accent1"/>
-          </a:fillRef>
-          <a:effectRef idx="0">
-            <a:schemeClr val="accent1"/>
-          </a:effectRef>
-          <a:fontRef idx="minor">
-            <a:schemeClr val="tx1"/>
-          </a:fontRef>
-        </p:style>
-      </p:cxnSp>
-      <p:sp>
-        <p:nvSpPr>
-          <p:cNvPr id="27" name="Ellipse 26"/>
-          <p:cNvSpPr/>
-          <p:nvPr/>
-        </p:nvSpPr>
-        <p:spPr>
-          <a:xfrm>
-            <a:off x="2554156" y="3510703"/>
-            <a:ext cx="513806" cy="513806"/>
-          </a:xfrm>
-          <a:prstGeom prst="ellipse">
-            <a:avLst/>
-          </a:prstGeom>
-        </p:spPr>
-        <p:style>
-          <a:lnRef idx="2">
-            <a:schemeClr val="accent1">
-              <a:shade val="50000"/>
-            </a:schemeClr>
-          </a:lnRef>
-          <a:fillRef idx="1">
-            <a:schemeClr val="accent1"/>
-          </a:fillRef>
-          <a:effectRef idx="0">
-            <a:schemeClr val="accent1"/>
-          </a:effectRef>
-          <a:fontRef idx="minor">
-            <a:schemeClr val="lt1"/>
-          </a:fontRef>
-        </p:style>
-        <p:txBody>
-          <a:bodyPr rtlCol="0" anchor="ctr"/>
-          <a:lstStyle/>
-          <a:p>
-            <a:pPr algn="ctr"/>
-            <a:endParaRPr lang="fr-CA"/>
-          </a:p>
-        </p:txBody>
-      </p:sp>
-      <p:cxnSp>
-        <p:nvCxnSpPr>
-          <p:cNvPr id="30" name="Connecteur droit 29"/>
-          <p:cNvCxnSpPr/>
-          <p:nvPr/>
-        </p:nvCxnSpPr>
-        <p:spPr>
-          <a:xfrm flipV="1">
-            <a:off x="3246918" y="4002790"/>
-            <a:ext cx="423453" cy="375759"/>
-          </a:xfrm>
-          <a:prstGeom prst="line">
-            <a:avLst/>
-          </a:prstGeom>
-          <a:ln w="57150"/>
-        </p:spPr>
-        <p:style>
-          <a:lnRef idx="1">
-            <a:schemeClr val="accent1"/>
-          </a:lnRef>
-          <a:fillRef idx="0">
-            <a:schemeClr val="accent1"/>
-          </a:fillRef>
-          <a:effectRef idx="0">
-            <a:schemeClr val="accent1"/>
-          </a:effectRef>
-          <a:fontRef idx="minor">
-            <a:schemeClr val="tx1"/>
-          </a:fontRef>
-        </p:style>
-      </p:cxnSp>
-      <p:cxnSp>
-        <p:nvCxnSpPr>
-          <p:cNvPr id="32" name="Connecteur droit 31"/>
-          <p:cNvCxnSpPr/>
-          <p:nvPr/>
-        </p:nvCxnSpPr>
-        <p:spPr>
-          <a:xfrm flipV="1">
-            <a:off x="5180562" y="5140370"/>
-            <a:ext cx="357052" cy="862148"/>
-          </a:xfrm>
-          <a:prstGeom prst="line">
-            <a:avLst/>
-          </a:prstGeom>
-          <a:ln w="57150"/>
-        </p:spPr>
-        <p:style>
-          <a:lnRef idx="1">
-            <a:schemeClr val="accent1"/>
-          </a:lnRef>
-          <a:fillRef idx="0">
-            <a:schemeClr val="accent1"/>
-          </a:fillRef>
-          <a:effectRef idx="0">
-            <a:schemeClr val="accent1"/>
-          </a:effectRef>
-          <a:fontRef idx="minor">
-            <a:schemeClr val="tx1"/>
-          </a:fontRef>
-        </p:style>
-      </p:cxnSp>
-      <p:cxnSp>
-        <p:nvCxnSpPr>
-          <p:cNvPr id="33" name="Connecteur droit 32"/>
-          <p:cNvCxnSpPr/>
-          <p:nvPr/>
-        </p:nvCxnSpPr>
-        <p:spPr>
-          <a:xfrm flipH="1" flipV="1">
-            <a:off x="5585512" y="5140370"/>
-            <a:ext cx="317862" cy="862148"/>
-          </a:xfrm>
-          <a:prstGeom prst="line">
-            <a:avLst/>
-          </a:prstGeom>
-          <a:ln w="57150"/>
-        </p:spPr>
-        <p:style>
-          <a:lnRef idx="1">
-            <a:schemeClr val="accent1"/>
-          </a:lnRef>
-          <a:fillRef idx="0">
-            <a:schemeClr val="accent1"/>
-          </a:fillRef>
-          <a:effectRef idx="0">
-            <a:schemeClr val="accent1"/>
-          </a:effectRef>
-          <a:fontRef idx="minor">
-            <a:schemeClr val="tx1"/>
-          </a:fontRef>
-        </p:style>
-      </p:cxnSp>
-      <p:cxnSp>
-        <p:nvCxnSpPr>
-          <p:cNvPr id="34" name="Connecteur droit 33"/>
-          <p:cNvCxnSpPr/>
-          <p:nvPr/>
-        </p:nvCxnSpPr>
-        <p:spPr>
-          <a:xfrm flipV="1">
-            <a:off x="5572449" y="4304347"/>
-            <a:ext cx="13063" cy="836023"/>
-          </a:xfrm>
-          <a:prstGeom prst="line">
-            <a:avLst/>
-          </a:prstGeom>
-          <a:ln w="57150"/>
-        </p:spPr>
-        <p:style>
-          <a:lnRef idx="1">
-            <a:schemeClr val="accent1"/>
-          </a:lnRef>
-          <a:fillRef idx="0">
-            <a:schemeClr val="accent1"/>
-          </a:fillRef>
-          <a:effectRef idx="0">
-            <a:schemeClr val="accent1"/>
-          </a:effectRef>
-          <a:fontRef idx="minor">
-            <a:schemeClr val="tx1"/>
-          </a:fontRef>
-        </p:style>
-      </p:cxnSp>
-      <p:cxnSp>
-        <p:nvCxnSpPr>
-          <p:cNvPr id="35" name="Connecteur droit 34"/>
-          <p:cNvCxnSpPr/>
-          <p:nvPr/>
-        </p:nvCxnSpPr>
-        <p:spPr>
-          <a:xfrm flipV="1">
-            <a:off x="5208489" y="4278223"/>
-            <a:ext cx="348720" cy="261810"/>
-          </a:xfrm>
-          <a:prstGeom prst="line">
-            <a:avLst/>
-          </a:prstGeom>
-          <a:ln w="57150"/>
-        </p:spPr>
-        <p:style>
-          <a:lnRef idx="1">
-            <a:schemeClr val="accent1"/>
-          </a:lnRef>
-          <a:fillRef idx="0">
-            <a:schemeClr val="accent1"/>
-          </a:fillRef>
-          <a:effectRef idx="0">
-            <a:schemeClr val="accent1"/>
-          </a:effectRef>
-          <a:fontRef idx="minor">
-            <a:schemeClr val="tx1"/>
-          </a:fontRef>
-        </p:style>
-      </p:cxnSp>
-      <p:cxnSp>
-        <p:nvCxnSpPr>
-          <p:cNvPr id="36" name="Connecteur droit 35"/>
-          <p:cNvCxnSpPr/>
-          <p:nvPr/>
-        </p:nvCxnSpPr>
-        <p:spPr>
-          <a:xfrm flipH="1" flipV="1">
-            <a:off x="5605110" y="4278225"/>
-            <a:ext cx="502447" cy="166796"/>
-          </a:xfrm>
-          <a:prstGeom prst="line">
-            <a:avLst/>
-          </a:prstGeom>
-          <a:ln w="57150"/>
-        </p:spPr>
-        <p:style>
-          <a:lnRef idx="1">
-            <a:schemeClr val="accent1"/>
-          </a:lnRef>
-          <a:fillRef idx="0">
-            <a:schemeClr val="accent1"/>
-          </a:fillRef>
-          <a:effectRef idx="0">
-            <a:schemeClr val="accent1"/>
-          </a:effectRef>
-          <a:fontRef idx="minor">
-            <a:schemeClr val="tx1"/>
-          </a:fontRef>
-        </p:style>
-      </p:cxnSp>
-      <p:sp>
-        <p:nvSpPr>
-          <p:cNvPr id="37" name="Ellipse 36"/>
-          <p:cNvSpPr/>
-          <p:nvPr/>
-        </p:nvSpPr>
-        <p:spPr>
-          <a:xfrm>
-            <a:off x="5359088" y="3551439"/>
-            <a:ext cx="513806" cy="513806"/>
-          </a:xfrm>
-          <a:prstGeom prst="ellipse">
-            <a:avLst/>
-          </a:prstGeom>
-        </p:spPr>
-        <p:style>
-          <a:lnRef idx="2">
-            <a:schemeClr val="accent1">
-              <a:shade val="50000"/>
-            </a:schemeClr>
-          </a:lnRef>
-          <a:fillRef idx="1">
-            <a:schemeClr val="accent1"/>
-          </a:fillRef>
-          <a:effectRef idx="0">
-            <a:schemeClr val="accent1"/>
-          </a:effectRef>
-          <a:fontRef idx="minor">
-            <a:schemeClr val="lt1"/>
-          </a:fontRef>
-        </p:style>
-        <p:txBody>
-          <a:bodyPr rtlCol="0" anchor="ctr"/>
-          <a:lstStyle/>
-          <a:p>
-            <a:pPr algn="ctr"/>
-            <a:endParaRPr lang="fr-CA"/>
-          </a:p>
-        </p:txBody>
-      </p:sp>
-      <p:cxnSp>
-        <p:nvCxnSpPr>
-          <p:cNvPr id="38" name="Connecteur droit 37"/>
-          <p:cNvCxnSpPr/>
-          <p:nvPr/>
-        </p:nvCxnSpPr>
-        <p:spPr>
-          <a:xfrm flipV="1">
-            <a:off x="6099751" y="4174316"/>
-            <a:ext cx="433934" cy="236693"/>
-          </a:xfrm>
-          <a:prstGeom prst="line">
-            <a:avLst/>
-          </a:prstGeom>
-          <a:ln w="57150"/>
-        </p:spPr>
-        <p:style>
-          <a:lnRef idx="1">
-            <a:schemeClr val="accent1"/>
-          </a:lnRef>
-          <a:fillRef idx="0">
-            <a:schemeClr val="accent1"/>
-          </a:fillRef>
-          <a:effectRef idx="0">
-            <a:schemeClr val="accent1"/>
-          </a:effectRef>
-          <a:fontRef idx="minor">
-            <a:schemeClr val="tx1"/>
-          </a:fontRef>
-        </p:style>
-      </p:cxnSp>
-      <p:sp>
-        <p:nvSpPr>
-          <p:cNvPr id="28" name="ZoneTexte 27"/>
-          <p:cNvSpPr txBox="1"/>
-          <p:nvPr/>
-        </p:nvSpPr>
-        <p:spPr>
-          <a:xfrm>
-            <a:off x="4549300" y="6421959"/>
-            <a:ext cx="2539478" cy="369332"/>
-          </a:xfrm>
-          <a:prstGeom prst="rect">
-            <a:avLst/>
-          </a:prstGeom>
-          <a:noFill/>
-        </p:spPr>
-        <p:txBody>
-          <a:bodyPr wrap="none" rtlCol="0">
-            <a:spAutoFit/>
-          </a:bodyPr>
-          <a:lstStyle/>
-          <a:p>
-            <a:r>
-              <a:rPr lang="en-CA" dirty="0" err="1" smtClean="0"/>
-              <a:t>Choix</a:t>
-            </a:r>
-            <a:r>
-              <a:rPr lang="en-CA" dirty="0" smtClean="0"/>
-              <a:t> de </a:t>
-            </a:r>
-            <a:r>
-              <a:rPr lang="en-CA" dirty="0" err="1" smtClean="0"/>
-              <a:t>l’instrument</a:t>
-            </a:r>
-            <a:endParaRPr lang="fr-CA" dirty="0"/>
-          </a:p>
-        </p:txBody>
-      </p:sp>
-      <p:cxnSp>
-        <p:nvCxnSpPr>
-          <p:cNvPr id="29" name="Connecteur droit 28"/>
-          <p:cNvCxnSpPr/>
-          <p:nvPr/>
-        </p:nvCxnSpPr>
-        <p:spPr>
-          <a:xfrm>
-            <a:off x="1920609" y="4555205"/>
-            <a:ext cx="347253" cy="95012"/>
-          </a:xfrm>
-          <a:prstGeom prst="line">
-            <a:avLst/>
-          </a:prstGeom>
-          <a:ln w="57150"/>
-        </p:spPr>
-        <p:style>
-          <a:lnRef idx="1">
-            <a:schemeClr val="accent1"/>
-          </a:lnRef>
-          <a:fillRef idx="0">
-            <a:schemeClr val="accent1"/>
-          </a:fillRef>
-          <a:effectRef idx="0">
-            <a:schemeClr val="accent1"/>
-          </a:effectRef>
-          <a:fontRef idx="minor">
-            <a:schemeClr val="tx1"/>
-          </a:fontRef>
-        </p:style>
-      </p:cxnSp>
-      <p:cxnSp>
-        <p:nvCxnSpPr>
-          <p:cNvPr id="40" name="Connecteur droit 39"/>
-          <p:cNvCxnSpPr/>
-          <p:nvPr/>
-        </p:nvCxnSpPr>
-        <p:spPr>
-          <a:xfrm>
-            <a:off x="5199779" y="4532359"/>
-            <a:ext cx="337835" cy="220652"/>
-          </a:xfrm>
-          <a:prstGeom prst="line">
-            <a:avLst/>
-          </a:prstGeom>
-          <a:ln w="57150"/>
-        </p:spPr>
-        <p:style>
-          <a:lnRef idx="1">
-            <a:schemeClr val="accent1"/>
-          </a:lnRef>
-          <a:fillRef idx="0">
-            <a:schemeClr val="accent1"/>
-          </a:fillRef>
-          <a:effectRef idx="0">
-            <a:schemeClr val="accent1"/>
-          </a:effectRef>
-          <a:fontRef idx="minor">
-            <a:schemeClr val="tx1"/>
-          </a:fontRef>
-        </p:style>
-      </p:cxnSp>
-      <p:cxnSp>
-        <p:nvCxnSpPr>
-          <p:cNvPr id="18" name="Connecteur droit avec flèche 17"/>
-          <p:cNvCxnSpPr/>
-          <p:nvPr/>
-        </p:nvCxnSpPr>
-        <p:spPr>
-          <a:xfrm flipH="1" flipV="1">
-            <a:off x="3458644" y="3551439"/>
-            <a:ext cx="120898" cy="314192"/>
-          </a:xfrm>
-          <a:prstGeom prst="straightConnector1">
-            <a:avLst/>
-          </a:prstGeom>
-          <a:ln>
-            <a:tailEnd type="triangle"/>
-          </a:ln>
-        </p:spPr>
-        <p:style>
-          <a:lnRef idx="1">
-            <a:schemeClr val="accent1"/>
-          </a:lnRef>
-          <a:fillRef idx="0">
-            <a:schemeClr val="accent1"/>
-          </a:fillRef>
-          <a:effectRef idx="0">
-            <a:schemeClr val="accent1"/>
-          </a:effectRef>
-          <a:fontRef idx="minor">
-            <a:schemeClr val="tx1"/>
-          </a:fontRef>
-        </p:style>
-      </p:cxnSp>
-      <p:cxnSp>
-        <p:nvCxnSpPr>
-          <p:cNvPr id="42" name="Connecteur droit avec flèche 41"/>
-          <p:cNvCxnSpPr/>
-          <p:nvPr/>
-        </p:nvCxnSpPr>
-        <p:spPr>
-          <a:xfrm>
-            <a:off x="3670319" y="4141837"/>
-            <a:ext cx="152182" cy="261009"/>
-          </a:xfrm>
-          <a:prstGeom prst="straightConnector1">
-            <a:avLst/>
-          </a:prstGeom>
-          <a:ln>
-            <a:tailEnd type="triangle"/>
-          </a:ln>
-        </p:spPr>
-        <p:style>
-          <a:lnRef idx="1">
-            <a:schemeClr val="accent1"/>
-          </a:lnRef>
-          <a:fillRef idx="0">
-            <a:schemeClr val="accent1"/>
-          </a:fillRef>
-          <a:effectRef idx="0">
-            <a:schemeClr val="accent1"/>
-          </a:effectRef>
-          <a:fontRef idx="minor">
-            <a:schemeClr val="tx1"/>
-          </a:fontRef>
-        </p:style>
-      </p:cxnSp>
-      <p:cxnSp>
-        <p:nvCxnSpPr>
-          <p:cNvPr id="45" name="Connecteur droit 44"/>
-          <p:cNvCxnSpPr/>
-          <p:nvPr/>
-        </p:nvCxnSpPr>
-        <p:spPr>
-          <a:xfrm flipV="1">
-            <a:off x="7919252" y="5216962"/>
-            <a:ext cx="357052" cy="862148"/>
-          </a:xfrm>
-          <a:prstGeom prst="line">
-            <a:avLst/>
-          </a:prstGeom>
-          <a:ln w="57150"/>
-        </p:spPr>
-        <p:style>
-          <a:lnRef idx="1">
-            <a:schemeClr val="accent1"/>
-          </a:lnRef>
-          <a:fillRef idx="0">
-            <a:schemeClr val="accent1"/>
-          </a:fillRef>
-          <a:effectRef idx="0">
-            <a:schemeClr val="accent1"/>
-          </a:effectRef>
-          <a:fontRef idx="minor">
-            <a:schemeClr val="tx1"/>
-          </a:fontRef>
-        </p:style>
-      </p:cxnSp>
-      <p:cxnSp>
-        <p:nvCxnSpPr>
-          <p:cNvPr id="46" name="Connecteur droit 45"/>
-          <p:cNvCxnSpPr/>
-          <p:nvPr/>
-        </p:nvCxnSpPr>
-        <p:spPr>
-          <a:xfrm flipH="1" flipV="1">
-            <a:off x="8324202" y="5216962"/>
-            <a:ext cx="317862" cy="862148"/>
-          </a:xfrm>
-          <a:prstGeom prst="line">
-            <a:avLst/>
-          </a:prstGeom>
-          <a:ln w="57150"/>
-        </p:spPr>
-        <p:style>
-          <a:lnRef idx="1">
-            <a:schemeClr val="accent1"/>
-          </a:lnRef>
-          <a:fillRef idx="0">
-            <a:schemeClr val="accent1"/>
-          </a:fillRef>
-          <a:effectRef idx="0">
-            <a:schemeClr val="accent1"/>
-          </a:effectRef>
-          <a:fontRef idx="minor">
-            <a:schemeClr val="tx1"/>
-          </a:fontRef>
-        </p:style>
-      </p:cxnSp>
-      <p:cxnSp>
-        <p:nvCxnSpPr>
-          <p:cNvPr id="47" name="Connecteur droit 46"/>
-          <p:cNvCxnSpPr/>
-          <p:nvPr/>
-        </p:nvCxnSpPr>
-        <p:spPr>
-          <a:xfrm flipV="1">
-            <a:off x="8311139" y="4380939"/>
-            <a:ext cx="13063" cy="836023"/>
-          </a:xfrm>
-          <a:prstGeom prst="line">
-            <a:avLst/>
-          </a:prstGeom>
-          <a:ln w="57150"/>
-        </p:spPr>
-        <p:style>
-          <a:lnRef idx="1">
-            <a:schemeClr val="accent1"/>
-          </a:lnRef>
-          <a:fillRef idx="0">
-            <a:schemeClr val="accent1"/>
-          </a:fillRef>
-          <a:effectRef idx="0">
-            <a:schemeClr val="accent1"/>
-          </a:effectRef>
-          <a:fontRef idx="minor">
-            <a:schemeClr val="tx1"/>
-          </a:fontRef>
-        </p:style>
-      </p:cxnSp>
-      <p:cxnSp>
-        <p:nvCxnSpPr>
-          <p:cNvPr id="48" name="Connecteur droit 47"/>
-          <p:cNvCxnSpPr/>
-          <p:nvPr/>
-        </p:nvCxnSpPr>
-        <p:spPr>
-          <a:xfrm flipV="1">
-            <a:off x="7947179" y="4354815"/>
-            <a:ext cx="348720" cy="261810"/>
-          </a:xfrm>
-          <a:prstGeom prst="line">
-            <a:avLst/>
-          </a:prstGeom>
-          <a:ln w="57150"/>
-        </p:spPr>
-        <p:style>
-          <a:lnRef idx="1">
-            <a:schemeClr val="accent1"/>
-          </a:lnRef>
-          <a:fillRef idx="0">
-            <a:schemeClr val="accent1"/>
-          </a:fillRef>
-          <a:effectRef idx="0">
-            <a:schemeClr val="accent1"/>
-          </a:effectRef>
-          <a:fontRef idx="minor">
-            <a:schemeClr val="tx1"/>
-          </a:fontRef>
-        </p:style>
-      </p:cxnSp>
-      <p:cxnSp>
-        <p:nvCxnSpPr>
-          <p:cNvPr id="49" name="Connecteur droit 48"/>
-          <p:cNvCxnSpPr/>
-          <p:nvPr/>
-        </p:nvCxnSpPr>
-        <p:spPr>
-          <a:xfrm flipH="1" flipV="1">
-            <a:off x="8343801" y="4354817"/>
-            <a:ext cx="409704" cy="177542"/>
-          </a:xfrm>
-          <a:prstGeom prst="line">
-            <a:avLst/>
-          </a:prstGeom>
-          <a:ln w="57150"/>
-        </p:spPr>
-        <p:style>
-          <a:lnRef idx="1">
-            <a:schemeClr val="accent1"/>
-          </a:lnRef>
-          <a:fillRef idx="0">
-            <a:schemeClr val="accent1"/>
-          </a:fillRef>
-          <a:effectRef idx="0">
-            <a:schemeClr val="accent1"/>
-          </a:effectRef>
-          <a:fontRef idx="minor">
-            <a:schemeClr val="tx1"/>
-          </a:fontRef>
-        </p:style>
-      </p:cxnSp>
-      <p:sp>
-        <p:nvSpPr>
-          <p:cNvPr id="50" name="Ellipse 49"/>
-          <p:cNvSpPr/>
-          <p:nvPr/>
-        </p:nvSpPr>
-        <p:spPr>
-          <a:xfrm>
-            <a:off x="8097778" y="3628031"/>
-            <a:ext cx="513806" cy="513806"/>
-          </a:xfrm>
-          <a:prstGeom prst="ellipse">
-            <a:avLst/>
-          </a:prstGeom>
-        </p:spPr>
-        <p:style>
-          <a:lnRef idx="2">
-            <a:schemeClr val="accent1">
-              <a:shade val="50000"/>
-            </a:schemeClr>
-          </a:lnRef>
-          <a:fillRef idx="1">
-            <a:schemeClr val="accent1"/>
-          </a:fillRef>
-          <a:effectRef idx="0">
-            <a:schemeClr val="accent1"/>
-          </a:effectRef>
-          <a:fontRef idx="minor">
-            <a:schemeClr val="lt1"/>
-          </a:fontRef>
-        </p:style>
-        <p:txBody>
-          <a:bodyPr rtlCol="0" anchor="ctr"/>
-          <a:lstStyle/>
-          <a:p>
-            <a:pPr algn="ctr"/>
-            <a:endParaRPr lang="fr-CA"/>
-          </a:p>
-        </p:txBody>
-      </p:sp>
-      <p:cxnSp>
-        <p:nvCxnSpPr>
-          <p:cNvPr id="51" name="Connecteur droit 50"/>
-          <p:cNvCxnSpPr/>
-          <p:nvPr/>
-        </p:nvCxnSpPr>
-        <p:spPr>
-          <a:xfrm flipH="1">
-            <a:off x="8583633" y="4526571"/>
-            <a:ext cx="169872" cy="342001"/>
-          </a:xfrm>
-          <a:prstGeom prst="line">
-            <a:avLst/>
-          </a:prstGeom>
-          <a:ln w="57150"/>
-        </p:spPr>
-        <p:style>
-          <a:lnRef idx="1">
-            <a:schemeClr val="accent1"/>
-          </a:lnRef>
-          <a:fillRef idx="0">
-            <a:schemeClr val="accent1"/>
-          </a:fillRef>
-          <a:effectRef idx="0">
-            <a:schemeClr val="accent1"/>
-          </a:effectRef>
-          <a:fontRef idx="minor">
-            <a:schemeClr val="tx1"/>
-          </a:fontRef>
-        </p:style>
-      </p:cxnSp>
-      <p:cxnSp>
-        <p:nvCxnSpPr>
-          <p:cNvPr id="52" name="Connecteur droit 51"/>
-          <p:cNvCxnSpPr/>
-          <p:nvPr/>
-        </p:nvCxnSpPr>
-        <p:spPr>
-          <a:xfrm flipH="1">
-            <a:off x="7899278" y="4608951"/>
-            <a:ext cx="39191" cy="220652"/>
-          </a:xfrm>
-          <a:prstGeom prst="line">
-            <a:avLst/>
-          </a:prstGeom>
-          <a:ln w="57150"/>
-        </p:spPr>
-        <p:style>
-          <a:lnRef idx="1">
-            <a:schemeClr val="accent1"/>
-          </a:lnRef>
-          <a:fillRef idx="0">
-            <a:schemeClr val="accent1"/>
-          </a:fillRef>
-          <a:effectRef idx="0">
-            <a:schemeClr val="accent1"/>
-          </a:effectRef>
-          <a:fontRef idx="minor">
-            <a:schemeClr val="tx1"/>
-          </a:fontRef>
-        </p:style>
-      </p:cxnSp>
-    </p:spTree>
-    <p:extLst>
-      <p:ext uri="{BB962C8B-B14F-4D97-AF65-F5344CB8AC3E}">
-        <p14:creationId xmlns:p14="http://schemas.microsoft.com/office/powerpoint/2010/main" val="2484835208"/>
       </p:ext>
     </p:extLst>
   </p:cSld>
@@ -8236,7 +7646,7 @@
       </p:grpSpPr>
       <p:sp>
         <p:nvSpPr>
-          <p:cNvPr id="2" name="Titre 1"/>
+          <p:cNvPr id="2" name="Title 1"/>
           <p:cNvSpPr>
             <a:spLocks noGrp="1"/>
           </p:cNvSpPr>
@@ -8244,14 +7654,19 @@
             <p:ph type="title"/>
           </p:nvPr>
         </p:nvSpPr>
-        <p:spPr/>
+        <p:spPr>
+          <a:xfrm>
+            <a:off x="2342606" y="764373"/>
+            <a:ext cx="9163594" cy="1293028"/>
+          </a:xfrm>
+        </p:spPr>
         <p:txBody>
           <a:bodyPr/>
           <a:lstStyle/>
           <a:p>
             <a:r>
-              <a:rPr lang="en-CA" dirty="0" smtClean="0"/>
-              <a:t>Architecture</a:t>
+              <a:rPr lang="fr-CA" dirty="0" smtClean="0"/>
+              <a:t>Interaction avec l’application</a:t>
             </a:r>
             <a:endParaRPr lang="fr-CA" dirty="0"/>
           </a:p>
@@ -8259,7 +7674,7 @@
       </p:sp>
       <p:sp>
         <p:nvSpPr>
-          <p:cNvPr id="3" name="Espace réservé du contenu 2"/>
+          <p:cNvPr id="3" name="Content Placeholder 2"/>
           <p:cNvSpPr>
             <a:spLocks noGrp="1"/>
           </p:cNvSpPr>
@@ -8274,26 +7689,23 @@
           <a:p>
             <a:r>
               <a:rPr lang="en-CA" b="1" dirty="0" smtClean="0"/>
-              <a:t>Unity (C#)</a:t>
-            </a:r>
+              <a:t>Reconnaissance de </a:t>
+            </a:r>
+            <a:r>
+              <a:rPr lang="en-CA" b="1" dirty="0" err="1" smtClean="0"/>
+              <a:t>gestes</a:t>
+            </a:r>
+            <a:endParaRPr lang="en-CA" b="1" dirty="0" smtClean="0"/>
           </a:p>
           <a:p>
             <a:pPr lvl="1"/>
             <a:r>
+              <a:rPr lang="en-CA" dirty="0" smtClean="0"/>
+              <a:t>Un </a:t>
+            </a:r>
+            <a:r>
               <a:rPr lang="en-CA" dirty="0" err="1" smtClean="0"/>
-              <a:t>Affichage</a:t>
-            </a:r>
-            <a:r>
-              <a:rPr lang="en-CA" dirty="0"/>
-              <a:t> </a:t>
-            </a:r>
-            <a:r>
-              <a:rPr lang="en-CA" dirty="0" smtClean="0"/>
-              <a:t>de </a:t>
-            </a:r>
-            <a:r>
-              <a:rPr lang="en-CA" dirty="0" err="1" smtClean="0"/>
-              <a:t>l’univers</a:t>
+              <a:t>GameObject</a:t>
             </a:r>
             <a:r>
               <a:rPr lang="en-CA" dirty="0" smtClean="0"/>
@@ -8301,29 +7713,509 @@
             </a:r>
             <a:r>
               <a:rPr lang="en-CA" dirty="0" err="1" smtClean="0"/>
-              <a:t>virtuel</a:t>
+              <a:t>surveille</a:t>
+            </a:r>
+            <a:r>
+              <a:rPr lang="en-CA" dirty="0" smtClean="0"/>
+              <a:t> les </a:t>
+            </a:r>
+            <a:r>
+              <a:rPr lang="en-CA" dirty="0" err="1" smtClean="0"/>
+              <a:t>gestes</a:t>
+            </a:r>
+            <a:r>
+              <a:rPr lang="en-CA" dirty="0" smtClean="0"/>
+              <a:t> en </a:t>
+            </a:r>
+            <a:r>
+              <a:rPr lang="en-CA" dirty="0" err="1" smtClean="0"/>
+              <a:t>continu</a:t>
             </a:r>
             <a:r>
               <a:rPr lang="en-CA" dirty="0" smtClean="0"/>
               <a:t>.</a:t>
             </a:r>
-          </a:p>
-          <a:p>
-            <a:pPr lvl="1"/>
+            <a:endParaRPr lang="fr-CA" dirty="0"/>
+          </a:p>
+        </p:txBody>
+      </p:sp>
+      <p:cxnSp>
+        <p:nvCxnSpPr>
+          <p:cNvPr id="22" name="Connecteur droit 21"/>
+          <p:cNvCxnSpPr/>
+          <p:nvPr/>
+        </p:nvCxnSpPr>
+        <p:spPr>
+          <a:xfrm flipV="1">
+            <a:off x="2375630" y="5099634"/>
+            <a:ext cx="357052" cy="862148"/>
+          </a:xfrm>
+          <a:prstGeom prst="line">
+            <a:avLst/>
+          </a:prstGeom>
+          <a:ln w="57150"/>
+        </p:spPr>
+        <p:style>
+          <a:lnRef idx="1">
+            <a:schemeClr val="accent1"/>
+          </a:lnRef>
+          <a:fillRef idx="0">
+            <a:schemeClr val="accent1"/>
+          </a:fillRef>
+          <a:effectRef idx="0">
+            <a:schemeClr val="accent1"/>
+          </a:effectRef>
+          <a:fontRef idx="minor">
+            <a:schemeClr val="tx1"/>
+          </a:fontRef>
+        </p:style>
+      </p:cxnSp>
+      <p:cxnSp>
+        <p:nvCxnSpPr>
+          <p:cNvPr id="23" name="Connecteur droit 22"/>
+          <p:cNvCxnSpPr/>
+          <p:nvPr/>
+        </p:nvCxnSpPr>
+        <p:spPr>
+          <a:xfrm flipH="1" flipV="1">
+            <a:off x="2780580" y="5099634"/>
+            <a:ext cx="317862" cy="862148"/>
+          </a:xfrm>
+          <a:prstGeom prst="line">
+            <a:avLst/>
+          </a:prstGeom>
+          <a:ln w="57150"/>
+        </p:spPr>
+        <p:style>
+          <a:lnRef idx="1">
+            <a:schemeClr val="accent1"/>
+          </a:lnRef>
+          <a:fillRef idx="0">
+            <a:schemeClr val="accent1"/>
+          </a:fillRef>
+          <a:effectRef idx="0">
+            <a:schemeClr val="accent1"/>
+          </a:effectRef>
+          <a:fontRef idx="minor">
+            <a:schemeClr val="tx1"/>
+          </a:fontRef>
+        </p:style>
+      </p:cxnSp>
+      <p:cxnSp>
+        <p:nvCxnSpPr>
+          <p:cNvPr id="24" name="Connecteur droit 23"/>
+          <p:cNvCxnSpPr/>
+          <p:nvPr/>
+        </p:nvCxnSpPr>
+        <p:spPr>
+          <a:xfrm flipV="1">
+            <a:off x="2767517" y="4263611"/>
+            <a:ext cx="13063" cy="836023"/>
+          </a:xfrm>
+          <a:prstGeom prst="line">
+            <a:avLst/>
+          </a:prstGeom>
+          <a:ln w="57150"/>
+        </p:spPr>
+        <p:style>
+          <a:lnRef idx="1">
+            <a:schemeClr val="accent1"/>
+          </a:lnRef>
+          <a:fillRef idx="0">
+            <a:schemeClr val="accent1"/>
+          </a:fillRef>
+          <a:effectRef idx="0">
+            <a:schemeClr val="accent1"/>
+          </a:effectRef>
+          <a:fontRef idx="minor">
+            <a:schemeClr val="tx1"/>
+          </a:fontRef>
+        </p:style>
+      </p:cxnSp>
+      <p:cxnSp>
+        <p:nvCxnSpPr>
+          <p:cNvPr id="25" name="Connecteur droit 24"/>
+          <p:cNvCxnSpPr/>
+          <p:nvPr/>
+        </p:nvCxnSpPr>
+        <p:spPr>
+          <a:xfrm flipV="1">
+            <a:off x="2238471" y="4237486"/>
+            <a:ext cx="513806" cy="432163"/>
+          </a:xfrm>
+          <a:prstGeom prst="line">
+            <a:avLst/>
+          </a:prstGeom>
+          <a:ln w="57150"/>
+        </p:spPr>
+        <p:style>
+          <a:lnRef idx="1">
+            <a:schemeClr val="accent1"/>
+          </a:lnRef>
+          <a:fillRef idx="0">
+            <a:schemeClr val="accent1"/>
+          </a:fillRef>
+          <a:effectRef idx="0">
+            <a:schemeClr val="accent1"/>
+          </a:effectRef>
+          <a:fontRef idx="minor">
+            <a:schemeClr val="tx1"/>
+          </a:fontRef>
+        </p:style>
+      </p:cxnSp>
+      <p:cxnSp>
+        <p:nvCxnSpPr>
+          <p:cNvPr id="26" name="Connecteur droit 25"/>
+          <p:cNvCxnSpPr/>
+          <p:nvPr/>
+        </p:nvCxnSpPr>
+        <p:spPr>
+          <a:xfrm flipH="1" flipV="1">
+            <a:off x="2800176" y="4237487"/>
+            <a:ext cx="446742" cy="165359"/>
+          </a:xfrm>
+          <a:prstGeom prst="line">
+            <a:avLst/>
+          </a:prstGeom>
+          <a:ln w="57150"/>
+        </p:spPr>
+        <p:style>
+          <a:lnRef idx="1">
+            <a:schemeClr val="accent1"/>
+          </a:lnRef>
+          <a:fillRef idx="0">
+            <a:schemeClr val="accent1"/>
+          </a:fillRef>
+          <a:effectRef idx="0">
+            <a:schemeClr val="accent1"/>
+          </a:effectRef>
+          <a:fontRef idx="minor">
+            <a:schemeClr val="tx1"/>
+          </a:fontRef>
+        </p:style>
+      </p:cxnSp>
+      <p:sp>
+        <p:nvSpPr>
+          <p:cNvPr id="27" name="Ellipse 26"/>
+          <p:cNvSpPr/>
+          <p:nvPr/>
+        </p:nvSpPr>
+        <p:spPr>
+          <a:xfrm>
+            <a:off x="2554156" y="3510703"/>
+            <a:ext cx="513806" cy="513806"/>
+          </a:xfrm>
+          <a:prstGeom prst="ellipse">
+            <a:avLst/>
+          </a:prstGeom>
+        </p:spPr>
+        <p:style>
+          <a:lnRef idx="2">
+            <a:schemeClr val="accent1">
+              <a:shade val="50000"/>
+            </a:schemeClr>
+          </a:lnRef>
+          <a:fillRef idx="1">
+            <a:schemeClr val="accent1"/>
+          </a:fillRef>
+          <a:effectRef idx="0">
+            <a:schemeClr val="accent1"/>
+          </a:effectRef>
+          <a:fontRef idx="minor">
+            <a:schemeClr val="lt1"/>
+          </a:fontRef>
+        </p:style>
+        <p:txBody>
+          <a:bodyPr rtlCol="0" anchor="ctr"/>
+          <a:lstStyle/>
+          <a:p>
+            <a:pPr algn="ctr"/>
+            <a:endParaRPr lang="fr-CA"/>
+          </a:p>
+        </p:txBody>
+      </p:sp>
+      <p:cxnSp>
+        <p:nvCxnSpPr>
+          <p:cNvPr id="30" name="Connecteur droit 29"/>
+          <p:cNvCxnSpPr/>
+          <p:nvPr/>
+        </p:nvCxnSpPr>
+        <p:spPr>
+          <a:xfrm flipV="1">
+            <a:off x="3246918" y="4002790"/>
+            <a:ext cx="423453" cy="375759"/>
+          </a:xfrm>
+          <a:prstGeom prst="line">
+            <a:avLst/>
+          </a:prstGeom>
+          <a:ln w="57150"/>
+        </p:spPr>
+        <p:style>
+          <a:lnRef idx="1">
+            <a:schemeClr val="accent1"/>
+          </a:lnRef>
+          <a:fillRef idx="0">
+            <a:schemeClr val="accent1"/>
+          </a:fillRef>
+          <a:effectRef idx="0">
+            <a:schemeClr val="accent1"/>
+          </a:effectRef>
+          <a:fontRef idx="minor">
+            <a:schemeClr val="tx1"/>
+          </a:fontRef>
+        </p:style>
+      </p:cxnSp>
+      <p:cxnSp>
+        <p:nvCxnSpPr>
+          <p:cNvPr id="32" name="Connecteur droit 31"/>
+          <p:cNvCxnSpPr/>
+          <p:nvPr/>
+        </p:nvCxnSpPr>
+        <p:spPr>
+          <a:xfrm flipV="1">
+            <a:off x="5180562" y="5140370"/>
+            <a:ext cx="357052" cy="862148"/>
+          </a:xfrm>
+          <a:prstGeom prst="line">
+            <a:avLst/>
+          </a:prstGeom>
+          <a:ln w="57150"/>
+        </p:spPr>
+        <p:style>
+          <a:lnRef idx="1">
+            <a:schemeClr val="accent1"/>
+          </a:lnRef>
+          <a:fillRef idx="0">
+            <a:schemeClr val="accent1"/>
+          </a:fillRef>
+          <a:effectRef idx="0">
+            <a:schemeClr val="accent1"/>
+          </a:effectRef>
+          <a:fontRef idx="minor">
+            <a:schemeClr val="tx1"/>
+          </a:fontRef>
+        </p:style>
+      </p:cxnSp>
+      <p:cxnSp>
+        <p:nvCxnSpPr>
+          <p:cNvPr id="33" name="Connecteur droit 32"/>
+          <p:cNvCxnSpPr/>
+          <p:nvPr/>
+        </p:nvCxnSpPr>
+        <p:spPr>
+          <a:xfrm flipH="1" flipV="1">
+            <a:off x="5585512" y="5140370"/>
+            <a:ext cx="317862" cy="862148"/>
+          </a:xfrm>
+          <a:prstGeom prst="line">
+            <a:avLst/>
+          </a:prstGeom>
+          <a:ln w="57150"/>
+        </p:spPr>
+        <p:style>
+          <a:lnRef idx="1">
+            <a:schemeClr val="accent1"/>
+          </a:lnRef>
+          <a:fillRef idx="0">
+            <a:schemeClr val="accent1"/>
+          </a:fillRef>
+          <a:effectRef idx="0">
+            <a:schemeClr val="accent1"/>
+          </a:effectRef>
+          <a:fontRef idx="minor">
+            <a:schemeClr val="tx1"/>
+          </a:fontRef>
+        </p:style>
+      </p:cxnSp>
+      <p:cxnSp>
+        <p:nvCxnSpPr>
+          <p:cNvPr id="34" name="Connecteur droit 33"/>
+          <p:cNvCxnSpPr/>
+          <p:nvPr/>
+        </p:nvCxnSpPr>
+        <p:spPr>
+          <a:xfrm flipV="1">
+            <a:off x="5572449" y="4304347"/>
+            <a:ext cx="13063" cy="836023"/>
+          </a:xfrm>
+          <a:prstGeom prst="line">
+            <a:avLst/>
+          </a:prstGeom>
+          <a:ln w="57150"/>
+        </p:spPr>
+        <p:style>
+          <a:lnRef idx="1">
+            <a:schemeClr val="accent1"/>
+          </a:lnRef>
+          <a:fillRef idx="0">
+            <a:schemeClr val="accent1"/>
+          </a:fillRef>
+          <a:effectRef idx="0">
+            <a:schemeClr val="accent1"/>
+          </a:effectRef>
+          <a:fontRef idx="minor">
+            <a:schemeClr val="tx1"/>
+          </a:fontRef>
+        </p:style>
+      </p:cxnSp>
+      <p:cxnSp>
+        <p:nvCxnSpPr>
+          <p:cNvPr id="35" name="Connecteur droit 34"/>
+          <p:cNvCxnSpPr/>
+          <p:nvPr/>
+        </p:nvCxnSpPr>
+        <p:spPr>
+          <a:xfrm flipV="1">
+            <a:off x="5208489" y="4278223"/>
+            <a:ext cx="348720" cy="261810"/>
+          </a:xfrm>
+          <a:prstGeom prst="line">
+            <a:avLst/>
+          </a:prstGeom>
+          <a:ln w="57150"/>
+        </p:spPr>
+        <p:style>
+          <a:lnRef idx="1">
+            <a:schemeClr val="accent1"/>
+          </a:lnRef>
+          <a:fillRef idx="0">
+            <a:schemeClr val="accent1"/>
+          </a:fillRef>
+          <a:effectRef idx="0">
+            <a:schemeClr val="accent1"/>
+          </a:effectRef>
+          <a:fontRef idx="minor">
+            <a:schemeClr val="tx1"/>
+          </a:fontRef>
+        </p:style>
+      </p:cxnSp>
+      <p:cxnSp>
+        <p:nvCxnSpPr>
+          <p:cNvPr id="36" name="Connecteur droit 35"/>
+          <p:cNvCxnSpPr/>
+          <p:nvPr/>
+        </p:nvCxnSpPr>
+        <p:spPr>
+          <a:xfrm flipH="1" flipV="1">
+            <a:off x="5605110" y="4278225"/>
+            <a:ext cx="502447" cy="166796"/>
+          </a:xfrm>
+          <a:prstGeom prst="line">
+            <a:avLst/>
+          </a:prstGeom>
+          <a:ln w="57150"/>
+        </p:spPr>
+        <p:style>
+          <a:lnRef idx="1">
+            <a:schemeClr val="accent1"/>
+          </a:lnRef>
+          <a:fillRef idx="0">
+            <a:schemeClr val="accent1"/>
+          </a:fillRef>
+          <a:effectRef idx="0">
+            <a:schemeClr val="accent1"/>
+          </a:effectRef>
+          <a:fontRef idx="minor">
+            <a:schemeClr val="tx1"/>
+          </a:fontRef>
+        </p:style>
+      </p:cxnSp>
+      <p:sp>
+        <p:nvSpPr>
+          <p:cNvPr id="37" name="Ellipse 36"/>
+          <p:cNvSpPr/>
+          <p:nvPr/>
+        </p:nvSpPr>
+        <p:spPr>
+          <a:xfrm>
+            <a:off x="5359088" y="3551439"/>
+            <a:ext cx="513806" cy="513806"/>
+          </a:xfrm>
+          <a:prstGeom prst="ellipse">
+            <a:avLst/>
+          </a:prstGeom>
+        </p:spPr>
+        <p:style>
+          <a:lnRef idx="2">
+            <a:schemeClr val="accent1">
+              <a:shade val="50000"/>
+            </a:schemeClr>
+          </a:lnRef>
+          <a:fillRef idx="1">
+            <a:schemeClr val="accent1"/>
+          </a:fillRef>
+          <a:effectRef idx="0">
+            <a:schemeClr val="accent1"/>
+          </a:effectRef>
+          <a:fontRef idx="minor">
+            <a:schemeClr val="lt1"/>
+          </a:fontRef>
+        </p:style>
+        <p:txBody>
+          <a:bodyPr rtlCol="0" anchor="ctr"/>
+          <a:lstStyle/>
+          <a:p>
+            <a:pPr algn="ctr"/>
+            <a:endParaRPr lang="fr-CA"/>
+          </a:p>
+        </p:txBody>
+      </p:sp>
+      <p:cxnSp>
+        <p:nvCxnSpPr>
+          <p:cNvPr id="38" name="Connecteur droit 37"/>
+          <p:cNvCxnSpPr/>
+          <p:nvPr/>
+        </p:nvCxnSpPr>
+        <p:spPr>
+          <a:xfrm flipV="1">
+            <a:off x="6099751" y="4174316"/>
+            <a:ext cx="433934" cy="236693"/>
+          </a:xfrm>
+          <a:prstGeom prst="line">
+            <a:avLst/>
+          </a:prstGeom>
+          <a:ln w="57150"/>
+        </p:spPr>
+        <p:style>
+          <a:lnRef idx="1">
+            <a:schemeClr val="accent1"/>
+          </a:lnRef>
+          <a:fillRef idx="0">
+            <a:schemeClr val="accent1"/>
+          </a:fillRef>
+          <a:effectRef idx="0">
+            <a:schemeClr val="accent1"/>
+          </a:effectRef>
+          <a:fontRef idx="minor">
+            <a:schemeClr val="tx1"/>
+          </a:fontRef>
+        </p:style>
+      </p:cxnSp>
+      <p:sp>
+        <p:nvSpPr>
+          <p:cNvPr id="28" name="ZoneTexte 27"/>
+          <p:cNvSpPr txBox="1"/>
+          <p:nvPr/>
+        </p:nvSpPr>
+        <p:spPr>
+          <a:xfrm>
+            <a:off x="4549300" y="6421959"/>
+            <a:ext cx="2539478" cy="369332"/>
+          </a:xfrm>
+          <a:prstGeom prst="rect">
+            <a:avLst/>
+          </a:prstGeom>
+          <a:noFill/>
+        </p:spPr>
+        <p:txBody>
+          <a:bodyPr wrap="none" rtlCol="0">
+            <a:spAutoFit/>
+          </a:bodyPr>
+          <a:lstStyle/>
+          <a:p>
             <a:r>
               <a:rPr lang="en-CA" dirty="0" err="1" smtClean="0"/>
-              <a:t>Émission</a:t>
-            </a:r>
-            <a:r>
-              <a:rPr lang="en-CA" dirty="0" smtClean="0"/>
-              <a:t> des sons.</a:t>
-            </a:r>
-          </a:p>
-          <a:p>
-            <a:pPr lvl="1"/>
-            <a:r>
-              <a:rPr lang="en-CA" dirty="0" err="1" smtClean="0"/>
-              <a:t>Maintien</a:t>
+              <a:t>Choix</a:t>
             </a:r>
             <a:r>
               <a:rPr lang="en-CA" dirty="0" smtClean="0"/>
@@ -8331,102 +8223,414 @@
             </a:r>
             <a:r>
               <a:rPr lang="en-CA" dirty="0" err="1" smtClean="0"/>
-              <a:t>l’état</a:t>
-            </a:r>
-            <a:r>
-              <a:rPr lang="en-CA" dirty="0" smtClean="0"/>
-              <a:t> du </a:t>
-            </a:r>
-            <a:r>
-              <a:rPr lang="en-CA" dirty="0" err="1" smtClean="0"/>
-              <a:t>jeu</a:t>
-            </a:r>
-            <a:r>
-              <a:rPr lang="en-CA" dirty="0" smtClean="0"/>
-              <a:t>.</a:t>
-            </a:r>
-          </a:p>
-          <a:p>
-            <a:r>
-              <a:rPr lang="en-CA" b="1" dirty="0" err="1" smtClean="0"/>
-              <a:t>SensorLib</a:t>
-            </a:r>
-            <a:r>
-              <a:rPr lang="en-CA" b="1" dirty="0" smtClean="0"/>
-              <a:t> (C++)</a:t>
-            </a:r>
-          </a:p>
-          <a:p>
-            <a:pPr lvl="1"/>
-            <a:r>
-              <a:rPr lang="en-CA" dirty="0" smtClean="0"/>
-              <a:t>Interface avec les SDKs. </a:t>
-            </a:r>
-            <a:r>
-              <a:rPr lang="en-CA" dirty="0" err="1" smtClean="0"/>
-              <a:t>Permet</a:t>
-            </a:r>
-            <a:r>
-              <a:rPr lang="en-CA" dirty="0" smtClean="0"/>
-              <a:t> </a:t>
-            </a:r>
-            <a:r>
-              <a:rPr lang="en-CA" dirty="0" err="1" smtClean="0"/>
-              <a:t>d’enregistrer</a:t>
-            </a:r>
-            <a:r>
-              <a:rPr lang="en-CA" dirty="0" smtClean="0"/>
-              <a:t>/</a:t>
-            </a:r>
-            <a:r>
-              <a:rPr lang="en-CA" dirty="0" err="1" smtClean="0"/>
-              <a:t>rejouer</a:t>
-            </a:r>
-            <a:r>
-              <a:rPr lang="en-CA" dirty="0" smtClean="0"/>
-              <a:t>.</a:t>
-            </a:r>
-          </a:p>
-          <a:p>
-            <a:pPr lvl="1"/>
-            <a:r>
-              <a:rPr lang="en-CA" dirty="0" err="1" smtClean="0"/>
-              <a:t>Traitement</a:t>
-            </a:r>
-            <a:r>
-              <a:rPr lang="en-CA" dirty="0" smtClean="0"/>
-              <a:t> </a:t>
-            </a:r>
-            <a:r>
-              <a:rPr lang="en-CA" dirty="0" err="1" smtClean="0"/>
-              <a:t>d’image</a:t>
-            </a:r>
-            <a:r>
-              <a:rPr lang="en-CA" dirty="0" smtClean="0"/>
-              <a:t>, </a:t>
-            </a:r>
-            <a:r>
-              <a:rPr lang="en-CA" dirty="0" err="1" smtClean="0"/>
-              <a:t>stabilisateurs</a:t>
-            </a:r>
-            <a:r>
-              <a:rPr lang="en-CA" dirty="0"/>
-              <a:t>.</a:t>
+              <a:t>l’instrument</a:t>
             </a:r>
             <a:endParaRPr lang="fr-CA" dirty="0"/>
           </a:p>
         </p:txBody>
       </p:sp>
+      <p:cxnSp>
+        <p:nvCxnSpPr>
+          <p:cNvPr id="29" name="Connecteur droit 28"/>
+          <p:cNvCxnSpPr/>
+          <p:nvPr/>
+        </p:nvCxnSpPr>
+        <p:spPr>
+          <a:xfrm>
+            <a:off x="1920609" y="4555205"/>
+            <a:ext cx="347253" cy="95012"/>
+          </a:xfrm>
+          <a:prstGeom prst="line">
+            <a:avLst/>
+          </a:prstGeom>
+          <a:ln w="57150"/>
+        </p:spPr>
+        <p:style>
+          <a:lnRef idx="1">
+            <a:schemeClr val="accent1"/>
+          </a:lnRef>
+          <a:fillRef idx="0">
+            <a:schemeClr val="accent1"/>
+          </a:fillRef>
+          <a:effectRef idx="0">
+            <a:schemeClr val="accent1"/>
+          </a:effectRef>
+          <a:fontRef idx="minor">
+            <a:schemeClr val="tx1"/>
+          </a:fontRef>
+        </p:style>
+      </p:cxnSp>
+      <p:cxnSp>
+        <p:nvCxnSpPr>
+          <p:cNvPr id="40" name="Connecteur droit 39"/>
+          <p:cNvCxnSpPr/>
+          <p:nvPr/>
+        </p:nvCxnSpPr>
+        <p:spPr>
+          <a:xfrm>
+            <a:off x="5199779" y="4532359"/>
+            <a:ext cx="337835" cy="220652"/>
+          </a:xfrm>
+          <a:prstGeom prst="line">
+            <a:avLst/>
+          </a:prstGeom>
+          <a:ln w="57150"/>
+        </p:spPr>
+        <p:style>
+          <a:lnRef idx="1">
+            <a:schemeClr val="accent1"/>
+          </a:lnRef>
+          <a:fillRef idx="0">
+            <a:schemeClr val="accent1"/>
+          </a:fillRef>
+          <a:effectRef idx="0">
+            <a:schemeClr val="accent1"/>
+          </a:effectRef>
+          <a:fontRef idx="minor">
+            <a:schemeClr val="tx1"/>
+          </a:fontRef>
+        </p:style>
+      </p:cxnSp>
+      <p:cxnSp>
+        <p:nvCxnSpPr>
+          <p:cNvPr id="18" name="Connecteur droit avec flèche 17"/>
+          <p:cNvCxnSpPr/>
+          <p:nvPr/>
+        </p:nvCxnSpPr>
+        <p:spPr>
+          <a:xfrm flipH="1" flipV="1">
+            <a:off x="3458644" y="3551439"/>
+            <a:ext cx="120898" cy="314192"/>
+          </a:xfrm>
+          <a:prstGeom prst="straightConnector1">
+            <a:avLst/>
+          </a:prstGeom>
+          <a:ln>
+            <a:tailEnd type="triangle"/>
+          </a:ln>
+        </p:spPr>
+        <p:style>
+          <a:lnRef idx="1">
+            <a:schemeClr val="accent1"/>
+          </a:lnRef>
+          <a:fillRef idx="0">
+            <a:schemeClr val="accent1"/>
+          </a:fillRef>
+          <a:effectRef idx="0">
+            <a:schemeClr val="accent1"/>
+          </a:effectRef>
+          <a:fontRef idx="minor">
+            <a:schemeClr val="tx1"/>
+          </a:fontRef>
+        </p:style>
+      </p:cxnSp>
+      <p:cxnSp>
+        <p:nvCxnSpPr>
+          <p:cNvPr id="42" name="Connecteur droit avec flèche 41"/>
+          <p:cNvCxnSpPr/>
+          <p:nvPr/>
+        </p:nvCxnSpPr>
+        <p:spPr>
+          <a:xfrm>
+            <a:off x="3670319" y="4141837"/>
+            <a:ext cx="152182" cy="261009"/>
+          </a:xfrm>
+          <a:prstGeom prst="straightConnector1">
+            <a:avLst/>
+          </a:prstGeom>
+          <a:ln>
+            <a:tailEnd type="triangle"/>
+          </a:ln>
+        </p:spPr>
+        <p:style>
+          <a:lnRef idx="1">
+            <a:schemeClr val="accent1"/>
+          </a:lnRef>
+          <a:fillRef idx="0">
+            <a:schemeClr val="accent1"/>
+          </a:fillRef>
+          <a:effectRef idx="0">
+            <a:schemeClr val="accent1"/>
+          </a:effectRef>
+          <a:fontRef idx="minor">
+            <a:schemeClr val="tx1"/>
+          </a:fontRef>
+        </p:style>
+      </p:cxnSp>
+      <p:cxnSp>
+        <p:nvCxnSpPr>
+          <p:cNvPr id="45" name="Connecteur droit 44"/>
+          <p:cNvCxnSpPr/>
+          <p:nvPr/>
+        </p:nvCxnSpPr>
+        <p:spPr>
+          <a:xfrm flipV="1">
+            <a:off x="7919252" y="5216962"/>
+            <a:ext cx="357052" cy="862148"/>
+          </a:xfrm>
+          <a:prstGeom prst="line">
+            <a:avLst/>
+          </a:prstGeom>
+          <a:ln w="57150"/>
+        </p:spPr>
+        <p:style>
+          <a:lnRef idx="1">
+            <a:schemeClr val="accent1"/>
+          </a:lnRef>
+          <a:fillRef idx="0">
+            <a:schemeClr val="accent1"/>
+          </a:fillRef>
+          <a:effectRef idx="0">
+            <a:schemeClr val="accent1"/>
+          </a:effectRef>
+          <a:fontRef idx="minor">
+            <a:schemeClr val="tx1"/>
+          </a:fontRef>
+        </p:style>
+      </p:cxnSp>
+      <p:cxnSp>
+        <p:nvCxnSpPr>
+          <p:cNvPr id="46" name="Connecteur droit 45"/>
+          <p:cNvCxnSpPr/>
+          <p:nvPr/>
+        </p:nvCxnSpPr>
+        <p:spPr>
+          <a:xfrm flipH="1" flipV="1">
+            <a:off x="8324202" y="5216962"/>
+            <a:ext cx="317862" cy="862148"/>
+          </a:xfrm>
+          <a:prstGeom prst="line">
+            <a:avLst/>
+          </a:prstGeom>
+          <a:ln w="57150"/>
+        </p:spPr>
+        <p:style>
+          <a:lnRef idx="1">
+            <a:schemeClr val="accent1"/>
+          </a:lnRef>
+          <a:fillRef idx="0">
+            <a:schemeClr val="accent1"/>
+          </a:fillRef>
+          <a:effectRef idx="0">
+            <a:schemeClr val="accent1"/>
+          </a:effectRef>
+          <a:fontRef idx="minor">
+            <a:schemeClr val="tx1"/>
+          </a:fontRef>
+        </p:style>
+      </p:cxnSp>
+      <p:cxnSp>
+        <p:nvCxnSpPr>
+          <p:cNvPr id="47" name="Connecteur droit 46"/>
+          <p:cNvCxnSpPr/>
+          <p:nvPr/>
+        </p:nvCxnSpPr>
+        <p:spPr>
+          <a:xfrm flipV="1">
+            <a:off x="8311139" y="4380939"/>
+            <a:ext cx="13063" cy="836023"/>
+          </a:xfrm>
+          <a:prstGeom prst="line">
+            <a:avLst/>
+          </a:prstGeom>
+          <a:ln w="57150"/>
+        </p:spPr>
+        <p:style>
+          <a:lnRef idx="1">
+            <a:schemeClr val="accent1"/>
+          </a:lnRef>
+          <a:fillRef idx="0">
+            <a:schemeClr val="accent1"/>
+          </a:fillRef>
+          <a:effectRef idx="0">
+            <a:schemeClr val="accent1"/>
+          </a:effectRef>
+          <a:fontRef idx="minor">
+            <a:schemeClr val="tx1"/>
+          </a:fontRef>
+        </p:style>
+      </p:cxnSp>
+      <p:cxnSp>
+        <p:nvCxnSpPr>
+          <p:cNvPr id="48" name="Connecteur droit 47"/>
+          <p:cNvCxnSpPr/>
+          <p:nvPr/>
+        </p:nvCxnSpPr>
+        <p:spPr>
+          <a:xfrm flipV="1">
+            <a:off x="7947179" y="4354815"/>
+            <a:ext cx="348720" cy="261810"/>
+          </a:xfrm>
+          <a:prstGeom prst="line">
+            <a:avLst/>
+          </a:prstGeom>
+          <a:ln w="57150"/>
+        </p:spPr>
+        <p:style>
+          <a:lnRef idx="1">
+            <a:schemeClr val="accent1"/>
+          </a:lnRef>
+          <a:fillRef idx="0">
+            <a:schemeClr val="accent1"/>
+          </a:fillRef>
+          <a:effectRef idx="0">
+            <a:schemeClr val="accent1"/>
+          </a:effectRef>
+          <a:fontRef idx="minor">
+            <a:schemeClr val="tx1"/>
+          </a:fontRef>
+        </p:style>
+      </p:cxnSp>
+      <p:cxnSp>
+        <p:nvCxnSpPr>
+          <p:cNvPr id="49" name="Connecteur droit 48"/>
+          <p:cNvCxnSpPr/>
+          <p:nvPr/>
+        </p:nvCxnSpPr>
+        <p:spPr>
+          <a:xfrm flipH="1" flipV="1">
+            <a:off x="8343801" y="4354817"/>
+            <a:ext cx="409704" cy="177542"/>
+          </a:xfrm>
+          <a:prstGeom prst="line">
+            <a:avLst/>
+          </a:prstGeom>
+          <a:ln w="57150"/>
+        </p:spPr>
+        <p:style>
+          <a:lnRef idx="1">
+            <a:schemeClr val="accent1"/>
+          </a:lnRef>
+          <a:fillRef idx="0">
+            <a:schemeClr val="accent1"/>
+          </a:fillRef>
+          <a:effectRef idx="0">
+            <a:schemeClr val="accent1"/>
+          </a:effectRef>
+          <a:fontRef idx="minor">
+            <a:schemeClr val="tx1"/>
+          </a:fontRef>
+        </p:style>
+      </p:cxnSp>
+      <p:sp>
+        <p:nvSpPr>
+          <p:cNvPr id="50" name="Ellipse 49"/>
+          <p:cNvSpPr/>
+          <p:nvPr/>
+        </p:nvSpPr>
+        <p:spPr>
+          <a:xfrm>
+            <a:off x="8097778" y="3628031"/>
+            <a:ext cx="513806" cy="513806"/>
+          </a:xfrm>
+          <a:prstGeom prst="ellipse">
+            <a:avLst/>
+          </a:prstGeom>
+        </p:spPr>
+        <p:style>
+          <a:lnRef idx="2">
+            <a:schemeClr val="accent1">
+              <a:shade val="50000"/>
+            </a:schemeClr>
+          </a:lnRef>
+          <a:fillRef idx="1">
+            <a:schemeClr val="accent1"/>
+          </a:fillRef>
+          <a:effectRef idx="0">
+            <a:schemeClr val="accent1"/>
+          </a:effectRef>
+          <a:fontRef idx="minor">
+            <a:schemeClr val="lt1"/>
+          </a:fontRef>
+        </p:style>
+        <p:txBody>
+          <a:bodyPr rtlCol="0" anchor="ctr"/>
+          <a:lstStyle/>
+          <a:p>
+            <a:pPr algn="ctr"/>
+            <a:endParaRPr lang="fr-CA"/>
+          </a:p>
+        </p:txBody>
+      </p:sp>
+      <p:cxnSp>
+        <p:nvCxnSpPr>
+          <p:cNvPr id="51" name="Connecteur droit 50"/>
+          <p:cNvCxnSpPr/>
+          <p:nvPr/>
+        </p:nvCxnSpPr>
+        <p:spPr>
+          <a:xfrm flipH="1">
+            <a:off x="8583633" y="4526571"/>
+            <a:ext cx="169872" cy="342001"/>
+          </a:xfrm>
+          <a:prstGeom prst="line">
+            <a:avLst/>
+          </a:prstGeom>
+          <a:ln w="57150"/>
+        </p:spPr>
+        <p:style>
+          <a:lnRef idx="1">
+            <a:schemeClr val="accent1"/>
+          </a:lnRef>
+          <a:fillRef idx="0">
+            <a:schemeClr val="accent1"/>
+          </a:fillRef>
+          <a:effectRef idx="0">
+            <a:schemeClr val="accent1"/>
+          </a:effectRef>
+          <a:fontRef idx="minor">
+            <a:schemeClr val="tx1"/>
+          </a:fontRef>
+        </p:style>
+      </p:cxnSp>
+      <p:cxnSp>
+        <p:nvCxnSpPr>
+          <p:cNvPr id="52" name="Connecteur droit 51"/>
+          <p:cNvCxnSpPr/>
+          <p:nvPr/>
+        </p:nvCxnSpPr>
+        <p:spPr>
+          <a:xfrm flipH="1">
+            <a:off x="7899278" y="4608951"/>
+            <a:ext cx="39191" cy="220652"/>
+          </a:xfrm>
+          <a:prstGeom prst="line">
+            <a:avLst/>
+          </a:prstGeom>
+          <a:ln w="57150"/>
+        </p:spPr>
+        <p:style>
+          <a:lnRef idx="1">
+            <a:schemeClr val="accent1"/>
+          </a:lnRef>
+          <a:fillRef idx="0">
+            <a:schemeClr val="accent1"/>
+          </a:fillRef>
+          <a:effectRef idx="0">
+            <a:schemeClr val="accent1"/>
+          </a:effectRef>
+          <a:fontRef idx="minor">
+            <a:schemeClr val="tx1"/>
+          </a:fontRef>
+        </p:style>
+      </p:cxnSp>
     </p:spTree>
     <p:extLst>
       <p:ext uri="{BB962C8B-B14F-4D97-AF65-F5344CB8AC3E}">
-        <p14:creationId xmlns:p14="http://schemas.microsoft.com/office/powerpoint/2010/main" val="2647751057"/>
+        <p14:creationId xmlns:p14="http://schemas.microsoft.com/office/powerpoint/2010/main" val="2484835208"/>
       </p:ext>
     </p:extLst>
   </p:cSld>
   <p:clrMapOvr>
     <a:masterClrMapping/>
   </p:clrMapOvr>
+  <p:timing>
+    <p:tnLst>
+      <p:par>
+        <p:cTn id="1" dur="indefinite" restart="never" nodeType="tmRoot"/>
+      </p:par>
+    </p:tnLst>
+  </p:timing>
 </p:sld>
 </file>
 
@@ -8823,11 +9027,7 @@
             <a:pPr lvl="2"/>
             <a:r>
               <a:rPr lang="fr-FR" dirty="0" smtClean="0"/>
-              <a:t>Apprentissage facile et </a:t>
-            </a:r>
-            <a:r>
-              <a:rPr lang="fr-FR" dirty="0" smtClean="0"/>
-              <a:t>naturelle</a:t>
+              <a:t>Apprentissage facile et naturelle</a:t>
             </a:r>
           </a:p>
           <a:p>
@@ -8836,7 +9036,6 @@
               <a:rPr lang="fr-FR" dirty="0" smtClean="0"/>
               <a:t>Visuellement et auditivement accrocheur</a:t>
             </a:r>
-            <a:endParaRPr lang="fr-FR" dirty="0" smtClean="0"/>
           </a:p>
           <a:p>
             <a:endParaRPr lang="fr-FR" dirty="0" smtClean="0"/>
@@ -9756,7 +9955,7 @@
       </p:grpSpPr>
       <p:sp>
         <p:nvSpPr>
-          <p:cNvPr id="2" name="Title 1"/>
+          <p:cNvPr id="2" name="Titre 1"/>
           <p:cNvSpPr>
             <a:spLocks noGrp="1"/>
           </p:cNvSpPr>
@@ -9770,8 +9969,8 @@
           <a:lstStyle/>
           <a:p>
             <a:r>
-              <a:rPr lang="fr-CA" dirty="0" smtClean="0"/>
-              <a:t>Batterie et Guitare</a:t>
+              <a:rPr lang="en-CA" dirty="0" smtClean="0"/>
+              <a:t>Architecture</a:t>
             </a:r>
             <a:endParaRPr lang="fr-CA" dirty="0"/>
           </a:p>
@@ -9779,7 +9978,7 @@
       </p:sp>
       <p:sp>
         <p:nvSpPr>
-          <p:cNvPr id="3" name="Content Placeholder 2"/>
+          <p:cNvPr id="3" name="Espace réservé du contenu 2"/>
           <p:cNvSpPr>
             <a:spLocks noGrp="1"/>
           </p:cNvSpPr>
@@ -9793,68 +9992,145 @@
           <a:lstStyle/>
           <a:p>
             <a:r>
-              <a:rPr lang="fr-CA" dirty="0" smtClean="0"/>
-              <a:t>Utilisent les fonctionnalités de </a:t>
-            </a:r>
-            <a:r>
-              <a:rPr lang="fr-CA" b="1" dirty="0" err="1" smtClean="0"/>
-              <a:t>Skeleton.cs</a:t>
-            </a:r>
-            <a:endParaRPr lang="fr-CA" b="1" dirty="0" smtClean="0"/>
+              <a:rPr lang="en-CA" b="1" dirty="0" smtClean="0"/>
+              <a:t>Unity (C#)</a:t>
+            </a:r>
           </a:p>
           <a:p>
             <a:pPr lvl="1"/>
             <a:r>
-              <a:rPr lang="fr-CA" dirty="0" smtClean="0"/>
-              <a:t>Positions des articulations</a:t>
+              <a:rPr lang="en-CA" dirty="0" err="1" smtClean="0"/>
+              <a:t>Affichage</a:t>
+            </a:r>
+            <a:r>
+              <a:rPr lang="en-CA" dirty="0"/>
+              <a:t> </a:t>
+            </a:r>
+            <a:r>
+              <a:rPr lang="en-CA" dirty="0" smtClean="0"/>
+              <a:t>de </a:t>
+            </a:r>
+            <a:r>
+              <a:rPr lang="en-CA" dirty="0" err="1" smtClean="0"/>
+              <a:t>l’univers</a:t>
+            </a:r>
+            <a:r>
+              <a:rPr lang="en-CA" dirty="0" smtClean="0"/>
+              <a:t> </a:t>
+            </a:r>
+            <a:r>
+              <a:rPr lang="en-CA" dirty="0" err="1" smtClean="0"/>
+              <a:t>virtuel</a:t>
+            </a:r>
+            <a:r>
+              <a:rPr lang="en-CA" dirty="0" smtClean="0"/>
+              <a:t>.</a:t>
             </a:r>
           </a:p>
           <a:p>
             <a:pPr lvl="1"/>
             <a:r>
-              <a:rPr lang="fr-CA" dirty="0" smtClean="0"/>
-              <a:t>Rotation des articulations (os)</a:t>
+              <a:rPr lang="en-CA" dirty="0" err="1" smtClean="0"/>
+              <a:t>Émission</a:t>
+            </a:r>
+            <a:r>
+              <a:rPr lang="en-CA" dirty="0" smtClean="0"/>
+              <a:t> des sons.</a:t>
             </a:r>
           </a:p>
           <a:p>
             <a:pPr lvl="1"/>
             <a:r>
-              <a:rPr lang="fr-CA" dirty="0" smtClean="0"/>
-              <a:t>Rotation du visage (avec le </a:t>
-            </a:r>
-            <a:r>
-              <a:rPr lang="fr-CA" dirty="0" err="1" smtClean="0"/>
-              <a:t>FaceTracking</a:t>
-            </a:r>
-            <a:r>
-              <a:rPr lang="fr-CA" dirty="0" smtClean="0"/>
-              <a:t> de la Kinect)</a:t>
+              <a:rPr lang="en-CA" dirty="0" err="1" smtClean="0"/>
+              <a:t>Maintien</a:t>
+            </a:r>
+            <a:r>
+              <a:rPr lang="en-CA" dirty="0" smtClean="0"/>
+              <a:t> de </a:t>
+            </a:r>
+            <a:r>
+              <a:rPr lang="en-CA" dirty="0" err="1" smtClean="0"/>
+              <a:t>l’état</a:t>
+            </a:r>
+            <a:r>
+              <a:rPr lang="en-CA" dirty="0" smtClean="0"/>
+              <a:t> du </a:t>
+            </a:r>
+            <a:r>
+              <a:rPr lang="en-CA" dirty="0" err="1" smtClean="0"/>
+              <a:t>jeu</a:t>
+            </a:r>
+            <a:r>
+              <a:rPr lang="en-CA" dirty="0" smtClean="0"/>
+              <a:t>.</a:t>
+            </a:r>
+          </a:p>
+          <a:p>
+            <a:r>
+              <a:rPr lang="en-CA" b="1" dirty="0" err="1" smtClean="0"/>
+              <a:t>SensorLib</a:t>
+            </a:r>
+            <a:r>
+              <a:rPr lang="en-CA" b="1" dirty="0" smtClean="0"/>
+              <a:t> (C++)</a:t>
             </a:r>
           </a:p>
           <a:p>
             <a:pPr lvl="1"/>
             <a:r>
-              <a:rPr lang="fr-CA" dirty="0" smtClean="0"/>
-              <a:t>Positions et profondeurs des articulation dans l’image de profondeur</a:t>
+              <a:rPr lang="en-CA" dirty="0" smtClean="0"/>
+              <a:t>Interface avec les SDKs. </a:t>
+            </a:r>
+            <a:r>
+              <a:rPr lang="en-CA" dirty="0" err="1" smtClean="0"/>
+              <a:t>Permet</a:t>
+            </a:r>
+            <a:r>
+              <a:rPr lang="en-CA" dirty="0" smtClean="0"/>
+              <a:t> </a:t>
+            </a:r>
+            <a:r>
+              <a:rPr lang="en-CA" dirty="0" err="1" smtClean="0"/>
+              <a:t>d’enregistrer</a:t>
+            </a:r>
+            <a:r>
+              <a:rPr lang="en-CA" dirty="0" smtClean="0"/>
+              <a:t>/</a:t>
+            </a:r>
+            <a:r>
+              <a:rPr lang="en-CA" dirty="0" err="1" smtClean="0"/>
+              <a:t>rejouer</a:t>
+            </a:r>
+            <a:r>
+              <a:rPr lang="en-CA" dirty="0" smtClean="0"/>
+              <a:t>.</a:t>
             </a:r>
           </a:p>
           <a:p>
             <a:pPr lvl="1"/>
-            <a:endParaRPr lang="fr-CA" dirty="0"/>
-          </a:p>
-          <a:p>
-            <a:pPr lvl="1"/>
-            <a:r>
-              <a:rPr lang="fr-CA" dirty="0" err="1" smtClean="0"/>
-              <a:t>Skeleton</a:t>
-            </a:r>
-            <a:r>
-              <a:rPr lang="fr-CA" dirty="0" smtClean="0"/>
-              <a:t> utilise </a:t>
-            </a:r>
-            <a:r>
-              <a:rPr lang="fr-CA" dirty="0" err="1" smtClean="0"/>
-              <a:t>SensorLibInteropt.cs</a:t>
+            <a:r>
+              <a:rPr lang="en-CA" dirty="0" err="1" smtClean="0"/>
+              <a:t>Traitement</a:t>
+            </a:r>
+            <a:r>
+              <a:rPr lang="en-CA" dirty="0" smtClean="0"/>
+              <a:t> </a:t>
+            </a:r>
+            <a:r>
+              <a:rPr lang="en-CA" dirty="0" err="1" smtClean="0"/>
+              <a:t>d’image</a:t>
+            </a:r>
+            <a:r>
+              <a:rPr lang="en-CA" dirty="0" smtClean="0"/>
+              <a:t>, </a:t>
+            </a:r>
+            <a:r>
+              <a:rPr lang="en-CA" dirty="0" err="1" smtClean="0"/>
+              <a:t>stabilisateurs</a:t>
+            </a:r>
+            <a:r>
+              <a:rPr lang="en-CA" dirty="0"/>
+              <a:t>.</a:t>
             </a:r>
             <a:endParaRPr lang="fr-CA" dirty="0"/>
           </a:p>
@@ -9863,7 +10139,7 @@
     </p:spTree>
     <p:extLst>
       <p:ext uri="{BB962C8B-B14F-4D97-AF65-F5344CB8AC3E}">
-        <p14:creationId xmlns:p14="http://schemas.microsoft.com/office/powerpoint/2010/main" val="904351684"/>
+        <p14:creationId xmlns:p14="http://schemas.microsoft.com/office/powerpoint/2010/main" val="2647751057"/>
       </p:ext>
     </p:extLst>
   </p:cSld>
@@ -9900,512 +10176,115 @@
             <p:ph type="title"/>
           </p:nvPr>
         </p:nvSpPr>
-        <p:spPr>
-          <a:xfrm>
-            <a:off x="8494776" y="337560"/>
-            <a:ext cx="3176016" cy="1293028"/>
-          </a:xfrm>
-        </p:spPr>
+        <p:spPr/>
         <p:txBody>
           <a:bodyPr/>
           <a:lstStyle/>
           <a:p>
             <a:r>
               <a:rPr lang="fr-CA" dirty="0" smtClean="0"/>
-              <a:t>Batterie</a:t>
+              <a:t>Batterie et Guitare</a:t>
             </a:r>
             <a:endParaRPr lang="fr-CA" dirty="0"/>
           </a:p>
         </p:txBody>
       </p:sp>
-      <p:pic>
-        <p:nvPicPr>
-          <p:cNvPr id="4" name="Content Placeholder 3"/>
-          <p:cNvPicPr>
-            <a:picLocks noGrp="1" noChangeAspect="1"/>
-          </p:cNvPicPr>
+      <p:sp>
+        <p:nvSpPr>
+          <p:cNvPr id="3" name="Content Placeholder 2"/>
+          <p:cNvSpPr>
+            <a:spLocks noGrp="1"/>
+          </p:cNvSpPr>
           <p:nvPr>
             <p:ph idx="1"/>
           </p:nvPr>
-        </p:nvPicPr>
-        <p:blipFill>
-          <a:blip r:embed="rId2">
-            <a:extLst>
-              <a:ext uri="{28A0092B-C50C-407E-A947-70E740481C1C}">
-                <a14:useLocalDpi xmlns:a14="http://schemas.microsoft.com/office/drawing/2010/main" val="0"/>
-              </a:ext>
-            </a:extLst>
-          </a:blip>
-          <a:stretch>
-            <a:fillRect/>
-          </a:stretch>
-        </p:blipFill>
-        <p:spPr>
-          <a:xfrm>
-            <a:off x="3099594" y="2004863"/>
-            <a:ext cx="7745189" cy="4441975"/>
-          </a:xfrm>
-          <a:prstGeom prst="rect">
-            <a:avLst/>
-          </a:prstGeom>
-          <a:ln w="38100" cap="sq">
-            <a:solidFill>
-              <a:srgbClr val="000000"/>
-            </a:solidFill>
-            <a:prstDash val="solid"/>
-            <a:miter lim="800000"/>
-          </a:ln>
-          <a:effectLst>
-            <a:outerShdw blurRad="50800" dist="38100" dir="2700000" algn="tl" rotWithShape="0">
-              <a:srgbClr val="000000">
-                <a:alpha val="43000"/>
-              </a:srgbClr>
-            </a:outerShdw>
-          </a:effectLst>
-        </p:spPr>
-      </p:pic>
-      <p:sp>
-        <p:nvSpPr>
-          <p:cNvPr id="5" name="Rectangle 4"/>
-          <p:cNvSpPr/>
-          <p:nvPr/>
-        </p:nvSpPr>
-        <p:spPr>
-          <a:xfrm>
-            <a:off x="3099594" y="1591056"/>
-            <a:ext cx="1810512" cy="391331"/>
-          </a:xfrm>
-          <a:prstGeom prst="rect">
-            <a:avLst/>
-          </a:prstGeom>
-        </p:spPr>
-        <p:style>
-          <a:lnRef idx="2">
-            <a:schemeClr val="accent2">
-              <a:shade val="50000"/>
-            </a:schemeClr>
-          </a:lnRef>
-          <a:fillRef idx="1">
-            <a:schemeClr val="accent2"/>
-          </a:fillRef>
-          <a:effectRef idx="0">
-            <a:schemeClr val="accent2"/>
-          </a:effectRef>
-          <a:fontRef idx="minor">
-            <a:schemeClr val="lt1"/>
-          </a:fontRef>
-        </p:style>
-        <p:txBody>
-          <a:bodyPr rtlCol="0" anchor="ctr"/>
+        </p:nvSpPr>
+        <p:spPr/>
+        <p:txBody>
+          <a:bodyPr/>
           <a:lstStyle/>
           <a:p>
-            <a:pPr algn="ctr"/>
-            <a:r>
-              <a:rPr lang="fr-CA" dirty="0" err="1" smtClean="0">
-                <a:ln>
-                  <a:solidFill>
-                    <a:schemeClr val="bg1"/>
-                  </a:solidFill>
-                </a:ln>
-                <a:solidFill>
-                  <a:schemeClr val="bg1"/>
-                </a:solidFill>
-              </a:rPr>
-              <a:t>TipCollider.cs</a:t>
-            </a:r>
-            <a:endParaRPr lang="fr-CA" dirty="0">
-              <a:ln>
-                <a:solidFill>
-                  <a:schemeClr val="bg1"/>
-                </a:solidFill>
-              </a:ln>
-              <a:solidFill>
-                <a:schemeClr val="bg1"/>
-              </a:solidFill>
-            </a:endParaRPr>
-          </a:p>
-        </p:txBody>
-      </p:sp>
-      <p:cxnSp>
-        <p:nvCxnSpPr>
-          <p:cNvPr id="7" name="Straight Arrow Connector 6"/>
-          <p:cNvCxnSpPr/>
-          <p:nvPr/>
-        </p:nvCxnSpPr>
-        <p:spPr>
-          <a:xfrm>
-            <a:off x="4910106" y="1982387"/>
-            <a:ext cx="393414" cy="660229"/>
-          </a:xfrm>
-          <a:prstGeom prst="straightConnector1">
-            <a:avLst/>
-          </a:prstGeom>
-          <a:ln w="38100">
-            <a:tailEnd type="triangle"/>
-          </a:ln>
-        </p:spPr>
-        <p:style>
-          <a:lnRef idx="1">
-            <a:schemeClr val="accent1"/>
-          </a:lnRef>
-          <a:fillRef idx="0">
-            <a:schemeClr val="accent1"/>
-          </a:fillRef>
-          <a:effectRef idx="0">
-            <a:schemeClr val="accent1"/>
-          </a:effectRef>
-          <a:fontRef idx="minor">
-            <a:schemeClr val="tx1"/>
-          </a:fontRef>
-        </p:style>
-      </p:cxnSp>
-      <p:sp>
-        <p:nvSpPr>
-          <p:cNvPr id="12" name="Rectangle 11"/>
-          <p:cNvSpPr/>
-          <p:nvPr/>
-        </p:nvSpPr>
-        <p:spPr>
-          <a:xfrm>
-            <a:off x="6978396" y="1591056"/>
-            <a:ext cx="2482596" cy="413807"/>
-          </a:xfrm>
-          <a:prstGeom prst="rect">
-            <a:avLst/>
-          </a:prstGeom>
-        </p:spPr>
-        <p:style>
-          <a:lnRef idx="2">
-            <a:schemeClr val="accent5">
-              <a:shade val="50000"/>
-            </a:schemeClr>
-          </a:lnRef>
-          <a:fillRef idx="1">
-            <a:schemeClr val="accent5"/>
-          </a:fillRef>
-          <a:effectRef idx="0">
-            <a:schemeClr val="accent5"/>
-          </a:effectRef>
-          <a:fontRef idx="minor">
-            <a:schemeClr val="lt1"/>
-          </a:fontRef>
-        </p:style>
-        <p:txBody>
-          <a:bodyPr rtlCol="0" anchor="ctr"/>
-          <a:lstStyle/>
-          <a:p>
-            <a:pPr algn="ctr"/>
-            <a:r>
-              <a:rPr lang="fr-CA" dirty="0" err="1" smtClean="0">
-                <a:ln>
-                  <a:solidFill>
-                    <a:schemeClr val="bg1"/>
-                  </a:solidFill>
-                </a:ln>
-                <a:solidFill>
-                  <a:schemeClr val="bg1"/>
-                </a:solidFill>
-              </a:rPr>
-              <a:t>DrumComponent.cs</a:t>
-            </a:r>
-            <a:endParaRPr lang="fr-CA" dirty="0">
-              <a:ln>
-                <a:solidFill>
-                  <a:schemeClr val="bg1"/>
-                </a:solidFill>
-              </a:ln>
-              <a:solidFill>
-                <a:schemeClr val="bg1"/>
-              </a:solidFill>
-            </a:endParaRPr>
-          </a:p>
-        </p:txBody>
-      </p:sp>
-      <p:cxnSp>
-        <p:nvCxnSpPr>
-          <p:cNvPr id="14" name="Straight Arrow Connector 13"/>
-          <p:cNvCxnSpPr/>
-          <p:nvPr/>
-        </p:nvCxnSpPr>
-        <p:spPr>
-          <a:xfrm>
-            <a:off x="8327358" y="2004863"/>
-            <a:ext cx="135525" cy="3265176"/>
-          </a:xfrm>
-          <a:prstGeom prst="straightConnector1">
-            <a:avLst/>
-          </a:prstGeom>
-          <a:ln w="38100">
-            <a:tailEnd type="triangle"/>
-          </a:ln>
-        </p:spPr>
-        <p:style>
-          <a:lnRef idx="1">
-            <a:schemeClr val="accent6"/>
-          </a:lnRef>
-          <a:fillRef idx="0">
-            <a:schemeClr val="accent6"/>
-          </a:fillRef>
-          <a:effectRef idx="0">
-            <a:schemeClr val="accent6"/>
-          </a:effectRef>
-          <a:fontRef idx="minor">
-            <a:schemeClr val="tx1"/>
-          </a:fontRef>
-        </p:style>
-      </p:cxnSp>
-      <p:cxnSp>
-        <p:nvCxnSpPr>
-          <p:cNvPr id="16" name="Straight Arrow Connector 15"/>
-          <p:cNvCxnSpPr/>
-          <p:nvPr/>
-        </p:nvCxnSpPr>
-        <p:spPr>
-          <a:xfrm>
-            <a:off x="8462883" y="2004863"/>
-            <a:ext cx="1231281" cy="1826473"/>
-          </a:xfrm>
-          <a:prstGeom prst="straightConnector1">
-            <a:avLst/>
-          </a:prstGeom>
-          <a:ln w="38100">
-            <a:tailEnd type="triangle"/>
-          </a:ln>
-        </p:spPr>
-        <p:style>
-          <a:lnRef idx="1">
-            <a:schemeClr val="accent6"/>
-          </a:lnRef>
-          <a:fillRef idx="0">
-            <a:schemeClr val="accent6"/>
-          </a:fillRef>
-          <a:effectRef idx="0">
-            <a:schemeClr val="accent6"/>
-          </a:effectRef>
-          <a:fontRef idx="minor">
-            <a:schemeClr val="tx1"/>
-          </a:fontRef>
-        </p:style>
-      </p:cxnSp>
-      <p:cxnSp>
-        <p:nvCxnSpPr>
-          <p:cNvPr id="19" name="Straight Arrow Connector 18"/>
-          <p:cNvCxnSpPr/>
-          <p:nvPr/>
-        </p:nvCxnSpPr>
-        <p:spPr>
-          <a:xfrm flipH="1">
-            <a:off x="4828034" y="2004863"/>
-            <a:ext cx="3230172" cy="3287652"/>
-          </a:xfrm>
-          <a:prstGeom prst="straightConnector1">
-            <a:avLst/>
-          </a:prstGeom>
-          <a:ln w="38100">
-            <a:tailEnd type="triangle"/>
-          </a:ln>
-        </p:spPr>
-        <p:style>
-          <a:lnRef idx="1">
-            <a:schemeClr val="accent6"/>
-          </a:lnRef>
-          <a:fillRef idx="0">
-            <a:schemeClr val="accent6"/>
-          </a:fillRef>
-          <a:effectRef idx="0">
-            <a:schemeClr val="accent6"/>
-          </a:effectRef>
-          <a:fontRef idx="minor">
-            <a:schemeClr val="tx1"/>
-          </a:fontRef>
-        </p:style>
-      </p:cxnSp>
-      <p:cxnSp>
-        <p:nvCxnSpPr>
-          <p:cNvPr id="22" name="Straight Arrow Connector 21"/>
-          <p:cNvCxnSpPr>
-            <a:stCxn id="12" idx="2"/>
-          </p:cNvCxnSpPr>
-          <p:nvPr/>
-        </p:nvCxnSpPr>
-        <p:spPr>
-          <a:xfrm flipH="1">
-            <a:off x="6934036" y="2004863"/>
-            <a:ext cx="1285658" cy="3265176"/>
-          </a:xfrm>
-          <a:prstGeom prst="straightConnector1">
-            <a:avLst/>
-          </a:prstGeom>
-          <a:ln w="38100">
-            <a:tailEnd type="triangle"/>
-          </a:ln>
-        </p:spPr>
-        <p:style>
-          <a:lnRef idx="1">
-            <a:schemeClr val="accent6"/>
-          </a:lnRef>
-          <a:fillRef idx="0">
-            <a:schemeClr val="accent6"/>
-          </a:fillRef>
-          <a:effectRef idx="0">
-            <a:schemeClr val="accent6"/>
-          </a:effectRef>
-          <a:fontRef idx="minor">
-            <a:schemeClr val="tx1"/>
-          </a:fontRef>
-        </p:style>
-      </p:cxnSp>
-      <p:cxnSp>
-        <p:nvCxnSpPr>
-          <p:cNvPr id="10" name="Straight Arrow Connector 9"/>
-          <p:cNvCxnSpPr/>
-          <p:nvPr/>
-        </p:nvCxnSpPr>
-        <p:spPr>
-          <a:xfrm>
-            <a:off x="4910106" y="1982387"/>
-            <a:ext cx="3101970" cy="713861"/>
-          </a:xfrm>
-          <a:prstGeom prst="straightConnector1">
-            <a:avLst/>
-          </a:prstGeom>
-          <a:ln w="38100">
-            <a:tailEnd type="triangle"/>
-          </a:ln>
-        </p:spPr>
-        <p:style>
-          <a:lnRef idx="1">
-            <a:schemeClr val="accent1"/>
-          </a:lnRef>
-          <a:fillRef idx="0">
-            <a:schemeClr val="accent1"/>
-          </a:fillRef>
-          <a:effectRef idx="0">
-            <a:schemeClr val="accent1"/>
-          </a:effectRef>
-          <a:fontRef idx="minor">
-            <a:schemeClr val="tx1"/>
-          </a:fontRef>
-        </p:style>
-      </p:cxnSp>
-      <p:sp>
-        <p:nvSpPr>
-          <p:cNvPr id="37" name="TextBox 36"/>
-          <p:cNvSpPr txBox="1"/>
-          <p:nvPr/>
-        </p:nvSpPr>
-        <p:spPr>
-          <a:xfrm>
-            <a:off x="126492" y="1776263"/>
-            <a:ext cx="2973102" cy="3693319"/>
-          </a:xfrm>
-          <a:prstGeom prst="rect">
-            <a:avLst/>
-          </a:prstGeom>
-          <a:noFill/>
-        </p:spPr>
-        <p:txBody>
-          <a:bodyPr wrap="square" rtlCol="0">
-            <a:spAutoFit/>
-          </a:bodyPr>
-          <a:lstStyle/>
-          <a:p>
-            <a:pPr marL="285750" indent="-285750">
-              <a:buFont typeface="Arial" panose="020B0604020202020204" pitchFamily="34" charset="0"/>
-              <a:buChar char="•"/>
-            </a:pPr>
+            <a:endParaRPr lang="fr-CA" dirty="0" smtClean="0"/>
+          </a:p>
+          <a:p>
+            <a:endParaRPr lang="fr-CA" dirty="0"/>
+          </a:p>
+          <a:p>
             <a:r>
               <a:rPr lang="fr-CA" dirty="0" smtClean="0"/>
-              <a:t>Tags utilisés</a:t>
-            </a:r>
-          </a:p>
-          <a:p>
-            <a:pPr marL="742950" lvl="1" indent="-285750">
-              <a:buFont typeface="Arial" panose="020B0604020202020204" pitchFamily="34" charset="0"/>
-              <a:buChar char="•"/>
-            </a:pPr>
+              <a:t>Utilisent </a:t>
+            </a:r>
             <a:r>
               <a:rPr lang="fr-CA" dirty="0" smtClean="0"/>
-              <a:t>Tip</a:t>
-            </a:r>
-          </a:p>
-          <a:p>
-            <a:pPr marL="742950" lvl="1" indent="-285750">
-              <a:buFont typeface="Arial" panose="020B0604020202020204" pitchFamily="34" charset="0"/>
-              <a:buChar char="•"/>
-            </a:pPr>
+              <a:t>les fonctionnalités de </a:t>
+            </a:r>
+            <a:r>
+              <a:rPr lang="fr-CA" b="1" dirty="0" err="1" smtClean="0"/>
+              <a:t>Skeleton.cs</a:t>
+            </a:r>
+            <a:endParaRPr lang="fr-CA" b="1" dirty="0" smtClean="0"/>
+          </a:p>
+          <a:p>
+            <a:pPr lvl="1"/>
+            <a:r>
+              <a:rPr lang="fr-CA" dirty="0" smtClean="0"/>
+              <a:t>Positions des articulations</a:t>
+            </a:r>
+          </a:p>
+          <a:p>
+            <a:pPr lvl="1"/>
+            <a:r>
+              <a:rPr lang="fr-CA" dirty="0" smtClean="0"/>
+              <a:t>Rotation des articulations (os)</a:t>
+            </a:r>
+          </a:p>
+          <a:p>
+            <a:pPr lvl="1"/>
+            <a:r>
+              <a:rPr lang="fr-CA" dirty="0" smtClean="0"/>
+              <a:t>Rotation du visage (avec le </a:t>
+            </a:r>
             <a:r>
               <a:rPr lang="fr-CA" dirty="0" err="1" smtClean="0"/>
-              <a:t>DrumComponent</a:t>
+              <a:t>FaceTracking</a:t>
+            </a:r>
+            <a:r>
+              <a:rPr lang="fr-CA" dirty="0" smtClean="0"/>
+              <a:t> de la Kinect)</a:t>
+            </a:r>
+          </a:p>
+          <a:p>
+            <a:pPr lvl="1"/>
+            <a:r>
+              <a:rPr lang="fr-CA" dirty="0" smtClean="0"/>
+              <a:t>Positions et profondeurs des articulation dans l’image de profondeur</a:t>
+            </a:r>
+          </a:p>
+          <a:p>
+            <a:pPr lvl="1"/>
+            <a:endParaRPr lang="fr-CA" dirty="0"/>
+          </a:p>
+          <a:p>
+            <a:pPr lvl="1"/>
+            <a:r>
+              <a:rPr lang="fr-CA" dirty="0" err="1" smtClean="0"/>
+              <a:t>Skeleton</a:t>
+            </a:r>
+            <a:r>
+              <a:rPr lang="fr-CA" dirty="0" smtClean="0"/>
+              <a:t> utilise </a:t>
+            </a:r>
+            <a:r>
+              <a:rPr lang="fr-CA" dirty="0" err="1" smtClean="0"/>
+              <a:t>SensorLibInteropt.cs</a:t>
             </a:r>
             <a:endParaRPr lang="fr-CA" dirty="0" smtClean="0"/>
           </a:p>
           <a:p>
-            <a:pPr marL="285750" indent="-285750">
-              <a:buFont typeface="Arial" panose="020B0604020202020204" pitchFamily="34" charset="0"/>
-              <a:buChar char="•"/>
-            </a:pPr>
-            <a:endParaRPr lang="fr-CA" dirty="0"/>
-          </a:p>
-          <a:p>
-            <a:pPr marL="285750" indent="-285750">
-              <a:buFont typeface="Arial" panose="020B0604020202020204" pitchFamily="34" charset="0"/>
-              <a:buChar char="•"/>
-            </a:pPr>
+            <a:pPr lvl="1"/>
             <a:r>
               <a:rPr lang="fr-CA" dirty="0" smtClean="0"/>
-              <a:t>Prise en compte des genoux</a:t>
-            </a:r>
-          </a:p>
-          <a:p>
-            <a:endParaRPr lang="fr-CA" dirty="0"/>
-          </a:p>
-          <a:p>
-            <a:pPr marL="285750" indent="-285750">
-              <a:buFont typeface="Arial" panose="020B0604020202020204" pitchFamily="34" charset="0"/>
-              <a:buChar char="•"/>
-            </a:pPr>
-            <a:r>
-              <a:rPr lang="fr-CA" dirty="0" err="1" smtClean="0"/>
-              <a:t>HiHatComponent</a:t>
-            </a:r>
-            <a:endParaRPr lang="fr-CA" dirty="0" smtClean="0"/>
-          </a:p>
-          <a:p>
-            <a:pPr marL="742950" lvl="1" indent="-285750">
-              <a:buFont typeface="Arial" panose="020B0604020202020204" pitchFamily="34" charset="0"/>
-              <a:buChar char="•"/>
-            </a:pPr>
-            <a:r>
-              <a:rPr lang="fr-CA" dirty="0" smtClean="0"/>
-              <a:t>2 états</a:t>
-            </a:r>
-          </a:p>
-          <a:p>
-            <a:pPr marL="742950" lvl="1" indent="-285750">
-              <a:buFont typeface="Arial" panose="020B0604020202020204" pitchFamily="34" charset="0"/>
-              <a:buChar char="•"/>
-            </a:pPr>
-            <a:r>
-              <a:rPr lang="fr-CA" dirty="0" smtClean="0"/>
-              <a:t>2 sources audio</a:t>
-            </a:r>
-          </a:p>
-          <a:p>
-            <a:pPr marL="742950" lvl="1" indent="-285750">
-              <a:buFont typeface="Arial" panose="020B0604020202020204" pitchFamily="34" charset="0"/>
-              <a:buChar char="•"/>
-            </a:pPr>
-            <a:endParaRPr lang="fr-CA" dirty="0"/>
-          </a:p>
-          <a:p>
-            <a:pPr marL="285750" indent="-285750">
-              <a:buFont typeface="Arial" panose="020B0604020202020204" pitchFamily="34" charset="0"/>
-              <a:buChar char="•"/>
-            </a:pPr>
-            <a:r>
-              <a:rPr lang="fr-CA" dirty="0" smtClean="0"/>
-              <a:t>Détection de squelette valide</a:t>
+              <a:t>Fait les appels à SensorLib.dll</a:t>
             </a:r>
             <a:endParaRPr lang="fr-CA" dirty="0"/>
           </a:p>
@@ -10414,7 +10293,7 @@
     </p:spTree>
     <p:extLst>
       <p:ext uri="{BB962C8B-B14F-4D97-AF65-F5344CB8AC3E}">
-        <p14:creationId xmlns:p14="http://schemas.microsoft.com/office/powerpoint/2010/main" val="1030211263"/>
+        <p14:creationId xmlns:p14="http://schemas.microsoft.com/office/powerpoint/2010/main" val="904351684"/>
       </p:ext>
     </p:extLst>
   </p:cSld>
@@ -10451,14 +10330,19 @@
             <p:ph type="title"/>
           </p:nvPr>
         </p:nvSpPr>
-        <p:spPr/>
+        <p:spPr>
+          <a:xfrm>
+            <a:off x="8494776" y="337560"/>
+            <a:ext cx="3176016" cy="1293028"/>
+          </a:xfrm>
+        </p:spPr>
         <p:txBody>
           <a:bodyPr/>
           <a:lstStyle/>
           <a:p>
             <a:r>
               <a:rPr lang="fr-CA" dirty="0" smtClean="0"/>
-              <a:t>Guitare</a:t>
+              <a:t>Batterie</a:t>
             </a:r>
             <a:endParaRPr lang="fr-CA" dirty="0"/>
           </a:p>
@@ -10466,7 +10350,7 @@
       </p:sp>
       <p:pic>
         <p:nvPicPr>
-          <p:cNvPr id="6" name="Content Placeholder 5"/>
+          <p:cNvPr id="4" name="Content Placeholder 3"/>
           <p:cNvPicPr>
             <a:picLocks noGrp="1" noChangeAspect="1"/>
           </p:cNvPicPr>
@@ -10488,21 +10372,362 @@
         </p:blipFill>
         <p:spPr>
           <a:xfrm>
-            <a:off x="4654045" y="2057401"/>
-            <a:ext cx="5093710" cy="4024313"/>
-          </a:xfrm>
+            <a:off x="3099594" y="2004863"/>
+            <a:ext cx="7745189" cy="4441975"/>
+          </a:xfrm>
+          <a:prstGeom prst="rect">
+            <a:avLst/>
+          </a:prstGeom>
+          <a:ln w="38100" cap="sq">
+            <a:solidFill>
+              <a:srgbClr val="000000"/>
+            </a:solidFill>
+            <a:prstDash val="solid"/>
+            <a:miter lim="800000"/>
+          </a:ln>
+          <a:effectLst>
+            <a:outerShdw blurRad="50800" dist="38100" dir="2700000" algn="tl" rotWithShape="0">
+              <a:srgbClr val="000000">
+                <a:alpha val="43000"/>
+              </a:srgbClr>
+            </a:outerShdw>
+          </a:effectLst>
         </p:spPr>
       </p:pic>
       <p:sp>
         <p:nvSpPr>
-          <p:cNvPr id="8" name="TextBox 7"/>
+          <p:cNvPr id="5" name="Rectangle 4"/>
+          <p:cNvSpPr/>
+          <p:nvPr/>
+        </p:nvSpPr>
+        <p:spPr>
+          <a:xfrm>
+            <a:off x="3099594" y="1591056"/>
+            <a:ext cx="1810512" cy="391331"/>
+          </a:xfrm>
+          <a:prstGeom prst="rect">
+            <a:avLst/>
+          </a:prstGeom>
+        </p:spPr>
+        <p:style>
+          <a:lnRef idx="2">
+            <a:schemeClr val="accent2">
+              <a:shade val="50000"/>
+            </a:schemeClr>
+          </a:lnRef>
+          <a:fillRef idx="1">
+            <a:schemeClr val="accent2"/>
+          </a:fillRef>
+          <a:effectRef idx="0">
+            <a:schemeClr val="accent2"/>
+          </a:effectRef>
+          <a:fontRef idx="minor">
+            <a:schemeClr val="lt1"/>
+          </a:fontRef>
+        </p:style>
+        <p:txBody>
+          <a:bodyPr rtlCol="0" anchor="ctr"/>
+          <a:lstStyle/>
+          <a:p>
+            <a:pPr algn="ctr"/>
+            <a:r>
+              <a:rPr lang="fr-CA" dirty="0" err="1" smtClean="0">
+                <a:ln>
+                  <a:solidFill>
+                    <a:schemeClr val="bg1"/>
+                  </a:solidFill>
+                </a:ln>
+                <a:solidFill>
+                  <a:schemeClr val="bg1"/>
+                </a:solidFill>
+              </a:rPr>
+              <a:t>TipCollider.cs</a:t>
+            </a:r>
+            <a:endParaRPr lang="fr-CA" dirty="0">
+              <a:ln>
+                <a:solidFill>
+                  <a:schemeClr val="bg1"/>
+                </a:solidFill>
+              </a:ln>
+              <a:solidFill>
+                <a:schemeClr val="bg1"/>
+              </a:solidFill>
+            </a:endParaRPr>
+          </a:p>
+        </p:txBody>
+      </p:sp>
+      <p:cxnSp>
+        <p:nvCxnSpPr>
+          <p:cNvPr id="7" name="Straight Arrow Connector 6"/>
+          <p:cNvCxnSpPr/>
+          <p:nvPr/>
+        </p:nvCxnSpPr>
+        <p:spPr>
+          <a:xfrm>
+            <a:off x="4910106" y="1982387"/>
+            <a:ext cx="393414" cy="660229"/>
+          </a:xfrm>
+          <a:prstGeom prst="straightConnector1">
+            <a:avLst/>
+          </a:prstGeom>
+          <a:ln w="38100">
+            <a:tailEnd type="triangle"/>
+          </a:ln>
+        </p:spPr>
+        <p:style>
+          <a:lnRef idx="1">
+            <a:schemeClr val="accent1"/>
+          </a:lnRef>
+          <a:fillRef idx="0">
+            <a:schemeClr val="accent1"/>
+          </a:fillRef>
+          <a:effectRef idx="0">
+            <a:schemeClr val="accent1"/>
+          </a:effectRef>
+          <a:fontRef idx="minor">
+            <a:schemeClr val="tx1"/>
+          </a:fontRef>
+        </p:style>
+      </p:cxnSp>
+      <p:sp>
+        <p:nvSpPr>
+          <p:cNvPr id="12" name="Rectangle 11"/>
+          <p:cNvSpPr/>
+          <p:nvPr/>
+        </p:nvSpPr>
+        <p:spPr>
+          <a:xfrm>
+            <a:off x="6978396" y="1591056"/>
+            <a:ext cx="2482596" cy="413807"/>
+          </a:xfrm>
+          <a:prstGeom prst="rect">
+            <a:avLst/>
+          </a:prstGeom>
+        </p:spPr>
+        <p:style>
+          <a:lnRef idx="2">
+            <a:schemeClr val="accent5">
+              <a:shade val="50000"/>
+            </a:schemeClr>
+          </a:lnRef>
+          <a:fillRef idx="1">
+            <a:schemeClr val="accent5"/>
+          </a:fillRef>
+          <a:effectRef idx="0">
+            <a:schemeClr val="accent5"/>
+          </a:effectRef>
+          <a:fontRef idx="minor">
+            <a:schemeClr val="lt1"/>
+          </a:fontRef>
+        </p:style>
+        <p:txBody>
+          <a:bodyPr rtlCol="0" anchor="ctr"/>
+          <a:lstStyle/>
+          <a:p>
+            <a:pPr algn="ctr"/>
+            <a:r>
+              <a:rPr lang="fr-CA" dirty="0" err="1" smtClean="0">
+                <a:ln>
+                  <a:solidFill>
+                    <a:schemeClr val="bg1"/>
+                  </a:solidFill>
+                </a:ln>
+                <a:solidFill>
+                  <a:schemeClr val="bg1"/>
+                </a:solidFill>
+              </a:rPr>
+              <a:t>DrumComponent.cs</a:t>
+            </a:r>
+            <a:endParaRPr lang="fr-CA" dirty="0">
+              <a:ln>
+                <a:solidFill>
+                  <a:schemeClr val="bg1"/>
+                </a:solidFill>
+              </a:ln>
+              <a:solidFill>
+                <a:schemeClr val="bg1"/>
+              </a:solidFill>
+            </a:endParaRPr>
+          </a:p>
+        </p:txBody>
+      </p:sp>
+      <p:cxnSp>
+        <p:nvCxnSpPr>
+          <p:cNvPr id="14" name="Straight Arrow Connector 13"/>
+          <p:cNvCxnSpPr/>
+          <p:nvPr/>
+        </p:nvCxnSpPr>
+        <p:spPr>
+          <a:xfrm>
+            <a:off x="8327358" y="2004863"/>
+            <a:ext cx="135525" cy="3265176"/>
+          </a:xfrm>
+          <a:prstGeom prst="straightConnector1">
+            <a:avLst/>
+          </a:prstGeom>
+          <a:ln w="38100">
+            <a:tailEnd type="triangle"/>
+          </a:ln>
+        </p:spPr>
+        <p:style>
+          <a:lnRef idx="1">
+            <a:schemeClr val="accent6"/>
+          </a:lnRef>
+          <a:fillRef idx="0">
+            <a:schemeClr val="accent6"/>
+          </a:fillRef>
+          <a:effectRef idx="0">
+            <a:schemeClr val="accent6"/>
+          </a:effectRef>
+          <a:fontRef idx="minor">
+            <a:schemeClr val="tx1"/>
+          </a:fontRef>
+        </p:style>
+      </p:cxnSp>
+      <p:cxnSp>
+        <p:nvCxnSpPr>
+          <p:cNvPr id="16" name="Straight Arrow Connector 15"/>
+          <p:cNvCxnSpPr/>
+          <p:nvPr/>
+        </p:nvCxnSpPr>
+        <p:spPr>
+          <a:xfrm>
+            <a:off x="8462883" y="2004863"/>
+            <a:ext cx="1231281" cy="1826473"/>
+          </a:xfrm>
+          <a:prstGeom prst="straightConnector1">
+            <a:avLst/>
+          </a:prstGeom>
+          <a:ln w="38100">
+            <a:tailEnd type="triangle"/>
+          </a:ln>
+        </p:spPr>
+        <p:style>
+          <a:lnRef idx="1">
+            <a:schemeClr val="accent6"/>
+          </a:lnRef>
+          <a:fillRef idx="0">
+            <a:schemeClr val="accent6"/>
+          </a:fillRef>
+          <a:effectRef idx="0">
+            <a:schemeClr val="accent6"/>
+          </a:effectRef>
+          <a:fontRef idx="minor">
+            <a:schemeClr val="tx1"/>
+          </a:fontRef>
+        </p:style>
+      </p:cxnSp>
+      <p:cxnSp>
+        <p:nvCxnSpPr>
+          <p:cNvPr id="19" name="Straight Arrow Connector 18"/>
+          <p:cNvCxnSpPr/>
+          <p:nvPr/>
+        </p:nvCxnSpPr>
+        <p:spPr>
+          <a:xfrm flipH="1">
+            <a:off x="4828034" y="2004863"/>
+            <a:ext cx="3230172" cy="3287652"/>
+          </a:xfrm>
+          <a:prstGeom prst="straightConnector1">
+            <a:avLst/>
+          </a:prstGeom>
+          <a:ln w="38100">
+            <a:tailEnd type="triangle"/>
+          </a:ln>
+        </p:spPr>
+        <p:style>
+          <a:lnRef idx="1">
+            <a:schemeClr val="accent6"/>
+          </a:lnRef>
+          <a:fillRef idx="0">
+            <a:schemeClr val="accent6"/>
+          </a:fillRef>
+          <a:effectRef idx="0">
+            <a:schemeClr val="accent6"/>
+          </a:effectRef>
+          <a:fontRef idx="minor">
+            <a:schemeClr val="tx1"/>
+          </a:fontRef>
+        </p:style>
+      </p:cxnSp>
+      <p:cxnSp>
+        <p:nvCxnSpPr>
+          <p:cNvPr id="22" name="Straight Arrow Connector 21"/>
+          <p:cNvCxnSpPr>
+            <a:stCxn id="12" idx="2"/>
+          </p:cNvCxnSpPr>
+          <p:nvPr/>
+        </p:nvCxnSpPr>
+        <p:spPr>
+          <a:xfrm flipH="1">
+            <a:off x="6934036" y="2004863"/>
+            <a:ext cx="1285658" cy="3265176"/>
+          </a:xfrm>
+          <a:prstGeom prst="straightConnector1">
+            <a:avLst/>
+          </a:prstGeom>
+          <a:ln w="38100">
+            <a:tailEnd type="triangle"/>
+          </a:ln>
+        </p:spPr>
+        <p:style>
+          <a:lnRef idx="1">
+            <a:schemeClr val="accent6"/>
+          </a:lnRef>
+          <a:fillRef idx="0">
+            <a:schemeClr val="accent6"/>
+          </a:fillRef>
+          <a:effectRef idx="0">
+            <a:schemeClr val="accent6"/>
+          </a:effectRef>
+          <a:fontRef idx="minor">
+            <a:schemeClr val="tx1"/>
+          </a:fontRef>
+        </p:style>
+      </p:cxnSp>
+      <p:cxnSp>
+        <p:nvCxnSpPr>
+          <p:cNvPr id="10" name="Straight Arrow Connector 9"/>
+          <p:cNvCxnSpPr/>
+          <p:nvPr/>
+        </p:nvCxnSpPr>
+        <p:spPr>
+          <a:xfrm>
+            <a:off x="4910106" y="1982387"/>
+            <a:ext cx="3101970" cy="713861"/>
+          </a:xfrm>
+          <a:prstGeom prst="straightConnector1">
+            <a:avLst/>
+          </a:prstGeom>
+          <a:ln w="38100">
+            <a:tailEnd type="triangle"/>
+          </a:ln>
+        </p:spPr>
+        <p:style>
+          <a:lnRef idx="1">
+            <a:schemeClr val="accent1"/>
+          </a:lnRef>
+          <a:fillRef idx="0">
+            <a:schemeClr val="accent1"/>
+          </a:fillRef>
+          <a:effectRef idx="0">
+            <a:schemeClr val="accent1"/>
+          </a:effectRef>
+          <a:fontRef idx="minor">
+            <a:schemeClr val="tx1"/>
+          </a:fontRef>
+        </p:style>
+      </p:cxnSp>
+      <p:sp>
+        <p:nvSpPr>
+          <p:cNvPr id="37" name="TextBox 36"/>
           <p:cNvSpPr txBox="1"/>
           <p:nvPr/>
         </p:nvSpPr>
         <p:spPr>
           <a:xfrm>
-            <a:off x="126492" y="2057401"/>
-            <a:ext cx="4079748" cy="4247317"/>
+            <a:off x="126492" y="1776263"/>
+            <a:ext cx="2973102" cy="3693319"/>
           </a:xfrm>
           <a:prstGeom prst="rect">
             <a:avLst/>
@@ -10530,10 +10755,9 @@
               <a:buChar char="•"/>
             </a:pPr>
             <a:r>
-              <a:rPr lang="fr-CA" dirty="0" err="1" smtClean="0"/>
-              <a:t>PlayHand</a:t>
-            </a:r>
-            <a:endParaRPr lang="fr-CA" dirty="0" smtClean="0"/>
+              <a:rPr lang="fr-CA" dirty="0" smtClean="0"/>
+              <a:t>Tip</a:t>
+            </a:r>
           </a:p>
           <a:p>
             <a:pPr marL="742950" lvl="1" indent="-285750">
@@ -10542,7 +10766,7 @@
             </a:pPr>
             <a:r>
               <a:rPr lang="fr-CA" dirty="0" err="1" smtClean="0"/>
-              <a:t>GuitarComponent</a:t>
+              <a:t>DrumComponent</a:t>
             </a:r>
             <a:endParaRPr lang="fr-CA" dirty="0" smtClean="0"/>
           </a:p>
@@ -10560,13 +10784,214 @@
             </a:pPr>
             <a:r>
               <a:rPr lang="fr-CA" dirty="0" smtClean="0"/>
-              <a:t>Prise en compte de la position de la </a:t>
-            </a:r>
+              <a:t>Prise en compte des genoux</a:t>
+            </a:r>
+          </a:p>
+          <a:p>
+            <a:endParaRPr lang="fr-CA" dirty="0"/>
+          </a:p>
+          <a:p>
+            <a:pPr marL="285750" indent="-285750">
+              <a:buFont typeface="Arial" panose="020B0604020202020204" pitchFamily="34" charset="0"/>
+              <a:buChar char="•"/>
+            </a:pPr>
+            <a:r>
+              <a:rPr lang="fr-CA" dirty="0" err="1" smtClean="0"/>
+              <a:t>HiHatComponent</a:t>
+            </a:r>
+            <a:endParaRPr lang="fr-CA" dirty="0" smtClean="0"/>
+          </a:p>
+          <a:p>
+            <a:pPr marL="742950" lvl="1" indent="-285750">
+              <a:buFont typeface="Arial" panose="020B0604020202020204" pitchFamily="34" charset="0"/>
+              <a:buChar char="•"/>
+            </a:pPr>
             <a:r>
               <a:rPr lang="fr-CA" dirty="0" smtClean="0"/>
-              <a:t>main gauche</a:t>
+              <a:t>2 états</a:t>
+            </a:r>
+          </a:p>
+          <a:p>
+            <a:pPr marL="742950" lvl="1" indent="-285750">
+              <a:buFont typeface="Arial" panose="020B0604020202020204" pitchFamily="34" charset="0"/>
+              <a:buChar char="•"/>
+            </a:pPr>
+            <a:r>
+              <a:rPr lang="fr-CA" dirty="0" smtClean="0"/>
+              <a:t>2 sources audio</a:t>
+            </a:r>
+          </a:p>
+          <a:p>
+            <a:pPr marL="742950" lvl="1" indent="-285750">
+              <a:buFont typeface="Arial" panose="020B0604020202020204" pitchFamily="34" charset="0"/>
+              <a:buChar char="•"/>
+            </a:pPr>
+            <a:endParaRPr lang="fr-CA" dirty="0"/>
+          </a:p>
+          <a:p>
+            <a:pPr marL="285750" indent="-285750">
+              <a:buFont typeface="Arial" panose="020B0604020202020204" pitchFamily="34" charset="0"/>
+              <a:buChar char="•"/>
+            </a:pPr>
+            <a:r>
+              <a:rPr lang="fr-CA" dirty="0" smtClean="0"/>
+              <a:t>Détection de squelette valide</a:t>
+            </a:r>
+            <a:endParaRPr lang="fr-CA" dirty="0"/>
+          </a:p>
+        </p:txBody>
+      </p:sp>
+    </p:spTree>
+    <p:extLst>
+      <p:ext uri="{BB962C8B-B14F-4D97-AF65-F5344CB8AC3E}">
+        <p14:creationId xmlns:p14="http://schemas.microsoft.com/office/powerpoint/2010/main" val="1030211263"/>
+      </p:ext>
+    </p:extLst>
+  </p:cSld>
+  <p:clrMapOvr>
+    <a:masterClrMapping/>
+  </p:clrMapOvr>
+</p:sld>
+</file>
+
+<file path=ppt/slides/slide8.xml><?xml version="1.0" encoding="utf-8"?>
+<p:sld xmlns:a="http://schemas.openxmlformats.org/drawingml/2006/main" xmlns:r="http://schemas.openxmlformats.org/officeDocument/2006/relationships" xmlns:p="http://schemas.openxmlformats.org/presentationml/2006/main">
+  <p:cSld>
+    <p:spTree>
+      <p:nvGrpSpPr>
+        <p:cNvPr id="1" name=""/>
+        <p:cNvGrpSpPr/>
+        <p:nvPr/>
+      </p:nvGrpSpPr>
+      <p:grpSpPr>
+        <a:xfrm>
+          <a:off x="0" y="0"/>
+          <a:ext cx="0" cy="0"/>
+          <a:chOff x="0" y="0"/>
+          <a:chExt cx="0" cy="0"/>
+        </a:xfrm>
+      </p:grpSpPr>
+      <p:sp>
+        <p:nvSpPr>
+          <p:cNvPr id="2" name="Title 1"/>
+          <p:cNvSpPr>
+            <a:spLocks noGrp="1"/>
+          </p:cNvSpPr>
+          <p:nvPr>
+            <p:ph type="title"/>
+          </p:nvPr>
+        </p:nvSpPr>
+        <p:spPr/>
+        <p:txBody>
+          <a:bodyPr/>
+          <a:lstStyle/>
+          <a:p>
+            <a:r>
+              <a:rPr lang="fr-CA" dirty="0" smtClean="0"/>
+              <a:t>Guitare</a:t>
+            </a:r>
+            <a:endParaRPr lang="fr-CA" dirty="0"/>
+          </a:p>
+        </p:txBody>
+      </p:sp>
+      <p:pic>
+        <p:nvPicPr>
+          <p:cNvPr id="6" name="Content Placeholder 5"/>
+          <p:cNvPicPr>
+            <a:picLocks noGrp="1" noChangeAspect="1"/>
+          </p:cNvPicPr>
+          <p:nvPr>
+            <p:ph idx="1"/>
+          </p:nvPr>
+        </p:nvPicPr>
+        <p:blipFill>
+          <a:blip r:embed="rId2">
+            <a:extLst>
+              <a:ext uri="{28A0092B-C50C-407E-A947-70E740481C1C}">
+                <a14:useLocalDpi xmlns:a14="http://schemas.microsoft.com/office/drawing/2010/main" val="0"/>
+              </a:ext>
+            </a:extLst>
+          </a:blip>
+          <a:stretch>
+            <a:fillRect/>
+          </a:stretch>
+        </p:blipFill>
+        <p:spPr>
+          <a:xfrm>
+            <a:off x="4654045" y="2057401"/>
+            <a:ext cx="5093710" cy="4024313"/>
+          </a:xfrm>
+        </p:spPr>
+      </p:pic>
+      <p:sp>
+        <p:nvSpPr>
+          <p:cNvPr id="8" name="TextBox 7"/>
+          <p:cNvSpPr txBox="1"/>
+          <p:nvPr/>
+        </p:nvSpPr>
+        <p:spPr>
+          <a:xfrm>
+            <a:off x="126492" y="2057401"/>
+            <a:ext cx="4079748" cy="4247317"/>
+          </a:xfrm>
+          <a:prstGeom prst="rect">
+            <a:avLst/>
+          </a:prstGeom>
+          <a:noFill/>
+        </p:spPr>
+        <p:txBody>
+          <a:bodyPr wrap="square" rtlCol="0">
+            <a:spAutoFit/>
+          </a:bodyPr>
+          <a:lstStyle/>
+          <a:p>
+            <a:pPr marL="285750" indent="-285750">
+              <a:buFont typeface="Arial" panose="020B0604020202020204" pitchFamily="34" charset="0"/>
+              <a:buChar char="•"/>
+            </a:pPr>
+            <a:r>
+              <a:rPr lang="fr-CA" dirty="0" smtClean="0"/>
+              <a:t>Tags utilisés</a:t>
+            </a:r>
+          </a:p>
+          <a:p>
+            <a:pPr marL="742950" lvl="1" indent="-285750">
+              <a:buFont typeface="Arial" panose="020B0604020202020204" pitchFamily="34" charset="0"/>
+              <a:buChar char="•"/>
+            </a:pPr>
+            <a:r>
+              <a:rPr lang="fr-CA" dirty="0" err="1" smtClean="0"/>
+              <a:t>PlayHand</a:t>
             </a:r>
             <a:endParaRPr lang="fr-CA" dirty="0" smtClean="0"/>
+          </a:p>
+          <a:p>
+            <a:pPr marL="742950" lvl="1" indent="-285750">
+              <a:buFont typeface="Arial" panose="020B0604020202020204" pitchFamily="34" charset="0"/>
+              <a:buChar char="•"/>
+            </a:pPr>
+            <a:r>
+              <a:rPr lang="fr-CA" dirty="0" err="1" smtClean="0"/>
+              <a:t>GuitarComponent</a:t>
+            </a:r>
+            <a:endParaRPr lang="fr-CA" dirty="0" smtClean="0"/>
+          </a:p>
+          <a:p>
+            <a:pPr marL="285750" indent="-285750">
+              <a:buFont typeface="Arial" panose="020B0604020202020204" pitchFamily="34" charset="0"/>
+              <a:buChar char="•"/>
+            </a:pPr>
+            <a:endParaRPr lang="fr-CA" dirty="0"/>
+          </a:p>
+          <a:p>
+            <a:pPr marL="285750" indent="-285750">
+              <a:buFont typeface="Arial" panose="020B0604020202020204" pitchFamily="34" charset="0"/>
+              <a:buChar char="•"/>
+            </a:pPr>
+            <a:r>
+              <a:rPr lang="fr-CA" dirty="0" smtClean="0"/>
+              <a:t>Prise en compte de la position de la main gauche</a:t>
+            </a:r>
           </a:p>
           <a:p>
             <a:pPr marL="285750" indent="-285750">
@@ -10582,11 +11007,7 @@
             </a:pPr>
             <a:r>
               <a:rPr lang="fr-CA" dirty="0" smtClean="0"/>
-              <a:t>Prise en compte de la vitesse de la main </a:t>
-            </a:r>
-            <a:r>
-              <a:rPr lang="fr-CA" dirty="0" smtClean="0"/>
-              <a:t>droite (</a:t>
+              <a:t>Prise en compte de la vitesse de la main droite (</a:t>
             </a:r>
             <a:r>
               <a:rPr lang="fr-CA" i="1" dirty="0" smtClean="0"/>
@@ -10728,83 +11149,6 @@
 </p:sld>
 </file>
 
-<file path=ppt/slides/slide8.xml><?xml version="1.0" encoding="utf-8"?>
-<p:sld xmlns:a="http://schemas.openxmlformats.org/drawingml/2006/main" xmlns:r="http://schemas.openxmlformats.org/officeDocument/2006/relationships" xmlns:p="http://schemas.openxmlformats.org/presentationml/2006/main">
-  <p:cSld>
-    <p:spTree>
-      <p:nvGrpSpPr>
-        <p:cNvPr id="1" name=""/>
-        <p:cNvGrpSpPr/>
-        <p:nvPr/>
-      </p:nvGrpSpPr>
-      <p:grpSpPr>
-        <a:xfrm>
-          <a:off x="0" y="0"/>
-          <a:ext cx="0" cy="0"/>
-          <a:chOff x="0" y="0"/>
-          <a:chExt cx="0" cy="0"/>
-        </a:xfrm>
-      </p:grpSpPr>
-      <p:sp>
-        <p:nvSpPr>
-          <p:cNvPr id="2" name="Title 1"/>
-          <p:cNvSpPr>
-            <a:spLocks noGrp="1"/>
-          </p:cNvSpPr>
-          <p:nvPr>
-            <p:ph type="title"/>
-          </p:nvPr>
-        </p:nvSpPr>
-        <p:spPr/>
-        <p:txBody>
-          <a:bodyPr/>
-          <a:lstStyle/>
-          <a:p>
-            <a:r>
-              <a:rPr lang="fr-CA" dirty="0" smtClean="0"/>
-              <a:t>Piano</a:t>
-            </a:r>
-            <a:endParaRPr lang="fr-CA" dirty="0"/>
-          </a:p>
-        </p:txBody>
-      </p:sp>
-      <p:pic>
-        <p:nvPicPr>
-          <p:cNvPr id="4" name="Image 3"/>
-          <p:cNvPicPr>
-            <a:picLocks noChangeAspect="1"/>
-          </p:cNvPicPr>
-          <p:nvPr/>
-        </p:nvPicPr>
-        <p:blipFill>
-          <a:blip r:embed="rId2"/>
-          <a:stretch>
-            <a:fillRect/>
-          </a:stretch>
-        </p:blipFill>
-        <p:spPr>
-          <a:xfrm>
-            <a:off x="837766" y="1189608"/>
-            <a:ext cx="8503437" cy="5242325"/>
-          </a:xfrm>
-          <a:prstGeom prst="rect">
-            <a:avLst/>
-          </a:prstGeom>
-        </p:spPr>
-      </p:pic>
-    </p:spTree>
-    <p:extLst>
-      <p:ext uri="{BB962C8B-B14F-4D97-AF65-F5344CB8AC3E}">
-        <p14:creationId xmlns:p14="http://schemas.microsoft.com/office/powerpoint/2010/main" val="299323498"/>
-      </p:ext>
-    </p:extLst>
-  </p:cSld>
-  <p:clrMapOvr>
-    <a:masterClrMapping/>
-  </p:clrMapOvr>
-</p:sld>
-</file>
-
 <file path=ppt/slides/slide9.xml><?xml version="1.0" encoding="utf-8"?>
 <p:sld xmlns:a="http://schemas.openxmlformats.org/drawingml/2006/main" xmlns:r="http://schemas.openxmlformats.org/officeDocument/2006/relationships" xmlns:p="http://schemas.openxmlformats.org/presentationml/2006/main">
   <p:cSld>
@@ -10824,7 +11168,7 @@
       </p:grpSpPr>
       <p:sp>
         <p:nvSpPr>
-          <p:cNvPr id="2" name="Titre 1"/>
+          <p:cNvPr id="2" name="Title 1"/>
           <p:cNvSpPr>
             <a:spLocks noGrp="1"/>
           </p:cNvSpPr>
@@ -10832,407 +11176,53 @@
             <p:ph type="title"/>
           </p:nvPr>
         </p:nvSpPr>
-        <p:spPr>
-          <a:xfrm>
-            <a:off x="6566262" y="764373"/>
-            <a:ext cx="4939937" cy="1293028"/>
-          </a:xfrm>
-        </p:spPr>
+        <p:spPr/>
         <p:txBody>
           <a:bodyPr/>
           <a:lstStyle/>
           <a:p>
-            <a:pPr algn="l"/>
-            <a:r>
-              <a:rPr lang="en-CA" dirty="0" smtClean="0"/>
+            <a:r>
+              <a:rPr lang="fr-CA" dirty="0" smtClean="0"/>
               <a:t>Piano</a:t>
             </a:r>
             <a:endParaRPr lang="fr-CA" dirty="0"/>
-          </a:p>
-        </p:txBody>
-      </p:sp>
-      <p:sp>
-        <p:nvSpPr>
-          <p:cNvPr id="3" name="Espace réservé du contenu 2"/>
-          <p:cNvSpPr>
-            <a:spLocks noGrp="1"/>
-          </p:cNvSpPr>
-          <p:nvPr>
-            <p:ph idx="1"/>
-          </p:nvPr>
-        </p:nvSpPr>
-        <p:spPr>
-          <a:xfrm>
-            <a:off x="653143" y="2185851"/>
-            <a:ext cx="5447210" cy="4024125"/>
-          </a:xfrm>
-        </p:spPr>
-        <p:txBody>
-          <a:bodyPr/>
-          <a:lstStyle/>
-          <a:p>
-            <a:pPr marL="0" indent="0">
-              <a:buNone/>
-            </a:pPr>
-            <a:r>
-              <a:rPr lang="en-CA" b="1" dirty="0" err="1" smtClean="0"/>
-              <a:t>Modélisation</a:t>
-            </a:r>
-            <a:r>
-              <a:rPr lang="en-CA" b="1" dirty="0" smtClean="0"/>
-              <a:t> des mains</a:t>
-            </a:r>
-          </a:p>
-          <a:p>
-            <a:r>
-              <a:rPr lang="en-CA" dirty="0" err="1" smtClean="0"/>
-              <a:t>Capteur</a:t>
-            </a:r>
-            <a:r>
-              <a:rPr lang="en-CA" dirty="0" smtClean="0"/>
-              <a:t>: 	</a:t>
-            </a:r>
-            <a:r>
-              <a:rPr lang="en-CA" dirty="0" err="1" smtClean="0"/>
-              <a:t>Caméra</a:t>
-            </a:r>
-            <a:r>
-              <a:rPr lang="en-CA" dirty="0" smtClean="0"/>
-              <a:t> Creative Senz3D</a:t>
-            </a:r>
-          </a:p>
-          <a:p>
-            <a:r>
-              <a:rPr lang="en-CA" dirty="0" smtClean="0"/>
-              <a:t>SDK: 		Intel Perceptual SDK</a:t>
-            </a:r>
-          </a:p>
-          <a:p>
-            <a:r>
-              <a:rPr lang="en-CA" dirty="0" err="1" smtClean="0"/>
-              <a:t>Fournit</a:t>
-            </a:r>
-            <a:r>
-              <a:rPr lang="en-CA" dirty="0" smtClean="0"/>
-              <a:t> la position de                                        </a:t>
-            </a:r>
-            <a:r>
-              <a:rPr lang="en-CA" dirty="0" smtClean="0">
-                <a:effectLst>
-                  <a:outerShdw blurRad="38100" dist="38100" dir="2700000" algn="tl">
-                    <a:srgbClr val="000000">
-                      <a:alpha val="43137"/>
-                    </a:srgbClr>
-                  </a:outerShdw>
-                </a:effectLst>
-              </a:rPr>
-              <a:t>17</a:t>
-            </a:r>
-            <a:r>
-              <a:rPr lang="en-CA" dirty="0" smtClean="0"/>
-              <a:t> articulations / main.</a:t>
-            </a:r>
-          </a:p>
-          <a:p>
-            <a:r>
-              <a:rPr lang="en-CA" dirty="0" smtClean="0"/>
-              <a:t>Champ de vision </a:t>
-            </a:r>
-            <a:r>
-              <a:rPr lang="en-CA" dirty="0" err="1" smtClean="0"/>
-              <a:t>limité</a:t>
-            </a:r>
-            <a:r>
-              <a:rPr lang="en-CA" dirty="0" smtClean="0"/>
-              <a:t>.</a:t>
-            </a:r>
-            <a:endParaRPr lang="en-CA" dirty="0"/>
           </a:p>
         </p:txBody>
       </p:sp>
       <p:pic>
         <p:nvPicPr>
-          <p:cNvPr id="1026" name="Picture 2" descr="http://ecx.images-amazon.com/images/I/71YVgQYfRFL._SL1500_.jpg"/>
+          <p:cNvPr id="4" name="Image 3"/>
           <p:cNvPicPr>
-            <a:picLocks noChangeAspect="1" noChangeArrowheads="1"/>
+            <a:picLocks noChangeAspect="1"/>
           </p:cNvPicPr>
           <p:nvPr/>
         </p:nvPicPr>
         <p:blipFill>
-          <a:blip r:embed="rId2" cstate="print">
-            <a:extLst>
-              <a:ext uri="{BEBA8EAE-BF5A-486C-A8C5-ECC9F3942E4B}">
-                <a14:imgProps xmlns:a14="http://schemas.microsoft.com/office/drawing/2010/main">
-                  <a14:imgLayer r:embed="rId3">
-                    <a14:imgEffect>
-                      <a14:backgroundRemoval t="9846" b="89917" l="3267" r="96533"/>
-                    </a14:imgEffect>
-                  </a14:imgLayer>
-                </a14:imgProps>
-              </a:ext>
-              <a:ext uri="{28A0092B-C50C-407E-A947-70E740481C1C}">
-                <a14:useLocalDpi xmlns:a14="http://schemas.microsoft.com/office/drawing/2010/main" val="0"/>
-              </a:ext>
-            </a:extLst>
-          </a:blip>
-          <a:srcRect/>
+          <a:blip r:embed="rId2"/>
           <a:stretch>
             <a:fillRect/>
           </a:stretch>
         </p:blipFill>
-        <p:spPr bwMode="auto">
-          <a:xfrm>
-            <a:off x="5843451" y="4007782"/>
-            <a:ext cx="3097732" cy="1740925"/>
+        <p:spPr>
+          <a:xfrm>
+            <a:off x="837766" y="1189608"/>
+            <a:ext cx="8503437" cy="5242325"/>
           </a:xfrm>
           <a:prstGeom prst="rect">
             <a:avLst/>
           </a:prstGeom>
-          <a:noFill/>
-          <a:extLst>
-            <a:ext uri="{909E8E84-426E-40DD-AFC4-6F175D3DCCD1}">
-              <a14:hiddenFill xmlns:a14="http://schemas.microsoft.com/office/drawing/2010/main">
-                <a:solidFill>
-                  <a:srgbClr val="FFFFFF"/>
-                </a:solidFill>
-              </a14:hiddenFill>
-            </a:ext>
-          </a:extLst>
         </p:spPr>
       </p:pic>
-      <p:cxnSp>
-        <p:nvCxnSpPr>
-          <p:cNvPr id="5" name="Connecteur droit 4"/>
-          <p:cNvCxnSpPr/>
-          <p:nvPr/>
-        </p:nvCxnSpPr>
-        <p:spPr>
-          <a:xfrm flipH="1">
-            <a:off x="4682691" y="4689468"/>
-            <a:ext cx="1323703" cy="1602377"/>
-          </a:xfrm>
-          <a:prstGeom prst="line">
-            <a:avLst/>
-          </a:prstGeom>
-        </p:spPr>
-        <p:style>
-          <a:lnRef idx="1">
-            <a:schemeClr val="accent1"/>
-          </a:lnRef>
-          <a:fillRef idx="0">
-            <a:schemeClr val="accent1"/>
-          </a:fillRef>
-          <a:effectRef idx="0">
-            <a:schemeClr val="accent1"/>
-          </a:effectRef>
-          <a:fontRef idx="minor">
-            <a:schemeClr val="tx1"/>
-          </a:fontRef>
-        </p:style>
-      </p:cxnSp>
-      <p:cxnSp>
-        <p:nvCxnSpPr>
-          <p:cNvPr id="7" name="Connecteur droit 6"/>
-          <p:cNvCxnSpPr/>
-          <p:nvPr/>
-        </p:nvCxnSpPr>
-        <p:spPr>
-          <a:xfrm>
-            <a:off x="8684281" y="4599582"/>
-            <a:ext cx="1417662" cy="1588525"/>
-          </a:xfrm>
-          <a:prstGeom prst="line">
-            <a:avLst/>
-          </a:prstGeom>
-        </p:spPr>
-        <p:style>
-          <a:lnRef idx="1">
-            <a:schemeClr val="accent1"/>
-          </a:lnRef>
-          <a:fillRef idx="0">
-            <a:schemeClr val="accent1"/>
-          </a:fillRef>
-          <a:effectRef idx="0">
-            <a:schemeClr val="accent1"/>
-          </a:effectRef>
-          <a:fontRef idx="minor">
-            <a:schemeClr val="tx1"/>
-          </a:fontRef>
-        </p:style>
-      </p:cxnSp>
-      <p:sp>
-        <p:nvSpPr>
-          <p:cNvPr id="10" name="ZoneTexte 9"/>
-          <p:cNvSpPr txBox="1"/>
-          <p:nvPr/>
-        </p:nvSpPr>
-        <p:spPr>
-          <a:xfrm>
-            <a:off x="6751757" y="6107179"/>
-            <a:ext cx="1281120" cy="369332"/>
-          </a:xfrm>
-          <a:prstGeom prst="rect">
-            <a:avLst/>
-          </a:prstGeom>
-          <a:noFill/>
-        </p:spPr>
-        <p:txBody>
-          <a:bodyPr wrap="none" rtlCol="0">
-            <a:spAutoFit/>
-          </a:bodyPr>
-          <a:lstStyle/>
-          <a:p>
-            <a:r>
-              <a:rPr lang="en-CA" dirty="0" smtClean="0">
-                <a:solidFill>
-                  <a:schemeClr val="accent1"/>
-                </a:solidFill>
-              </a:rPr>
-              <a:t>3 octaves</a:t>
-            </a:r>
-            <a:endParaRPr lang="fr-CA" dirty="0">
-              <a:solidFill>
-                <a:schemeClr val="accent1"/>
-              </a:solidFill>
-            </a:endParaRPr>
-          </a:p>
-        </p:txBody>
-      </p:sp>
-      <p:pic>
-        <p:nvPicPr>
-          <p:cNvPr id="1030" name="Picture 6" descr="http://assets.hardwarezone.com/img/2013/10/attached.jpg"/>
-          <p:cNvPicPr>
-            <a:picLocks noChangeAspect="1" noChangeArrowheads="1"/>
-          </p:cNvPicPr>
-          <p:nvPr/>
-        </p:nvPicPr>
-        <p:blipFill>
-          <a:blip r:embed="rId4">
-            <a:extLst>
-              <a:ext uri="{BEBA8EAE-BF5A-486C-A8C5-ECC9F3942E4B}">
-                <a14:imgProps xmlns:a14="http://schemas.microsoft.com/office/drawing/2010/main">
-                  <a14:imgLayer r:embed="rId5">
-                    <a14:imgEffect>
-                      <a14:backgroundRemoval t="0" b="46997" l="10000" r="100000"/>
-                    </a14:imgEffect>
-                  </a14:imgLayer>
-                </a14:imgProps>
-              </a:ext>
-              <a:ext uri="{28A0092B-C50C-407E-A947-70E740481C1C}">
-                <a14:useLocalDpi xmlns:a14="http://schemas.microsoft.com/office/drawing/2010/main" val="0"/>
-              </a:ext>
-            </a:extLst>
-          </a:blip>
-          <a:srcRect/>
-          <a:stretch>
-            <a:fillRect/>
-          </a:stretch>
-        </p:blipFill>
-        <p:spPr bwMode="auto">
-          <a:xfrm rot="5400000">
-            <a:off x="8649842" y="2643917"/>
-            <a:ext cx="3243409" cy="2070377"/>
-          </a:xfrm>
-          <a:prstGeom prst="rect">
-            <a:avLst/>
-          </a:prstGeom>
-          <a:noFill/>
-          <a:extLst>
-            <a:ext uri="{909E8E84-426E-40DD-AFC4-6F175D3DCCD1}">
-              <a14:hiddenFill xmlns:a14="http://schemas.microsoft.com/office/drawing/2010/main">
-                <a:solidFill>
-                  <a:srgbClr val="FFFFFF"/>
-                </a:solidFill>
-              </a14:hiddenFill>
-            </a:ext>
-          </a:extLst>
-        </p:spPr>
-      </p:pic>
-      <p:cxnSp>
-        <p:nvCxnSpPr>
-          <p:cNvPr id="14" name="Connecteur droit 13"/>
-          <p:cNvCxnSpPr/>
-          <p:nvPr/>
-        </p:nvCxnSpPr>
-        <p:spPr>
-          <a:xfrm>
-            <a:off x="10781212" y="1192291"/>
-            <a:ext cx="16285" cy="2508248"/>
-          </a:xfrm>
-          <a:prstGeom prst="line">
-            <a:avLst/>
-          </a:prstGeom>
-        </p:spPr>
-        <p:style>
-          <a:lnRef idx="1">
-            <a:schemeClr val="accent1"/>
-          </a:lnRef>
-          <a:fillRef idx="0">
-            <a:schemeClr val="accent1"/>
-          </a:fillRef>
-          <a:effectRef idx="0">
-            <a:schemeClr val="accent1"/>
-          </a:effectRef>
-          <a:fontRef idx="minor">
-            <a:schemeClr val="tx1"/>
-          </a:fontRef>
-        </p:style>
-      </p:cxnSp>
-      <p:sp>
-        <p:nvSpPr>
-          <p:cNvPr id="16" name="ZoneTexte 15"/>
-          <p:cNvSpPr txBox="1"/>
-          <p:nvPr/>
-        </p:nvSpPr>
-        <p:spPr>
-          <a:xfrm>
-            <a:off x="9393112" y="2185851"/>
-            <a:ext cx="870751" cy="369332"/>
-          </a:xfrm>
-          <a:prstGeom prst="rect">
-            <a:avLst/>
-          </a:prstGeom>
-          <a:noFill/>
-        </p:spPr>
-        <p:txBody>
-          <a:bodyPr wrap="none" rtlCol="0">
-            <a:spAutoFit/>
-          </a:bodyPr>
-          <a:lstStyle/>
-          <a:p>
-            <a:r>
-              <a:rPr lang="en-CA" dirty="0" smtClean="0">
-                <a:solidFill>
-                  <a:schemeClr val="accent1"/>
-                </a:solidFill>
-              </a:rPr>
-              <a:t>75 cm</a:t>
-            </a:r>
-            <a:endParaRPr lang="fr-CA" dirty="0">
-              <a:solidFill>
-                <a:schemeClr val="accent1"/>
-              </a:solidFill>
-            </a:endParaRPr>
-          </a:p>
-        </p:txBody>
-      </p:sp>
     </p:spTree>
     <p:extLst>
       <p:ext uri="{BB962C8B-B14F-4D97-AF65-F5344CB8AC3E}">
-        <p14:creationId xmlns:p14="http://schemas.microsoft.com/office/powerpoint/2010/main" val="2933764301"/>
+        <p14:creationId xmlns:p14="http://schemas.microsoft.com/office/powerpoint/2010/main" val="299323498"/>
       </p:ext>
     </p:extLst>
   </p:cSld>
   <p:clrMapOvr>
     <a:masterClrMapping/>
   </p:clrMapOvr>
-  <p:timing>
-    <p:tnLst>
-      <p:par>
-        <p:cTn id="1" dur="indefinite" restart="never" nodeType="tmRoot"/>
-      </p:par>
-    </p:tnLst>
-  </p:timing>
 </p:sld>
 </file>
 

--- a/Documentations/RemiseMiSession/Présentation.pptx
+++ b/Documentations/RemiseMiSession/Présentation.pptx
@@ -5848,6 +5848,13 @@
   <p:clrMapOvr>
     <a:masterClrMapping/>
   </p:clrMapOvr>
+  <p:timing>
+    <p:tnLst>
+      <p:par>
+        <p:cTn id="1" dur="indefinite" restart="never" nodeType="tmRoot"/>
+      </p:par>
+    </p:tnLst>
+  </p:timing>
 </p:sld>
 </file>
 
@@ -6736,6 +6743,13 @@
   <p:clrMapOvr>
     <a:masterClrMapping/>
   </p:clrMapOvr>
+  <p:timing>
+    <p:tnLst>
+      <p:par>
+        <p:cTn id="1" dur="indefinite" restart="never" nodeType="tmRoot"/>
+      </p:par>
+    </p:tnLst>
+  </p:timing>
 </p:sld>
 </file>
 
@@ -8746,6 +8760,13 @@
   <p:clrMapOvr>
     <a:masterClrMapping/>
   </p:clrMapOvr>
+  <p:timing>
+    <p:tnLst>
+      <p:par>
+        <p:cTn id="1" dur="indefinite" restart="never" nodeType="tmRoot"/>
+      </p:par>
+    </p:tnLst>
+  </p:timing>
 </p:sld>
 </file>
 
@@ -8821,8 +8842,23 @@
           <a:p>
             <a:r>
               <a:rPr lang="fr-CA" dirty="0" smtClean="0"/>
-              <a:t>Majorité du temps pour développer le logiciel</a:t>
-            </a:r>
+              <a:t>Majorité du temps pour développer le </a:t>
+            </a:r>
+            <a:r>
+              <a:rPr lang="fr-CA" dirty="0" smtClean="0"/>
+              <a:t>logiciel</a:t>
+            </a:r>
+          </a:p>
+          <a:p>
+            <a:r>
+              <a:rPr lang="fr-CA" dirty="0"/>
+              <a:t>Phase de développement du 24 février au 10 </a:t>
+            </a:r>
+            <a:r>
+              <a:rPr lang="fr-CA" dirty="0" smtClean="0"/>
+              <a:t>mars</a:t>
+            </a:r>
+            <a:endParaRPr lang="fr-CA" dirty="0" smtClean="0"/>
           </a:p>
           <a:p>
             <a:r>
@@ -8844,12 +8880,6 @@
             <a:r>
               <a:rPr lang="fr-CA" dirty="0" smtClean="0"/>
               <a:t>Échéancier et requis flexibles afin de mieux réagir aux imprévus</a:t>
-            </a:r>
-          </a:p>
-          <a:p>
-            <a:r>
-              <a:rPr lang="fr-CA" dirty="0" smtClean="0"/>
-              <a:t>Phase de développement du 24 février au 10 mars</a:t>
             </a:r>
           </a:p>
           <a:p>
@@ -8867,6 +8897,13 @@
   <p:clrMapOvr>
     <a:masterClrMapping/>
   </p:clrMapOvr>
+  <p:timing>
+    <p:tnLst>
+      <p:par>
+        <p:cTn id="1" dur="indefinite" restart="never" nodeType="tmRoot"/>
+      </p:par>
+    </p:tnLst>
+  </p:timing>
 </p:sld>
 </file>
 
@@ -9058,6 +9095,13 @@
   <p:clrMapOvr>
     <a:masterClrMapping/>
   </p:clrMapOvr>
+  <p:timing>
+    <p:tnLst>
+      <p:par>
+        <p:cTn id="1" dur="indefinite" restart="never" nodeType="tmRoot"/>
+      </p:par>
+    </p:tnLst>
+  </p:timing>
 </p:sld>
 </file>
 
@@ -9114,7 +9158,7 @@
         <p:spPr/>
         <p:txBody>
           <a:bodyPr>
-            <a:normAutofit/>
+            <a:normAutofit fontScale="92500" lnSpcReduction="20000"/>
           </a:bodyPr>
           <a:lstStyle/>
           <a:p>
@@ -9183,8 +9227,40 @@
             <a:pPr lvl="2"/>
             <a:r>
               <a:rPr lang="fr-CA" dirty="0" smtClean="0"/>
-              <a:t>L’utilisateur à le plein contrôle</a:t>
-            </a:r>
+              <a:t>L’utilisateur à le plein </a:t>
+            </a:r>
+            <a:r>
+              <a:rPr lang="fr-CA" dirty="0" smtClean="0"/>
+              <a:t>contrôle</a:t>
+            </a:r>
+          </a:p>
+          <a:p>
+            <a:r>
+              <a:rPr lang="fr-CA" dirty="0" smtClean="0"/>
+              <a:t>Capteurs</a:t>
+            </a:r>
+          </a:p>
+          <a:p>
+            <a:pPr lvl="1"/>
+            <a:r>
+              <a:rPr lang="fr-CA" dirty="0" smtClean="0"/>
+              <a:t>Kinect </a:t>
+            </a:r>
+          </a:p>
+          <a:p>
+            <a:pPr lvl="1"/>
+            <a:r>
+              <a:rPr lang="fr-CA" dirty="0" smtClean="0"/>
+              <a:t>Intel</a:t>
+            </a:r>
+          </a:p>
+          <a:p>
+            <a:pPr lvl="1"/>
+            <a:r>
+              <a:rPr lang="fr-CA" dirty="0" err="1" smtClean="0"/>
+              <a:t>PSEye</a:t>
+            </a:r>
+            <a:endParaRPr lang="fr-CA" dirty="0" smtClean="0"/>
           </a:p>
         </p:txBody>
       </p:sp>
@@ -9198,6 +9274,13 @@
   <p:clrMapOvr>
     <a:masterClrMapping/>
   </p:clrMapOvr>
+  <p:timing>
+    <p:tnLst>
+      <p:par>
+        <p:cTn id="1" dur="indefinite" restart="never" nodeType="tmRoot"/>
+      </p:par>
+    </p:tnLst>
+  </p:timing>
 </p:sld>
 </file>
 
@@ -9267,8 +9350,20 @@
             <a:pPr lvl="1"/>
             <a:r>
               <a:rPr lang="fr-CA" dirty="0" smtClean="0"/>
-              <a:t>Explication du jeu et de son fonctionnement</a:t>
-            </a:r>
+              <a:t>Explication du jeu et de son </a:t>
+            </a:r>
+            <a:r>
+              <a:rPr lang="fr-CA" dirty="0" smtClean="0"/>
+              <a:t>fonctionnement</a:t>
+            </a:r>
+          </a:p>
+          <a:p>
+            <a:pPr lvl="1"/>
+            <a:r>
+              <a:rPr lang="fr-CA" dirty="0" smtClean="0"/>
+              <a:t>Explication des interactions (François)</a:t>
+            </a:r>
+            <a:endParaRPr lang="fr-CA" dirty="0" smtClean="0"/>
           </a:p>
           <a:p>
             <a:pPr lvl="1"/>
@@ -9933,6 +10028,13 @@
   <p:clrMapOvr>
     <a:masterClrMapping/>
   </p:clrMapOvr>
+  <p:timing>
+    <p:tnLst>
+      <p:par>
+        <p:cTn id="1" dur="indefinite" restart="never" nodeType="tmRoot"/>
+      </p:par>
+    </p:tnLst>
+  </p:timing>
 </p:sld>
 </file>
 
@@ -10146,6 +10248,13 @@
   <p:clrMapOvr>
     <a:masterClrMapping/>
   </p:clrMapOvr>
+  <p:timing>
+    <p:tnLst>
+      <p:par>
+        <p:cTn id="1" dur="indefinite" restart="never" nodeType="tmRoot"/>
+      </p:par>
+    </p:tnLst>
+  </p:timing>
 </p:sld>
 </file>
 
@@ -10300,6 +10409,13 @@
   <p:clrMapOvr>
     <a:masterClrMapping/>
   </p:clrMapOvr>
+  <p:timing>
+    <p:tnLst>
+      <p:par>
+        <p:cTn id="1" dur="indefinite" restart="never" nodeType="tmRoot"/>
+      </p:par>
+    </p:tnLst>
+  </p:timing>
 </p:sld>
 </file>
 
@@ -10851,6 +10967,13 @@
   <p:clrMapOvr>
     <a:masterClrMapping/>
   </p:clrMapOvr>
+  <p:timing>
+    <p:tnLst>
+      <p:par>
+        <p:cTn id="1" dur="indefinite" restart="never" nodeType="tmRoot"/>
+      </p:par>
+    </p:tnLst>
+  </p:timing>
 </p:sld>
 </file>
 
@@ -11146,6 +11269,13 @@
   <p:clrMapOvr>
     <a:masterClrMapping/>
   </p:clrMapOvr>
+  <p:timing>
+    <p:tnLst>
+      <p:par>
+        <p:cTn id="1" dur="indefinite" restart="never" nodeType="tmRoot"/>
+      </p:par>
+    </p:tnLst>
+  </p:timing>
 </p:sld>
 </file>
 
@@ -11223,6 +11353,13 @@
   <p:clrMapOvr>
     <a:masterClrMapping/>
   </p:clrMapOvr>
+  <p:timing>
+    <p:tnLst>
+      <p:par>
+        <p:cTn id="1" dur="indefinite" restart="never" nodeType="tmRoot"/>
+      </p:par>
+    </p:tnLst>
+  </p:timing>
 </p:sld>
 </file>
 
